--- a/Documentación/Sprint 1/Navegación entre interfases e Interfases gráficas de usuario.pptx
+++ b/Documentación/Sprint 1/Navegación entre interfases e Interfases gráficas de usuario.pptx
@@ -105,6 +105,11 @@
       </a:defRPr>
     </a:lvl9pPr>
   </p:defaultTextStyle>
+  <p:extLst>
+    <p:ext uri="{EFAFB233-063F-42B5-8137-9DF3F51BA10A}">
+      <p15:sldGuideLst xmlns:p15="http://schemas.microsoft.com/office/powerpoint/2012/main"/>
+    </p:ext>
+  </p:extLst>
 </p:presentation>
 </file>
 
@@ -257,7 +262,7 @@
           <a:p>
             <a:fld id="{0FC49E1C-D7DA-4603-87F1-F9E3F28E788A}" type="datetimeFigureOut">
               <a:rPr lang="es-CO" smtClean="0"/>
-              <a:t>18/09/2021</a:t>
+              <a:t>20/09/2021</a:t>
             </a:fld>
             <a:endParaRPr lang="es-CO"/>
           </a:p>
@@ -457,7 +462,7 @@
           <a:p>
             <a:fld id="{0FC49E1C-D7DA-4603-87F1-F9E3F28E788A}" type="datetimeFigureOut">
               <a:rPr lang="es-CO" smtClean="0"/>
-              <a:t>18/09/2021</a:t>
+              <a:t>20/09/2021</a:t>
             </a:fld>
             <a:endParaRPr lang="es-CO"/>
           </a:p>
@@ -667,7 +672,7 @@
           <a:p>
             <a:fld id="{0FC49E1C-D7DA-4603-87F1-F9E3F28E788A}" type="datetimeFigureOut">
               <a:rPr lang="es-CO" smtClean="0"/>
-              <a:t>18/09/2021</a:t>
+              <a:t>20/09/2021</a:t>
             </a:fld>
             <a:endParaRPr lang="es-CO"/>
           </a:p>
@@ -867,7 +872,7 @@
           <a:p>
             <a:fld id="{0FC49E1C-D7DA-4603-87F1-F9E3F28E788A}" type="datetimeFigureOut">
               <a:rPr lang="es-CO" smtClean="0"/>
-              <a:t>18/09/2021</a:t>
+              <a:t>20/09/2021</a:t>
             </a:fld>
             <a:endParaRPr lang="es-CO"/>
           </a:p>
@@ -1143,7 +1148,7 @@
           <a:p>
             <a:fld id="{0FC49E1C-D7DA-4603-87F1-F9E3F28E788A}" type="datetimeFigureOut">
               <a:rPr lang="es-CO" smtClean="0"/>
-              <a:t>18/09/2021</a:t>
+              <a:t>20/09/2021</a:t>
             </a:fld>
             <a:endParaRPr lang="es-CO"/>
           </a:p>
@@ -1411,7 +1416,7 @@
           <a:p>
             <a:fld id="{0FC49E1C-D7DA-4603-87F1-F9E3F28E788A}" type="datetimeFigureOut">
               <a:rPr lang="es-CO" smtClean="0"/>
-              <a:t>18/09/2021</a:t>
+              <a:t>20/09/2021</a:t>
             </a:fld>
             <a:endParaRPr lang="es-CO"/>
           </a:p>
@@ -1826,7 +1831,7 @@
           <a:p>
             <a:fld id="{0FC49E1C-D7DA-4603-87F1-F9E3F28E788A}" type="datetimeFigureOut">
               <a:rPr lang="es-CO" smtClean="0"/>
-              <a:t>18/09/2021</a:t>
+              <a:t>20/09/2021</a:t>
             </a:fld>
             <a:endParaRPr lang="es-CO"/>
           </a:p>
@@ -1968,7 +1973,7 @@
           <a:p>
             <a:fld id="{0FC49E1C-D7DA-4603-87F1-F9E3F28E788A}" type="datetimeFigureOut">
               <a:rPr lang="es-CO" smtClean="0"/>
-              <a:t>18/09/2021</a:t>
+              <a:t>20/09/2021</a:t>
             </a:fld>
             <a:endParaRPr lang="es-CO"/>
           </a:p>
@@ -2081,7 +2086,7 @@
           <a:p>
             <a:fld id="{0FC49E1C-D7DA-4603-87F1-F9E3F28E788A}" type="datetimeFigureOut">
               <a:rPr lang="es-CO" smtClean="0"/>
-              <a:t>18/09/2021</a:t>
+              <a:t>20/09/2021</a:t>
             </a:fld>
             <a:endParaRPr lang="es-CO"/>
           </a:p>
@@ -2394,7 +2399,7 @@
           <a:p>
             <a:fld id="{0FC49E1C-D7DA-4603-87F1-F9E3F28E788A}" type="datetimeFigureOut">
               <a:rPr lang="es-CO" smtClean="0"/>
-              <a:t>18/09/2021</a:t>
+              <a:t>20/09/2021</a:t>
             </a:fld>
             <a:endParaRPr lang="es-CO"/>
           </a:p>
@@ -2683,7 +2688,7 @@
           <a:p>
             <a:fld id="{0FC49E1C-D7DA-4603-87F1-F9E3F28E788A}" type="datetimeFigureOut">
               <a:rPr lang="es-CO" smtClean="0"/>
-              <a:t>18/09/2021</a:t>
+              <a:t>20/09/2021</a:t>
             </a:fld>
             <a:endParaRPr lang="es-CO"/>
           </a:p>
@@ -2926,7 +2931,7 @@
           <a:p>
             <a:fld id="{0FC49E1C-D7DA-4603-87F1-F9E3F28E788A}" type="datetimeFigureOut">
               <a:rPr lang="es-CO" smtClean="0"/>
-              <a:t>18/09/2021</a:t>
+              <a:t>20/09/2021</a:t>
             </a:fld>
             <a:endParaRPr lang="es-CO"/>
           </a:p>
@@ -3343,230 +3348,28 @@
           <a:chExt cx="0" cy="0"/>
         </a:xfrm>
       </p:grpSpPr>
-      <p:pic>
-        <p:nvPicPr>
-          <p:cNvPr id="5" name="Imagen 4" descr="Una caricatura de una persona&#10;&#10;Descripción generada automáticamente con confianza baja">
-            <a:extLst>
-              <a:ext uri="{FF2B5EF4-FFF2-40B4-BE49-F238E27FC236}">
-                <a16:creationId xmlns:a16="http://schemas.microsoft.com/office/drawing/2014/main" id="{CBF63FD3-8B8D-48F4-A6D2-BA4DBD9F1457}"/>
-              </a:ext>
-            </a:extLst>
-          </p:cNvPr>
-          <p:cNvPicPr>
-            <a:picLocks noChangeAspect="1"/>
-          </p:cNvPicPr>
+      <p:sp>
+        <p:nvSpPr>
+          <p:cNvPr id="13" name="Rectángulo 12">
+            <a:extLst>
+              <a:ext uri="{FF2B5EF4-FFF2-40B4-BE49-F238E27FC236}">
+                <a16:creationId xmlns:a16="http://schemas.microsoft.com/office/drawing/2014/main" id="{F9A08355-D31A-4980-9D8F-883E7D0A0983}"/>
+              </a:ext>
+            </a:extLst>
+          </p:cNvPr>
+          <p:cNvSpPr/>
           <p:nvPr/>
-        </p:nvPicPr>
-        <p:blipFill>
-          <a:blip r:embed="rId2">
-            <a:extLst>
-              <a:ext uri="{28A0092B-C50C-407E-A947-70E740481C1C}">
-                <a14:useLocalDpi xmlns:a14="http://schemas.microsoft.com/office/drawing/2010/main" val="0"/>
-              </a:ext>
-            </a:extLst>
-          </a:blip>
-          <a:stretch>
-            <a:fillRect/>
-          </a:stretch>
-        </p:blipFill>
+        </p:nvSpPr>
         <p:spPr>
           <a:xfrm>
-            <a:off x="6541475" y="1521117"/>
-            <a:ext cx="5062120" cy="3815765"/>
+            <a:off x="325821" y="830343"/>
+            <a:ext cx="5031398" cy="5707117"/>
           </a:xfrm>
           <a:prstGeom prst="rect">
             <a:avLst/>
           </a:prstGeom>
-        </p:spPr>
-      </p:pic>
-      <p:sp>
-        <p:nvSpPr>
-          <p:cNvPr id="7" name="CuadroTexto 6">
-            <a:extLst>
-              <a:ext uri="{FF2B5EF4-FFF2-40B4-BE49-F238E27FC236}">
-                <a16:creationId xmlns:a16="http://schemas.microsoft.com/office/drawing/2014/main" id="{A36CB4E8-A307-4086-AD5F-D7E812613A7F}"/>
-              </a:ext>
-            </a:extLst>
-          </p:cNvPr>
-          <p:cNvSpPr txBox="1"/>
-          <p:nvPr/>
-        </p:nvSpPr>
-        <p:spPr>
-          <a:xfrm>
-            <a:off x="9785840" y="312575"/>
-            <a:ext cx="1817755" cy="646331"/>
-          </a:xfrm>
-          <a:prstGeom prst="rect">
-            <a:avLst/>
-          </a:prstGeom>
-          <a:noFill/>
-        </p:spPr>
-        <p:txBody>
-          <a:bodyPr wrap="square" rtlCol="0">
-            <a:spAutoFit/>
-          </a:bodyPr>
-          <a:lstStyle/>
-          <a:p>
-            <a:r>
-              <a:rPr lang="es-CO" dirty="0">
-                <a:latin typeface="Berlin Sans FB Demi" panose="020E0802020502020306" pitchFamily="34" charset="0"/>
-              </a:rPr>
-              <a:t>Sobre Nosotros</a:t>
-            </a:r>
-          </a:p>
-          <a:p>
-            <a:endParaRPr lang="es-CO" dirty="0"/>
-          </a:p>
-        </p:txBody>
-      </p:sp>
-      <p:sp>
-        <p:nvSpPr>
-          <p:cNvPr id="8" name="Rectángulo: esquinas redondeadas 7">
-            <a:extLst>
-              <a:ext uri="{FF2B5EF4-FFF2-40B4-BE49-F238E27FC236}">
-                <a16:creationId xmlns:a16="http://schemas.microsoft.com/office/drawing/2014/main" id="{EF316D19-5474-4589-ABD3-159A11F57EFA}"/>
-              </a:ext>
-            </a:extLst>
-          </p:cNvPr>
-          <p:cNvSpPr/>
-          <p:nvPr/>
-        </p:nvSpPr>
-        <p:spPr>
-          <a:xfrm>
-            <a:off x="383930" y="1082017"/>
-            <a:ext cx="5152294" cy="5415497"/>
-          </a:xfrm>
-          <a:prstGeom prst="roundRect">
-            <a:avLst/>
-          </a:prstGeom>
           <a:solidFill>
-            <a:schemeClr val="accent5"/>
-          </a:solidFill>
-        </p:spPr>
-        <p:style>
-          <a:lnRef idx="2">
-            <a:schemeClr val="accent1">
-              <a:shade val="50000"/>
-            </a:schemeClr>
-          </a:lnRef>
-          <a:fillRef idx="1">
-            <a:schemeClr val="accent1"/>
-          </a:fillRef>
-          <a:effectRef idx="0">
-            <a:schemeClr val="accent1"/>
-          </a:effectRef>
-          <a:fontRef idx="minor">
-            <a:schemeClr val="lt1"/>
-          </a:fontRef>
-        </p:style>
-        <p:txBody>
-          <a:bodyPr rtlCol="0" anchor="ctr"/>
-          <a:lstStyle/>
-          <a:p>
-            <a:pPr algn="ctr"/>
-            <a:endParaRPr lang="es-CO" dirty="0"/>
-          </a:p>
-        </p:txBody>
-      </p:sp>
-      <p:sp>
-        <p:nvSpPr>
-          <p:cNvPr id="9" name="CuadroTexto 8">
-            <a:extLst>
-              <a:ext uri="{FF2B5EF4-FFF2-40B4-BE49-F238E27FC236}">
-                <a16:creationId xmlns:a16="http://schemas.microsoft.com/office/drawing/2014/main" id="{977FA8B7-B6C7-43A7-9471-F97A322289DE}"/>
-              </a:ext>
-            </a:extLst>
-          </p:cNvPr>
-          <p:cNvSpPr txBox="1"/>
-          <p:nvPr/>
-        </p:nvSpPr>
-        <p:spPr>
-          <a:xfrm>
-            <a:off x="0" y="235631"/>
-            <a:ext cx="2561160" cy="400110"/>
-          </a:xfrm>
-          <a:prstGeom prst="rect">
-            <a:avLst/>
-          </a:prstGeom>
-          <a:noFill/>
-        </p:spPr>
-        <p:txBody>
-          <a:bodyPr wrap="square" rtlCol="0">
-            <a:spAutoFit/>
-          </a:bodyPr>
-          <a:lstStyle/>
-          <a:p>
-            <a:pPr algn="ctr"/>
-            <a:r>
-              <a:rPr lang="es-CO" sz="2000" dirty="0">
-                <a:latin typeface="Amasis MT Pro Black" panose="020B0604020202020204" pitchFamily="18" charset="0"/>
-              </a:rPr>
-              <a:t>Atom-Huron</a:t>
-            </a:r>
-          </a:p>
-        </p:txBody>
-      </p:sp>
-      <p:sp>
-        <p:nvSpPr>
-          <p:cNvPr id="10" name="CuadroTexto 9">
-            <a:extLst>
-              <a:ext uri="{FF2B5EF4-FFF2-40B4-BE49-F238E27FC236}">
-                <a16:creationId xmlns:a16="http://schemas.microsoft.com/office/drawing/2014/main" id="{F47137B5-0150-4DFE-8356-61925288F916}"/>
-              </a:ext>
-            </a:extLst>
-          </p:cNvPr>
-          <p:cNvSpPr txBox="1"/>
-          <p:nvPr/>
-        </p:nvSpPr>
-        <p:spPr>
-          <a:xfrm>
-            <a:off x="1213338" y="1362808"/>
-            <a:ext cx="3455377" cy="646331"/>
-          </a:xfrm>
-          <a:prstGeom prst="rect">
-            <a:avLst/>
-          </a:prstGeom>
-          <a:noFill/>
-        </p:spPr>
-        <p:txBody>
-          <a:bodyPr wrap="square" rtlCol="0">
-            <a:spAutoFit/>
-          </a:bodyPr>
-          <a:lstStyle/>
-          <a:p>
-            <a:pPr algn="ctr"/>
-            <a:r>
-              <a:rPr lang="es-CO" sz="3600" dirty="0">
-                <a:latin typeface="Aharoni" panose="02010803020104030203" pitchFamily="2" charset="-79"/>
-                <a:cs typeface="Aharoni" panose="02010803020104030203" pitchFamily="2" charset="-79"/>
-              </a:rPr>
-              <a:t>Bienvenido</a:t>
-            </a:r>
-          </a:p>
-        </p:txBody>
-      </p:sp>
-      <p:sp>
-        <p:nvSpPr>
-          <p:cNvPr id="11" name="Pergamino: horizontal 10">
-            <a:extLst>
-              <a:ext uri="{FF2B5EF4-FFF2-40B4-BE49-F238E27FC236}">
-                <a16:creationId xmlns:a16="http://schemas.microsoft.com/office/drawing/2014/main" id="{9F54CD50-283F-4AB7-9265-096A89D16FB3}"/>
-              </a:ext>
-            </a:extLst>
-          </p:cNvPr>
-          <p:cNvSpPr/>
-          <p:nvPr/>
-        </p:nvSpPr>
-        <p:spPr>
-          <a:xfrm>
-            <a:off x="896815" y="2303585"/>
-            <a:ext cx="4088423" cy="1503484"/>
-          </a:xfrm>
-          <a:prstGeom prst="horizontalScroll">
-            <a:avLst/>
-          </a:prstGeom>
-          <a:solidFill>
-            <a:schemeClr val="accent5">
+            <a:schemeClr val="tx2">
               <a:lumMod val="40000"/>
               <a:lumOff val="60000"/>
             </a:schemeClr>
@@ -3593,16 +3396,689 @@
           <a:lstStyle/>
           <a:p>
             <a:pPr algn="ctr"/>
-            <a:endParaRPr lang="es-CO" dirty="0"/>
-          </a:p>
-        </p:txBody>
-      </p:sp>
-      <p:sp>
-        <p:nvSpPr>
-          <p:cNvPr id="12" name="Pergamino: horizontal 11">
-            <a:extLst>
-              <a:ext uri="{FF2B5EF4-FFF2-40B4-BE49-F238E27FC236}">
-                <a16:creationId xmlns:a16="http://schemas.microsoft.com/office/drawing/2014/main" id="{7D6B1354-FBF2-4B6B-BB6C-F922F4652CD8}"/>
+            <a:endParaRPr lang="es-CO"/>
+          </a:p>
+        </p:txBody>
+      </p:sp>
+      <p:grpSp>
+        <p:nvGrpSpPr>
+          <p:cNvPr id="18" name="Grupo 17">
+            <a:extLst>
+              <a:ext uri="{FF2B5EF4-FFF2-40B4-BE49-F238E27FC236}">
+                <a16:creationId xmlns:a16="http://schemas.microsoft.com/office/drawing/2014/main" id="{1AA736B4-3C9F-4252-9988-77EDC7E9D780}"/>
+              </a:ext>
+            </a:extLst>
+          </p:cNvPr>
+          <p:cNvGrpSpPr/>
+          <p:nvPr/>
+        </p:nvGrpSpPr>
+        <p:grpSpPr>
+          <a:xfrm>
+            <a:off x="841117" y="1145628"/>
+            <a:ext cx="4403256" cy="5013434"/>
+            <a:chOff x="841117" y="1145628"/>
+            <a:chExt cx="4403256" cy="5013434"/>
+          </a:xfrm>
+        </p:grpSpPr>
+        <p:sp>
+          <p:nvSpPr>
+            <p:cNvPr id="2" name="Rectángulo 1">
+              <a:extLst>
+                <a:ext uri="{FF2B5EF4-FFF2-40B4-BE49-F238E27FC236}">
+                  <a16:creationId xmlns:a16="http://schemas.microsoft.com/office/drawing/2014/main" id="{E4F3694D-3078-44CB-A9A8-C233E299E6A6}"/>
+                </a:ext>
+              </a:extLst>
+            </p:cNvPr>
+            <p:cNvSpPr/>
+            <p:nvPr/>
+          </p:nvSpPr>
+          <p:spPr>
+            <a:xfrm>
+              <a:off x="903890" y="1145628"/>
+              <a:ext cx="4277710" cy="5013434"/>
+            </a:xfrm>
+            <a:prstGeom prst="rect">
+              <a:avLst/>
+            </a:prstGeom>
+            <a:solidFill>
+              <a:schemeClr val="bg1"/>
+            </a:solidFill>
+            <a:ln w="28575">
+              <a:solidFill>
+                <a:schemeClr val="accent1">
+                  <a:lumMod val="50000"/>
+                </a:schemeClr>
+              </a:solidFill>
+            </a:ln>
+          </p:spPr>
+          <p:style>
+            <a:lnRef idx="2">
+              <a:schemeClr val="accent1">
+                <a:shade val="50000"/>
+              </a:schemeClr>
+            </a:lnRef>
+            <a:fillRef idx="1">
+              <a:schemeClr val="accent1"/>
+            </a:fillRef>
+            <a:effectRef idx="0">
+              <a:schemeClr val="accent1"/>
+            </a:effectRef>
+            <a:fontRef idx="minor">
+              <a:schemeClr val="lt1"/>
+            </a:fontRef>
+          </p:style>
+          <p:txBody>
+            <a:bodyPr rtlCol="0" anchor="ctr"/>
+            <a:lstStyle/>
+            <a:p>
+              <a:pPr algn="ctr"/>
+              <a:endParaRPr lang="es-CO"/>
+            </a:p>
+          </p:txBody>
+        </p:sp>
+        <p:pic>
+          <p:nvPicPr>
+            <p:cNvPr id="5" name="Imagen 4" descr="Una caricatura de una persona&#10;&#10;Descripción generada automáticamente con confianza baja">
+              <a:extLst>
+                <a:ext uri="{FF2B5EF4-FFF2-40B4-BE49-F238E27FC236}">
+                  <a16:creationId xmlns:a16="http://schemas.microsoft.com/office/drawing/2014/main" id="{CBF63FD3-8B8D-48F4-A6D2-BA4DBD9F1457}"/>
+                </a:ext>
+              </a:extLst>
+            </p:cNvPr>
+            <p:cNvPicPr>
+              <a:picLocks noChangeAspect="1"/>
+            </p:cNvPicPr>
+            <p:nvPr/>
+          </p:nvPicPr>
+          <p:blipFill>
+            <a:blip r:embed="rId2">
+              <a:extLst>
+                <a:ext uri="{28A0092B-C50C-407E-A947-70E740481C1C}">
+                  <a14:useLocalDpi xmlns:a14="http://schemas.microsoft.com/office/drawing/2010/main" val="0"/>
+                </a:ext>
+              </a:extLst>
+            </a:blip>
+            <a:stretch>
+              <a:fillRect/>
+            </a:stretch>
+          </p:blipFill>
+          <p:spPr>
+            <a:xfrm>
+              <a:off x="2928343" y="1195171"/>
+              <a:ext cx="1730872" cy="1304710"/>
+            </a:xfrm>
+            <a:prstGeom prst="rect">
+              <a:avLst/>
+            </a:prstGeom>
+          </p:spPr>
+        </p:pic>
+        <p:sp>
+          <p:nvSpPr>
+            <p:cNvPr id="10" name="CuadroTexto 9">
+              <a:extLst>
+                <a:ext uri="{FF2B5EF4-FFF2-40B4-BE49-F238E27FC236}">
+                  <a16:creationId xmlns:a16="http://schemas.microsoft.com/office/drawing/2014/main" id="{F47137B5-0150-4DFE-8356-61925288F916}"/>
+                </a:ext>
+              </a:extLst>
+            </p:cNvPr>
+            <p:cNvSpPr txBox="1"/>
+            <p:nvPr/>
+          </p:nvSpPr>
+          <p:spPr>
+            <a:xfrm>
+              <a:off x="1274885" y="1356255"/>
+              <a:ext cx="2079128" cy="830997"/>
+            </a:xfrm>
+            <a:prstGeom prst="rect">
+              <a:avLst/>
+            </a:prstGeom>
+            <a:noFill/>
+          </p:spPr>
+          <p:txBody>
+            <a:bodyPr wrap="square" rtlCol="0">
+              <a:spAutoFit/>
+            </a:bodyPr>
+            <a:lstStyle/>
+            <a:p>
+              <a:r>
+                <a:rPr lang="es-CO" sz="2400" dirty="0">
+                  <a:effectLst>
+                    <a:outerShdw blurRad="38100" dist="38100" dir="2700000" algn="tl">
+                      <a:srgbClr val="000000">
+                        <a:alpha val="43137"/>
+                      </a:srgbClr>
+                    </a:outerShdw>
+                  </a:effectLst>
+                  <a:cs typeface="Aharoni" panose="02010803020104030203" pitchFamily="2" charset="-79"/>
+                </a:rPr>
+                <a:t>Bienvenido a </a:t>
+              </a:r>
+            </a:p>
+            <a:p>
+              <a:r>
+                <a:rPr lang="es-CO" sz="2400" dirty="0" err="1">
+                  <a:effectLst>
+                    <a:outerShdw blurRad="38100" dist="38100" dir="2700000" algn="tl">
+                      <a:srgbClr val="000000">
+                        <a:alpha val="43137"/>
+                      </a:srgbClr>
+                    </a:outerShdw>
+                  </a:effectLst>
+                  <a:cs typeface="Aharoni" panose="02010803020104030203" pitchFamily="2" charset="-79"/>
+                </a:rPr>
+                <a:t>Atom</a:t>
+              </a:r>
+              <a:r>
+                <a:rPr lang="es-CO" sz="2400" dirty="0">
+                  <a:effectLst>
+                    <a:outerShdw blurRad="38100" dist="38100" dir="2700000" algn="tl">
+                      <a:srgbClr val="000000">
+                        <a:alpha val="43137"/>
+                      </a:srgbClr>
+                    </a:outerShdw>
+                  </a:effectLst>
+                  <a:cs typeface="Aharoni" panose="02010803020104030203" pitchFamily="2" charset="-79"/>
+                </a:rPr>
+                <a:t>-Huron</a:t>
+              </a:r>
+            </a:p>
+          </p:txBody>
+        </p:sp>
+        <p:sp>
+          <p:nvSpPr>
+            <p:cNvPr id="14" name="Rectángulo: esquinas diagonales cortadas 13">
+              <a:extLst>
+                <a:ext uri="{FF2B5EF4-FFF2-40B4-BE49-F238E27FC236}">
+                  <a16:creationId xmlns:a16="http://schemas.microsoft.com/office/drawing/2014/main" id="{9E509717-2FE1-4FBE-B41F-F1E0973D63E6}"/>
+                </a:ext>
+              </a:extLst>
+            </p:cNvPr>
+            <p:cNvSpPr/>
+            <p:nvPr/>
+          </p:nvSpPr>
+          <p:spPr>
+            <a:xfrm>
+              <a:off x="1371600" y="2998177"/>
+              <a:ext cx="3297115" cy="430823"/>
+            </a:xfrm>
+            <a:prstGeom prst="snip2DiagRect">
+              <a:avLst/>
+            </a:prstGeom>
+            <a:solidFill>
+              <a:schemeClr val="accent5">
+                <a:lumMod val="20000"/>
+                <a:lumOff val="80000"/>
+              </a:schemeClr>
+            </a:solidFill>
+          </p:spPr>
+          <p:style>
+            <a:lnRef idx="2">
+              <a:schemeClr val="accent1">
+                <a:shade val="50000"/>
+              </a:schemeClr>
+            </a:lnRef>
+            <a:fillRef idx="1">
+              <a:schemeClr val="accent1"/>
+            </a:fillRef>
+            <a:effectRef idx="0">
+              <a:schemeClr val="accent1"/>
+            </a:effectRef>
+            <a:fontRef idx="minor">
+              <a:schemeClr val="lt1"/>
+            </a:fontRef>
+          </p:style>
+          <p:txBody>
+            <a:bodyPr rtlCol="0" anchor="ctr"/>
+            <a:lstStyle/>
+            <a:p>
+              <a:pPr algn="ctr"/>
+              <a:endParaRPr lang="es-CO" dirty="0"/>
+            </a:p>
+          </p:txBody>
+        </p:sp>
+        <p:sp>
+          <p:nvSpPr>
+            <p:cNvPr id="15" name="Rectángulo: esquinas diagonales cortadas 14">
+              <a:extLst>
+                <a:ext uri="{FF2B5EF4-FFF2-40B4-BE49-F238E27FC236}">
+                  <a16:creationId xmlns:a16="http://schemas.microsoft.com/office/drawing/2014/main" id="{A2B209E7-00EA-4C5B-A9AA-60ACB2C0EB2C}"/>
+                </a:ext>
+              </a:extLst>
+            </p:cNvPr>
+            <p:cNvSpPr/>
+            <p:nvPr/>
+          </p:nvSpPr>
+          <p:spPr>
+            <a:xfrm>
+              <a:off x="1371600" y="4101698"/>
+              <a:ext cx="3297115" cy="430823"/>
+            </a:xfrm>
+            <a:prstGeom prst="snip2DiagRect">
+              <a:avLst/>
+            </a:prstGeom>
+            <a:solidFill>
+              <a:schemeClr val="accent5">
+                <a:lumMod val="20000"/>
+                <a:lumOff val="80000"/>
+              </a:schemeClr>
+            </a:solidFill>
+          </p:spPr>
+          <p:style>
+            <a:lnRef idx="2">
+              <a:schemeClr val="accent1">
+                <a:shade val="50000"/>
+              </a:schemeClr>
+            </a:lnRef>
+            <a:fillRef idx="1">
+              <a:schemeClr val="accent1"/>
+            </a:fillRef>
+            <a:effectRef idx="0">
+              <a:schemeClr val="accent1"/>
+            </a:effectRef>
+            <a:fontRef idx="minor">
+              <a:schemeClr val="lt1"/>
+            </a:fontRef>
+          </p:style>
+          <p:txBody>
+            <a:bodyPr rtlCol="0" anchor="ctr"/>
+            <a:lstStyle/>
+            <a:p>
+              <a:pPr algn="ctr"/>
+              <a:endParaRPr lang="es-CO" dirty="0"/>
+            </a:p>
+          </p:txBody>
+        </p:sp>
+        <p:sp>
+          <p:nvSpPr>
+            <p:cNvPr id="16" name="CuadroTexto 15">
+              <a:extLst>
+                <a:ext uri="{FF2B5EF4-FFF2-40B4-BE49-F238E27FC236}">
+                  <a16:creationId xmlns:a16="http://schemas.microsoft.com/office/drawing/2014/main" id="{2B417448-937B-4566-98C8-BDC768B91C66}"/>
+                </a:ext>
+              </a:extLst>
+            </p:cNvPr>
+            <p:cNvSpPr txBox="1"/>
+            <p:nvPr/>
+          </p:nvSpPr>
+          <p:spPr>
+            <a:xfrm>
+              <a:off x="1274885" y="2523353"/>
+              <a:ext cx="3200400" cy="400110"/>
+            </a:xfrm>
+            <a:prstGeom prst="rect">
+              <a:avLst/>
+            </a:prstGeom>
+            <a:noFill/>
+          </p:spPr>
+          <p:txBody>
+            <a:bodyPr wrap="square" rtlCol="0">
+              <a:spAutoFit/>
+            </a:bodyPr>
+            <a:lstStyle/>
+            <a:p>
+              <a:r>
+                <a:rPr lang="es-CO" sz="2000" dirty="0">
+                  <a:latin typeface="Abadi" panose="020B0604020104020204" pitchFamily="34" charset="0"/>
+                </a:rPr>
+                <a:t>Usuario:</a:t>
+              </a:r>
+            </a:p>
+          </p:txBody>
+        </p:sp>
+        <p:sp>
+          <p:nvSpPr>
+            <p:cNvPr id="17" name="CuadroTexto 16">
+              <a:extLst>
+                <a:ext uri="{FF2B5EF4-FFF2-40B4-BE49-F238E27FC236}">
+                  <a16:creationId xmlns:a16="http://schemas.microsoft.com/office/drawing/2014/main" id="{9EA4B946-F878-40D0-B25E-D2CC079CA511}"/>
+                </a:ext>
+              </a:extLst>
+            </p:cNvPr>
+            <p:cNvSpPr txBox="1"/>
+            <p:nvPr/>
+          </p:nvSpPr>
+          <p:spPr>
+            <a:xfrm>
+              <a:off x="841117" y="3683902"/>
+              <a:ext cx="2338753" cy="400110"/>
+            </a:xfrm>
+            <a:prstGeom prst="rect">
+              <a:avLst/>
+            </a:prstGeom>
+            <a:noFill/>
+          </p:spPr>
+          <p:txBody>
+            <a:bodyPr wrap="square" rtlCol="0">
+              <a:spAutoFit/>
+            </a:bodyPr>
+            <a:lstStyle/>
+            <a:p>
+              <a:pPr algn="ctr"/>
+              <a:r>
+                <a:rPr lang="es-CO" sz="2000" dirty="0">
+                  <a:latin typeface="Abadi" panose="020B0604020104020204" pitchFamily="34" charset="0"/>
+                </a:rPr>
+                <a:t>Contraseña:</a:t>
+              </a:r>
+            </a:p>
+          </p:txBody>
+        </p:sp>
+        <p:sp>
+          <p:nvSpPr>
+            <p:cNvPr id="19" name="CuadroTexto 18">
+              <a:extLst>
+                <a:ext uri="{FF2B5EF4-FFF2-40B4-BE49-F238E27FC236}">
+                  <a16:creationId xmlns:a16="http://schemas.microsoft.com/office/drawing/2014/main" id="{B2BE2AA8-EB48-4850-A65B-B96A3DBF265E}"/>
+                </a:ext>
+              </a:extLst>
+            </p:cNvPr>
+            <p:cNvSpPr txBox="1"/>
+            <p:nvPr/>
+          </p:nvSpPr>
+          <p:spPr>
+            <a:xfrm>
+              <a:off x="1426755" y="3075051"/>
+              <a:ext cx="1568794" cy="369332"/>
+            </a:xfrm>
+            <a:prstGeom prst="rect">
+              <a:avLst/>
+            </a:prstGeom>
+            <a:noFill/>
+          </p:spPr>
+          <p:txBody>
+            <a:bodyPr wrap="square" rtlCol="0">
+              <a:spAutoFit/>
+            </a:bodyPr>
+            <a:lstStyle/>
+            <a:p>
+              <a:r>
+                <a:rPr lang="en-CA" dirty="0"/>
+                <a:t>UsrAdmin</a:t>
+              </a:r>
+              <a:endParaRPr lang="es-CO" dirty="0"/>
+            </a:p>
+          </p:txBody>
+        </p:sp>
+        <p:sp>
+          <p:nvSpPr>
+            <p:cNvPr id="20" name="CuadroTexto 19">
+              <a:extLst>
+                <a:ext uri="{FF2B5EF4-FFF2-40B4-BE49-F238E27FC236}">
+                  <a16:creationId xmlns:a16="http://schemas.microsoft.com/office/drawing/2014/main" id="{79EAB2BE-9BE1-4791-A3F1-B4D5F0FFE52E}"/>
+                </a:ext>
+              </a:extLst>
+            </p:cNvPr>
+            <p:cNvSpPr txBox="1"/>
+            <p:nvPr/>
+          </p:nvSpPr>
+          <p:spPr>
+            <a:xfrm>
+              <a:off x="1419262" y="4202279"/>
+              <a:ext cx="2248824" cy="369332"/>
+            </a:xfrm>
+            <a:prstGeom prst="rect">
+              <a:avLst/>
+            </a:prstGeom>
+            <a:noFill/>
+          </p:spPr>
+          <p:txBody>
+            <a:bodyPr wrap="square" rtlCol="0">
+              <a:spAutoFit/>
+            </a:bodyPr>
+            <a:lstStyle/>
+            <a:p>
+              <a:r>
+                <a:rPr lang="en-CA" dirty="0"/>
+                <a:t>* * * * * * * * * * </a:t>
+              </a:r>
+              <a:endParaRPr lang="es-CO" dirty="0"/>
+            </a:p>
+          </p:txBody>
+        </p:sp>
+        <p:sp>
+          <p:nvSpPr>
+            <p:cNvPr id="22" name="Rectángulo 21">
+              <a:extLst>
+                <a:ext uri="{FF2B5EF4-FFF2-40B4-BE49-F238E27FC236}">
+                  <a16:creationId xmlns:a16="http://schemas.microsoft.com/office/drawing/2014/main" id="{66150BD1-FC05-4600-AB89-960723C729EE}"/>
+                </a:ext>
+              </a:extLst>
+            </p:cNvPr>
+            <p:cNvSpPr/>
+            <p:nvPr/>
+          </p:nvSpPr>
+          <p:spPr>
+            <a:xfrm>
+              <a:off x="1606845" y="3488313"/>
+              <a:ext cx="1321498" cy="234188"/>
+            </a:xfrm>
+            <a:prstGeom prst="rect">
+              <a:avLst/>
+            </a:prstGeom>
+            <a:solidFill>
+              <a:schemeClr val="bg1"/>
+            </a:solidFill>
+            <a:ln>
+              <a:solidFill>
+                <a:schemeClr val="bg1"/>
+              </a:solidFill>
+            </a:ln>
+          </p:spPr>
+          <p:style>
+            <a:lnRef idx="2">
+              <a:schemeClr val="accent1">
+                <a:shade val="50000"/>
+              </a:schemeClr>
+            </a:lnRef>
+            <a:fillRef idx="1">
+              <a:schemeClr val="accent1"/>
+            </a:fillRef>
+            <a:effectRef idx="0">
+              <a:schemeClr val="accent1"/>
+            </a:effectRef>
+            <a:fontRef idx="minor">
+              <a:schemeClr val="lt1"/>
+            </a:fontRef>
+          </p:style>
+          <p:txBody>
+            <a:bodyPr rtlCol="0" anchor="ctr"/>
+            <a:lstStyle/>
+            <a:p>
+              <a:r>
+                <a:rPr lang="es-CO" sz="1200" i="1" dirty="0">
+                  <a:solidFill>
+                    <a:schemeClr val="tx1"/>
+                  </a:solidFill>
+                  <a:latin typeface="Candara" panose="020E0502030303020204" pitchFamily="34" charset="0"/>
+                </a:rPr>
+                <a:t>Recordar Usuario</a:t>
+              </a:r>
+            </a:p>
+          </p:txBody>
+        </p:sp>
+        <p:sp>
+          <p:nvSpPr>
+            <p:cNvPr id="23" name="CuadroTexto 22">
+              <a:extLst>
+                <a:ext uri="{FF2B5EF4-FFF2-40B4-BE49-F238E27FC236}">
+                  <a16:creationId xmlns:a16="http://schemas.microsoft.com/office/drawing/2014/main" id="{BFE6A604-762A-4600-B5AE-6CD1B79BA3F0}"/>
+                </a:ext>
+              </a:extLst>
+            </p:cNvPr>
+            <p:cNvSpPr txBox="1"/>
+            <p:nvPr/>
+          </p:nvSpPr>
+          <p:spPr>
+            <a:xfrm>
+              <a:off x="2995549" y="4522396"/>
+              <a:ext cx="2248824" cy="307777"/>
+            </a:xfrm>
+            <a:prstGeom prst="rect">
+              <a:avLst/>
+            </a:prstGeom>
+            <a:noFill/>
+          </p:spPr>
+          <p:txBody>
+            <a:bodyPr wrap="square" rtlCol="0">
+              <a:spAutoFit/>
+            </a:bodyPr>
+            <a:lstStyle/>
+            <a:p>
+              <a:r>
+                <a:rPr lang="es-MX" sz="1400" i="1" dirty="0">
+                  <a:effectLst>
+                    <a:outerShdw blurRad="38100" dist="38100" dir="2700000" algn="tl">
+                      <a:srgbClr val="000000">
+                        <a:alpha val="43137"/>
+                      </a:srgbClr>
+                    </a:outerShdw>
+                  </a:effectLst>
+                  <a:latin typeface="Candara" panose="020E0502030303020204" pitchFamily="34" charset="0"/>
+                </a:rPr>
+                <a:t>Olvidé </a:t>
+              </a:r>
+              <a:r>
+                <a:rPr lang="en-US" sz="1400" i="1" dirty="0">
+                  <a:effectLst>
+                    <a:outerShdw blurRad="38100" dist="38100" dir="2700000" algn="tl">
+                      <a:srgbClr val="000000">
+                        <a:alpha val="43137"/>
+                      </a:srgbClr>
+                    </a:outerShdw>
+                  </a:effectLst>
+                  <a:latin typeface="Candara" panose="020E0502030303020204" pitchFamily="34" charset="0"/>
+                </a:rPr>
+                <a:t>La </a:t>
+              </a:r>
+              <a:r>
+                <a:rPr lang="es-CO" sz="1400" i="1" dirty="0">
+                  <a:effectLst>
+                    <a:outerShdw blurRad="38100" dist="38100" dir="2700000" algn="tl">
+                      <a:srgbClr val="000000">
+                        <a:alpha val="43137"/>
+                      </a:srgbClr>
+                    </a:outerShdw>
+                  </a:effectLst>
+                  <a:latin typeface="Candara" panose="020E0502030303020204" pitchFamily="34" charset="0"/>
+                </a:rPr>
+                <a:t>Contraseña</a:t>
+              </a:r>
+            </a:p>
+          </p:txBody>
+        </p:sp>
+        <p:sp>
+          <p:nvSpPr>
+            <p:cNvPr id="21" name="Rectángulo 20">
+              <a:extLst>
+                <a:ext uri="{FF2B5EF4-FFF2-40B4-BE49-F238E27FC236}">
+                  <a16:creationId xmlns:a16="http://schemas.microsoft.com/office/drawing/2014/main" id="{7F7EFB37-ECB9-4A87-93C1-DFA1CBAFE7CC}"/>
+                </a:ext>
+              </a:extLst>
+            </p:cNvPr>
+            <p:cNvSpPr/>
+            <p:nvPr/>
+          </p:nvSpPr>
+          <p:spPr>
+            <a:xfrm>
+              <a:off x="1552890" y="3508297"/>
+              <a:ext cx="107909" cy="153827"/>
+            </a:xfrm>
+            <a:prstGeom prst="rect">
+              <a:avLst/>
+            </a:prstGeom>
+            <a:solidFill>
+              <a:schemeClr val="accent2">
+                <a:lumMod val="20000"/>
+                <a:lumOff val="80000"/>
+              </a:schemeClr>
+            </a:solidFill>
+          </p:spPr>
+          <p:style>
+            <a:lnRef idx="2">
+              <a:schemeClr val="accent1">
+                <a:shade val="50000"/>
+              </a:schemeClr>
+            </a:lnRef>
+            <a:fillRef idx="1">
+              <a:schemeClr val="accent1"/>
+            </a:fillRef>
+            <a:effectRef idx="0">
+              <a:schemeClr val="accent1"/>
+            </a:effectRef>
+            <a:fontRef idx="minor">
+              <a:schemeClr val="lt1"/>
+            </a:fontRef>
+          </p:style>
+          <p:txBody>
+            <a:bodyPr rtlCol="0" anchor="ctr"/>
+            <a:lstStyle/>
+            <a:p>
+              <a:pPr algn="ctr"/>
+              <a:endParaRPr lang="es-CO" dirty="0"/>
+            </a:p>
+          </p:txBody>
+        </p:sp>
+        <p:sp>
+          <p:nvSpPr>
+            <p:cNvPr id="3" name="Rectángulo: esquinas redondeadas 2">
+              <a:extLst>
+                <a:ext uri="{FF2B5EF4-FFF2-40B4-BE49-F238E27FC236}">
+                  <a16:creationId xmlns:a16="http://schemas.microsoft.com/office/drawing/2014/main" id="{395921EA-A2CD-4539-A22C-885ECD2A1351}"/>
+                </a:ext>
+              </a:extLst>
+            </p:cNvPr>
+            <p:cNvSpPr/>
+            <p:nvPr/>
+          </p:nvSpPr>
+          <p:spPr>
+            <a:xfrm>
+              <a:off x="3633244" y="4937596"/>
+              <a:ext cx="1025971" cy="364220"/>
+            </a:xfrm>
+            <a:prstGeom prst="roundRect">
+              <a:avLst/>
+            </a:prstGeom>
+            <a:solidFill>
+              <a:schemeClr val="accent1">
+                <a:lumMod val="50000"/>
+              </a:schemeClr>
+            </a:solidFill>
+          </p:spPr>
+          <p:style>
+            <a:lnRef idx="2">
+              <a:schemeClr val="accent1">
+                <a:shade val="50000"/>
+              </a:schemeClr>
+            </a:lnRef>
+            <a:fillRef idx="1">
+              <a:schemeClr val="accent1"/>
+            </a:fillRef>
+            <a:effectRef idx="0">
+              <a:schemeClr val="accent1"/>
+            </a:effectRef>
+            <a:fontRef idx="minor">
+              <a:schemeClr val="lt1"/>
+            </a:fontRef>
+          </p:style>
+          <p:txBody>
+            <a:bodyPr rtlCol="0" anchor="ctr"/>
+            <a:lstStyle/>
+            <a:p>
+              <a:pPr algn="ctr"/>
+              <a:r>
+                <a:rPr lang="es-CO" sz="1600" dirty="0"/>
+                <a:t>Acceder</a:t>
+              </a:r>
+            </a:p>
+          </p:txBody>
+        </p:sp>
+      </p:grpSp>
+      <p:sp>
+        <p:nvSpPr>
+          <p:cNvPr id="4" name="Flecha: a la derecha 3">
+            <a:extLst>
+              <a:ext uri="{FF2B5EF4-FFF2-40B4-BE49-F238E27FC236}">
+                <a16:creationId xmlns:a16="http://schemas.microsoft.com/office/drawing/2014/main" id="{142D87E9-9B58-43A8-A43A-A74638B215D6}"/>
               </a:ext>
             </a:extLst>
           </p:cNvPr>
@@ -3611,18 +4087,24 @@
         </p:nvSpPr>
         <p:spPr>
           <a:xfrm>
-            <a:off x="896814" y="4233497"/>
-            <a:ext cx="4088423" cy="1503484"/>
+            <a:off x="4758388" y="4472393"/>
+            <a:ext cx="1334168" cy="400109"/>
           </a:xfrm>
-          <a:prstGeom prst="horizontalScroll">
+          <a:prstGeom prst="rightArrow">
             <a:avLst/>
           </a:prstGeom>
           <a:solidFill>
-            <a:schemeClr val="accent5">
-              <a:lumMod val="40000"/>
-              <a:lumOff val="60000"/>
+            <a:schemeClr val="accent1">
+              <a:lumMod val="50000"/>
             </a:schemeClr>
           </a:solidFill>
+          <a:ln>
+            <a:solidFill>
+              <a:schemeClr val="tx2">
+                <a:lumMod val="50000"/>
+              </a:schemeClr>
+            </a:solidFill>
+          </a:ln>
         </p:spPr>
         <p:style>
           <a:lnRef idx="2">
@@ -3645,16 +4127,96 @@
           <a:lstStyle/>
           <a:p>
             <a:pPr algn="ctr"/>
-            <a:endParaRPr lang="es-CO" dirty="0"/>
-          </a:p>
-        </p:txBody>
-      </p:sp>
-      <p:sp>
-        <p:nvSpPr>
-          <p:cNvPr id="14" name="Rectángulo: esquinas diagonales cortadas 13">
-            <a:extLst>
-              <a:ext uri="{FF2B5EF4-FFF2-40B4-BE49-F238E27FC236}">
-                <a16:creationId xmlns:a16="http://schemas.microsoft.com/office/drawing/2014/main" id="{9E509717-2FE1-4FBE-B41F-F1E0973D63E6}"/>
+            <a:endParaRPr lang="es-CO"/>
+          </a:p>
+        </p:txBody>
+      </p:sp>
+      <p:pic>
+        <p:nvPicPr>
+          <p:cNvPr id="24" name="Imagen 23" descr="Una caricatura de una persona&#10;&#10;Descripción generada automáticamente con confianza baja">
+            <a:extLst>
+              <a:ext uri="{FF2B5EF4-FFF2-40B4-BE49-F238E27FC236}">
+                <a16:creationId xmlns:a16="http://schemas.microsoft.com/office/drawing/2014/main" id="{54A6B196-6A65-4701-8465-99D5EA5D1BC4}"/>
+              </a:ext>
+            </a:extLst>
+          </p:cNvPr>
+          <p:cNvPicPr>
+            <a:picLocks noChangeAspect="1"/>
+          </p:cNvPicPr>
+          <p:nvPr/>
+        </p:nvPicPr>
+        <p:blipFill>
+          <a:blip r:embed="rId2">
+            <a:extLst>
+              <a:ext uri="{28A0092B-C50C-407E-A947-70E740481C1C}">
+                <a14:useLocalDpi xmlns:a14="http://schemas.microsoft.com/office/drawing/2010/main" val="0"/>
+              </a:ext>
+            </a:extLst>
+          </a:blip>
+          <a:stretch>
+            <a:fillRect/>
+          </a:stretch>
+        </p:blipFill>
+        <p:spPr>
+          <a:xfrm>
+            <a:off x="7716992" y="1142230"/>
+            <a:ext cx="1730872" cy="1304710"/>
+          </a:xfrm>
+          <a:prstGeom prst="rect">
+            <a:avLst/>
+          </a:prstGeom>
+        </p:spPr>
+      </p:pic>
+      <p:sp>
+        <p:nvSpPr>
+          <p:cNvPr id="25" name="CuadroTexto 24">
+            <a:extLst>
+              <a:ext uri="{FF2B5EF4-FFF2-40B4-BE49-F238E27FC236}">
+                <a16:creationId xmlns:a16="http://schemas.microsoft.com/office/drawing/2014/main" id="{1DB8A22D-8015-45D2-87C7-2AB88DC1198A}"/>
+              </a:ext>
+            </a:extLst>
+          </p:cNvPr>
+          <p:cNvSpPr txBox="1"/>
+          <p:nvPr/>
+        </p:nvSpPr>
+        <p:spPr>
+          <a:xfrm>
+            <a:off x="6063534" y="1354556"/>
+            <a:ext cx="2079128" cy="830997"/>
+          </a:xfrm>
+          <a:prstGeom prst="rect">
+            <a:avLst/>
+          </a:prstGeom>
+          <a:noFill/>
+        </p:spPr>
+        <p:txBody>
+          <a:bodyPr wrap="square" rtlCol="0">
+            <a:spAutoFit/>
+          </a:bodyPr>
+          <a:lstStyle/>
+          <a:p>
+            <a:r>
+              <a:rPr lang="es-CO" sz="2400" dirty="0">
+                <a:effectLst>
+                  <a:outerShdw blurRad="38100" dist="38100" dir="2700000" algn="tl">
+                    <a:srgbClr val="000000">
+                      <a:alpha val="43137"/>
+                    </a:srgbClr>
+                  </a:outerShdw>
+                </a:effectLst>
+                <a:cs typeface="Aharoni" panose="02010803020104030203" pitchFamily="2" charset="-79"/>
+              </a:rPr>
+              <a:t>Olvidaste tu contraseña</a:t>
+            </a:r>
+          </a:p>
+        </p:txBody>
+      </p:sp>
+      <p:sp>
+        <p:nvSpPr>
+          <p:cNvPr id="26" name="Rectángulo: esquinas diagonales cortadas 25">
+            <a:extLst>
+              <a:ext uri="{FF2B5EF4-FFF2-40B4-BE49-F238E27FC236}">
+                <a16:creationId xmlns:a16="http://schemas.microsoft.com/office/drawing/2014/main" id="{0170B227-C3E3-4809-BD2B-6BD52E54EF61}"/>
               </a:ext>
             </a:extLst>
           </p:cNvPr>
@@ -3663,7 +4225,7 @@
         </p:nvSpPr>
         <p:spPr>
           <a:xfrm>
-            <a:off x="1371600" y="2998177"/>
+            <a:off x="6160249" y="2996478"/>
             <a:ext cx="3297115" cy="430823"/>
           </a:xfrm>
           <a:prstGeom prst="snip2DiagRect">
@@ -3703,10 +4265,10 @@
       </p:sp>
       <p:sp>
         <p:nvSpPr>
-          <p:cNvPr id="15" name="Rectángulo: esquinas diagonales cortadas 14">
-            <a:extLst>
-              <a:ext uri="{FF2B5EF4-FFF2-40B4-BE49-F238E27FC236}">
-                <a16:creationId xmlns:a16="http://schemas.microsoft.com/office/drawing/2014/main" id="{A2B209E7-00EA-4C5B-A9AA-60ACB2C0EB2C}"/>
+          <p:cNvPr id="27" name="Rectángulo: esquinas diagonales cortadas 26">
+            <a:extLst>
+              <a:ext uri="{FF2B5EF4-FFF2-40B4-BE49-F238E27FC236}">
+                <a16:creationId xmlns:a16="http://schemas.microsoft.com/office/drawing/2014/main" id="{C3C671B4-3615-4C44-8B0C-867C5A8973A4}"/>
               </a:ext>
             </a:extLst>
           </p:cNvPr>
@@ -3715,7 +4277,7 @@
         </p:nvSpPr>
         <p:spPr>
           <a:xfrm>
-            <a:off x="1371600" y="4906059"/>
+            <a:off x="6160249" y="3814667"/>
             <a:ext cx="3297115" cy="430823"/>
           </a:xfrm>
           <a:prstGeom prst="snip2DiagRect">
@@ -3755,10 +4317,10 @@
       </p:sp>
       <p:sp>
         <p:nvSpPr>
-          <p:cNvPr id="16" name="CuadroTexto 15">
-            <a:extLst>
-              <a:ext uri="{FF2B5EF4-FFF2-40B4-BE49-F238E27FC236}">
-                <a16:creationId xmlns:a16="http://schemas.microsoft.com/office/drawing/2014/main" id="{2B417448-937B-4566-98C8-BDC768B91C66}"/>
+          <p:cNvPr id="28" name="CuadroTexto 27">
+            <a:extLst>
+              <a:ext uri="{FF2B5EF4-FFF2-40B4-BE49-F238E27FC236}">
+                <a16:creationId xmlns:a16="http://schemas.microsoft.com/office/drawing/2014/main" id="{583CBAF0-01BE-4714-AD47-E8EC2B33A580}"/>
               </a:ext>
             </a:extLst>
           </p:cNvPr>
@@ -3767,8 +4329,8 @@
         </p:nvSpPr>
         <p:spPr>
           <a:xfrm>
-            <a:off x="1274885" y="2523353"/>
-            <a:ext cx="3200400" cy="523220"/>
+            <a:off x="6063534" y="2521654"/>
+            <a:ext cx="3200400" cy="400110"/>
           </a:xfrm>
           <a:prstGeom prst="rect">
             <a:avLst/>
@@ -3782,20 +4344,20 @@
           <a:lstStyle/>
           <a:p>
             <a:r>
-              <a:rPr lang="es-CO" sz="2800" dirty="0">
+              <a:rPr lang="es-CO" sz="2000" dirty="0">
                 <a:latin typeface="Abadi" panose="020B0604020104020204" pitchFamily="34" charset="0"/>
               </a:rPr>
-              <a:t>Usuario</a:t>
-            </a:r>
-          </a:p>
-        </p:txBody>
-      </p:sp>
-      <p:sp>
-        <p:nvSpPr>
-          <p:cNvPr id="17" name="CuadroTexto 16">
-            <a:extLst>
-              <a:ext uri="{FF2B5EF4-FFF2-40B4-BE49-F238E27FC236}">
-                <a16:creationId xmlns:a16="http://schemas.microsoft.com/office/drawing/2014/main" id="{9EA4B946-F878-40D0-B25E-D2CC079CA511}"/>
+              <a:t>Usuario:</a:t>
+            </a:r>
+          </a:p>
+        </p:txBody>
+      </p:sp>
+      <p:sp>
+        <p:nvSpPr>
+          <p:cNvPr id="29" name="CuadroTexto 28">
+            <a:extLst>
+              <a:ext uri="{FF2B5EF4-FFF2-40B4-BE49-F238E27FC236}">
+                <a16:creationId xmlns:a16="http://schemas.microsoft.com/office/drawing/2014/main" id="{022AEB1A-45A8-4B17-8BA5-BF18DE425AEE}"/>
               </a:ext>
             </a:extLst>
           </p:cNvPr>
@@ -3804,8 +4366,8 @@
         </p:nvSpPr>
         <p:spPr>
           <a:xfrm>
-            <a:off x="1055078" y="4462019"/>
-            <a:ext cx="2338753" cy="523220"/>
+            <a:off x="6063534" y="3439766"/>
+            <a:ext cx="2338753" cy="400110"/>
           </a:xfrm>
           <a:prstGeom prst="rect">
             <a:avLst/>
@@ -3820,20 +4382,20 @@
           <a:p>
             <a:pPr algn="ctr"/>
             <a:r>
-              <a:rPr lang="es-CO" sz="2800" dirty="0">
+              <a:rPr lang="es-CO" sz="2000" dirty="0">
                 <a:latin typeface="Abadi" panose="020B0604020104020204" pitchFamily="34" charset="0"/>
               </a:rPr>
-              <a:t>Contraseña</a:t>
-            </a:r>
-          </a:p>
-        </p:txBody>
-      </p:sp>
-      <p:sp>
-        <p:nvSpPr>
-          <p:cNvPr id="19" name="CuadroTexto 18">
-            <a:extLst>
-              <a:ext uri="{FF2B5EF4-FFF2-40B4-BE49-F238E27FC236}">
-                <a16:creationId xmlns:a16="http://schemas.microsoft.com/office/drawing/2014/main" id="{B2BE2AA8-EB48-4850-A65B-B96A3DBF265E}"/>
+              <a:t>Correo electrónico:</a:t>
+            </a:r>
+          </a:p>
+        </p:txBody>
+      </p:sp>
+      <p:sp>
+        <p:nvSpPr>
+          <p:cNvPr id="30" name="CuadroTexto 29">
+            <a:extLst>
+              <a:ext uri="{FF2B5EF4-FFF2-40B4-BE49-F238E27FC236}">
+                <a16:creationId xmlns:a16="http://schemas.microsoft.com/office/drawing/2014/main" id="{82DB378D-1DA7-4892-B79A-E7FE202D5B6E}"/>
               </a:ext>
             </a:extLst>
           </p:cNvPr>
@@ -3842,8 +4404,8 @@
         </p:nvSpPr>
         <p:spPr>
           <a:xfrm>
-            <a:off x="1426755" y="3075051"/>
-            <a:ext cx="4384962" cy="369332"/>
+            <a:off x="6215404" y="3073352"/>
+            <a:ext cx="1568794" cy="338554"/>
           </a:xfrm>
           <a:prstGeom prst="rect">
             <a:avLst/>
@@ -3857,19 +4419,19 @@
           <a:lstStyle/>
           <a:p>
             <a:r>
-              <a:rPr lang="en-CA" dirty="0"/>
-              <a:t>* * * * * * * * * * </a:t>
-            </a:r>
-            <a:endParaRPr lang="es-CO" dirty="0"/>
-          </a:p>
-        </p:txBody>
-      </p:sp>
-      <p:sp>
-        <p:nvSpPr>
-          <p:cNvPr id="20" name="CuadroTexto 19">
-            <a:extLst>
-              <a:ext uri="{FF2B5EF4-FFF2-40B4-BE49-F238E27FC236}">
-                <a16:creationId xmlns:a16="http://schemas.microsoft.com/office/drawing/2014/main" id="{79EAB2BE-9BE1-4791-A3F1-B4D5F0FFE52E}"/>
+              <a:rPr lang="en-CA" sz="1600" dirty="0"/>
+              <a:t>UsrAdmin</a:t>
+            </a:r>
+            <a:endParaRPr lang="es-CO" sz="1600" dirty="0"/>
+          </a:p>
+        </p:txBody>
+      </p:sp>
+      <p:sp>
+        <p:nvSpPr>
+          <p:cNvPr id="31" name="CuadroTexto 30">
+            <a:extLst>
+              <a:ext uri="{FF2B5EF4-FFF2-40B4-BE49-F238E27FC236}">
+                <a16:creationId xmlns:a16="http://schemas.microsoft.com/office/drawing/2014/main" id="{3AFFC94C-585F-4B19-A719-8A47529549F5}"/>
               </a:ext>
             </a:extLst>
           </p:cNvPr>
@@ -3878,8 +4440,8 @@
         </p:nvSpPr>
         <p:spPr>
           <a:xfrm>
-            <a:off x="1426755" y="5000622"/>
-            <a:ext cx="4384962" cy="369332"/>
+            <a:off x="6214834" y="3895841"/>
+            <a:ext cx="2981617" cy="338554"/>
           </a:xfrm>
           <a:prstGeom prst="rect">
             <a:avLst/>
@@ -3893,19 +4455,19 @@
           <a:lstStyle/>
           <a:p>
             <a:r>
-              <a:rPr lang="en-CA" dirty="0"/>
-              <a:t>* * * * * * * * * * </a:t>
-            </a:r>
-            <a:endParaRPr lang="es-CO" dirty="0"/>
-          </a:p>
-        </p:txBody>
-      </p:sp>
-      <p:sp>
-        <p:nvSpPr>
-          <p:cNvPr id="21" name="Rectángulo 20">
-            <a:extLst>
-              <a:ext uri="{FF2B5EF4-FFF2-40B4-BE49-F238E27FC236}">
-                <a16:creationId xmlns:a16="http://schemas.microsoft.com/office/drawing/2014/main" id="{7F7EFB37-ECB9-4A87-93C1-DFA1CBAFE7CC}"/>
+              <a:rPr lang="en-CA" sz="1600" dirty="0"/>
+              <a:t>usradmin@atomhuron.com</a:t>
+            </a:r>
+            <a:endParaRPr lang="es-CO" sz="1600" dirty="0"/>
+          </a:p>
+        </p:txBody>
+      </p:sp>
+      <p:sp>
+        <p:nvSpPr>
+          <p:cNvPr id="34" name="Rectángulo 33">
+            <a:extLst>
+              <a:ext uri="{FF2B5EF4-FFF2-40B4-BE49-F238E27FC236}">
+                <a16:creationId xmlns:a16="http://schemas.microsoft.com/office/drawing/2014/main" id="{A914C837-28BC-414C-9412-AFC374F5A844}"/>
               </a:ext>
             </a:extLst>
           </p:cNvPr>
@@ -3914,16 +4476,69 @@
         </p:nvSpPr>
         <p:spPr>
           <a:xfrm>
-            <a:off x="1318846" y="3780711"/>
-            <a:ext cx="105508" cy="92329"/>
+            <a:off x="5692539" y="1143929"/>
+            <a:ext cx="4277710" cy="5013434"/>
           </a:xfrm>
           <a:prstGeom prst="rect">
             <a:avLst/>
           </a:prstGeom>
+          <a:noFill/>
+          <a:ln w="28575">
+            <a:solidFill>
+              <a:schemeClr val="accent1">
+                <a:lumMod val="50000"/>
+              </a:schemeClr>
+            </a:solidFill>
+          </a:ln>
+        </p:spPr>
+        <p:style>
+          <a:lnRef idx="2">
+            <a:schemeClr val="accent1">
+              <a:shade val="50000"/>
+            </a:schemeClr>
+          </a:lnRef>
+          <a:fillRef idx="1">
+            <a:schemeClr val="accent1"/>
+          </a:fillRef>
+          <a:effectRef idx="0">
+            <a:schemeClr val="accent1"/>
+          </a:effectRef>
+          <a:fontRef idx="minor">
+            <a:schemeClr val="lt1"/>
+          </a:fontRef>
+        </p:style>
+        <p:txBody>
+          <a:bodyPr rtlCol="0" anchor="ctr"/>
+          <a:lstStyle/>
+          <a:p>
+            <a:pPr algn="ctr"/>
+            <a:endParaRPr lang="es-CO"/>
+          </a:p>
+        </p:txBody>
+      </p:sp>
+      <p:sp>
+        <p:nvSpPr>
+          <p:cNvPr id="36" name="Rectángulo: esquinas redondeadas 35">
+            <a:extLst>
+              <a:ext uri="{FF2B5EF4-FFF2-40B4-BE49-F238E27FC236}">
+                <a16:creationId xmlns:a16="http://schemas.microsoft.com/office/drawing/2014/main" id="{B5F8DD72-54B5-4834-A26F-6DCD871F5EA0}"/>
+              </a:ext>
+            </a:extLst>
+          </p:cNvPr>
+          <p:cNvSpPr/>
+          <p:nvPr/>
+        </p:nvSpPr>
+        <p:spPr>
+          <a:xfrm>
+            <a:off x="8448900" y="4350411"/>
+            <a:ext cx="1025971" cy="364220"/>
+          </a:xfrm>
+          <a:prstGeom prst="roundRect">
+            <a:avLst/>
+          </a:prstGeom>
           <a:solidFill>
-            <a:schemeClr val="accent2">
-              <a:lumMod val="20000"/>
-              <a:lumOff val="80000"/>
+            <a:schemeClr val="accent1">
+              <a:lumMod val="50000"/>
             </a:schemeClr>
           </a:solidFill>
         </p:spPr>
@@ -3948,16 +4563,19 @@
           <a:lstStyle/>
           <a:p>
             <a:pPr algn="ctr"/>
-            <a:endParaRPr lang="es-CO" dirty="0"/>
-          </a:p>
-        </p:txBody>
-      </p:sp>
-      <p:sp>
-        <p:nvSpPr>
-          <p:cNvPr id="22" name="Rectángulo 21">
-            <a:extLst>
-              <a:ext uri="{FF2B5EF4-FFF2-40B4-BE49-F238E27FC236}">
-                <a16:creationId xmlns:a16="http://schemas.microsoft.com/office/drawing/2014/main" id="{66150BD1-FC05-4600-AB89-960723C729EE}"/>
+            <a:r>
+              <a:rPr lang="es-CO" sz="1600" dirty="0"/>
+              <a:t>Recordar</a:t>
+            </a:r>
+          </a:p>
+        </p:txBody>
+      </p:sp>
+      <p:sp>
+        <p:nvSpPr>
+          <p:cNvPr id="6" name="Rectángulo: esquinas redondeadas 5">
+            <a:extLst>
+              <a:ext uri="{FF2B5EF4-FFF2-40B4-BE49-F238E27FC236}">
+                <a16:creationId xmlns:a16="http://schemas.microsoft.com/office/drawing/2014/main" id="{B6A9C507-257D-45B6-BD5B-9DA7C9F6E11D}"/>
               </a:ext>
             </a:extLst>
           </p:cNvPr>
@@ -3966,18 +4584,24 @@
         </p:nvSpPr>
         <p:spPr>
           <a:xfrm>
-            <a:off x="1498753" y="3719135"/>
-            <a:ext cx="1981535" cy="232985"/>
+            <a:off x="178676" y="94593"/>
+            <a:ext cx="11908221" cy="584398"/>
           </a:xfrm>
-          <a:prstGeom prst="rect">
+          <a:prstGeom prst="roundRect">
             <a:avLst/>
           </a:prstGeom>
           <a:solidFill>
             <a:schemeClr val="accent1">
-              <a:lumMod val="40000"/>
-              <a:lumOff val="60000"/>
+              <a:lumMod val="50000"/>
             </a:schemeClr>
           </a:solidFill>
+          <a:ln>
+            <a:solidFill>
+              <a:schemeClr val="tx2">
+                <a:lumMod val="50000"/>
+              </a:schemeClr>
+            </a:solidFill>
+          </a:ln>
         </p:spPr>
         <p:style>
           <a:lnRef idx="2">
@@ -3999,69 +4623,18 @@
           <a:bodyPr rtlCol="0" anchor="ctr"/>
           <a:lstStyle/>
           <a:p>
-            <a:r>
-              <a:rPr lang="es-CO" dirty="0">
-                <a:solidFill>
-                  <a:schemeClr val="tx1"/>
-                </a:solidFill>
-                <a:latin typeface="Candara" panose="020E0502030303020204" pitchFamily="34" charset="0"/>
-              </a:rPr>
-              <a:t>Recordar Usuario</a:t>
-            </a:r>
-          </a:p>
-        </p:txBody>
-      </p:sp>
-      <p:sp>
-        <p:nvSpPr>
-          <p:cNvPr id="23" name="CuadroTexto 22">
-            <a:extLst>
-              <a:ext uri="{FF2B5EF4-FFF2-40B4-BE49-F238E27FC236}">
-                <a16:creationId xmlns:a16="http://schemas.microsoft.com/office/drawing/2014/main" id="{BFE6A604-762A-4600-B5AE-6CD1B79BA3F0}"/>
-              </a:ext>
-            </a:extLst>
-          </p:cNvPr>
-          <p:cNvSpPr txBox="1"/>
-          <p:nvPr/>
-        </p:nvSpPr>
-        <p:spPr>
-          <a:xfrm>
-            <a:off x="1082751" y="5598492"/>
-            <a:ext cx="3014464" cy="369332"/>
-          </a:xfrm>
-          <a:prstGeom prst="rect">
-            <a:avLst/>
-          </a:prstGeom>
-          <a:noFill/>
-        </p:spPr>
-        <p:txBody>
-          <a:bodyPr wrap="square" rtlCol="0">
-            <a:spAutoFit/>
-          </a:bodyPr>
-          <a:lstStyle/>
-          <a:p>
-            <a:r>
-              <a:rPr lang="en-US" u="sng" dirty="0">
-                <a:latin typeface="Candara" panose="020E0502030303020204" pitchFamily="34" charset="0"/>
-              </a:rPr>
-              <a:t>No </a:t>
-            </a:r>
-            <a:r>
-              <a:rPr lang="es-CO" u="sng" dirty="0">
-                <a:latin typeface="Candara" panose="020E0502030303020204" pitchFamily="34" charset="0"/>
-              </a:rPr>
-              <a:t>Recuerda</a:t>
-            </a:r>
-            <a:r>
-              <a:rPr lang="en-US" u="sng" dirty="0">
-                <a:latin typeface="Candara" panose="020E0502030303020204" pitchFamily="34" charset="0"/>
-              </a:rPr>
-              <a:t> La </a:t>
-            </a:r>
-            <a:r>
-              <a:rPr lang="es-CO" u="sng" dirty="0">
-                <a:latin typeface="Candara" panose="020E0502030303020204" pitchFamily="34" charset="0"/>
-              </a:rPr>
-              <a:t>Contraseña</a:t>
+            <a:pPr algn="ctr"/>
+            <a:r>
+              <a:rPr lang="es-CO" dirty="0"/>
+              <a:t>Navegación e interfaces </a:t>
+            </a:r>
+            <a:r>
+              <a:rPr lang="es-CO" dirty="0" err="1"/>
+              <a:t>Atom</a:t>
+            </a:r>
+            <a:r>
+              <a:rPr lang="es-CO" dirty="0"/>
+              <a:t>-Huron</a:t>
             </a:r>
           </a:p>
         </p:txBody>

--- a/Documentación/Sprint 1/Navegación entre interfases e Interfases gráficas de usuario.pptx
+++ b/Documentación/Sprint 1/Navegación entre interfases e Interfases gráficas de usuario.pptx
@@ -7,6 +7,8 @@
   <p:sldIdLst>
     <p:sldId id="257" r:id="rId2"/>
     <p:sldId id="258" r:id="rId3"/>
+    <p:sldId id="259" r:id="rId4"/>
+    <p:sldId id="260" r:id="rId5"/>
   </p:sldIdLst>
   <p:sldSz cx="12192000" cy="6858000"/>
   <p:notesSz cx="6858000" cy="9144000"/>
@@ -106,11 +108,744 @@
     </a:lvl9pPr>
   </p:defaultTextStyle>
   <p:extLst>
+    <p:ext uri="{521415D9-36F7-43E2-AB2F-B90AF26B5E84}">
+      <p14:sectionLst xmlns:p14="http://schemas.microsoft.com/office/powerpoint/2010/main">
+        <p14:section name="Sección predeterminada" id="{00A0FF9E-BD76-4602-8340-7609BD42F830}">
+          <p14:sldIdLst>
+            <p14:sldId id="257"/>
+            <p14:sldId id="258"/>
+            <p14:sldId id="259"/>
+            <p14:sldId id="260"/>
+          </p14:sldIdLst>
+        </p14:section>
+      </p14:sectionLst>
+    </p:ext>
     <p:ext uri="{EFAFB233-063F-42B5-8137-9DF3F51BA10A}">
       <p15:sldGuideLst xmlns:p15="http://schemas.microsoft.com/office/powerpoint/2012/main"/>
     </p:ext>
   </p:extLst>
 </p:presentation>
+</file>
+
+<file path=ppt/revisionInfo.xml><?xml version="1.0" encoding="utf-8"?>
+<p1510:revInfo xmlns:a="http://schemas.openxmlformats.org/drawingml/2006/main" xmlns:r="http://schemas.openxmlformats.org/officeDocument/2006/relationships" xmlns:p1510="http://schemas.microsoft.com/office/powerpoint/2015/10/main">
+  <p1510:revLst>
+    <p1510:client id="{B600D1A4-E154-421D-AA7A-56A0B19A4F8A}" v="456" dt="2021-10-02T04:36:51.091"/>
+  </p1510:revLst>
+</p1510:revInfo>
+</file>
+
+<file path=ppt/changesInfos/changesInfo1.xml><?xml version="1.0" encoding="utf-8"?>
+<pc:chgInfo xmlns:a="http://schemas.openxmlformats.org/drawingml/2006/main" xmlns:r="http://schemas.openxmlformats.org/officeDocument/2006/relationships" xmlns:ac="http://schemas.microsoft.com/office/drawing/2013/main/command" xmlns:pc="http://schemas.microsoft.com/office/powerpoint/2013/main/command">
+  <pc:docChgLst>
+    <pc:chgData name="David Ospina" userId="db9281259342aac5" providerId="LiveId" clId="{B600D1A4-E154-421D-AA7A-56A0B19A4F8A}"/>
+    <pc:docChg chg="undo custSel addSld modSld modMainMaster addSection delSection modSection">
+      <pc:chgData name="David Ospina" userId="db9281259342aac5" providerId="LiveId" clId="{B600D1A4-E154-421D-AA7A-56A0B19A4F8A}" dt="2021-10-02T04:40:04.682" v="1391" actId="313"/>
+      <pc:docMkLst>
+        <pc:docMk/>
+      </pc:docMkLst>
+      <pc:sldChg chg="modSp mod">
+        <pc:chgData name="David Ospina" userId="db9281259342aac5" providerId="LiveId" clId="{B600D1A4-E154-421D-AA7A-56A0B19A4F8A}" dt="2021-10-02T04:20:18.683" v="1173" actId="1076"/>
+        <pc:sldMkLst>
+          <pc:docMk/>
+          <pc:sldMk cId="636302753" sldId="257"/>
+        </pc:sldMkLst>
+        <pc:grpChg chg="mod">
+          <ac:chgData name="David Ospina" userId="db9281259342aac5" providerId="LiveId" clId="{B600D1A4-E154-421D-AA7A-56A0B19A4F8A}" dt="2021-10-02T04:20:18.683" v="1173" actId="1076"/>
+          <ac:grpSpMkLst>
+            <pc:docMk/>
+            <pc:sldMk cId="636302753" sldId="257"/>
+            <ac:grpSpMk id="18" creationId="{1AA736B4-3C9F-4252-9988-77EDC7E9D780}"/>
+          </ac:grpSpMkLst>
+        </pc:grpChg>
+      </pc:sldChg>
+      <pc:sldChg chg="addSp delSp modSp mod setBg">
+        <pc:chgData name="David Ospina" userId="db9281259342aac5" providerId="LiveId" clId="{B600D1A4-E154-421D-AA7A-56A0B19A4F8A}" dt="2021-10-02T03:45:40.130" v="1159"/>
+        <pc:sldMkLst>
+          <pc:docMk/>
+          <pc:sldMk cId="1376903867" sldId="258"/>
+        </pc:sldMkLst>
+        <pc:spChg chg="del mod">
+          <ac:chgData name="David Ospina" userId="db9281259342aac5" providerId="LiveId" clId="{B600D1A4-E154-421D-AA7A-56A0B19A4F8A}" dt="2021-10-02T02:02:59.213" v="2" actId="478"/>
+          <ac:spMkLst>
+            <pc:docMk/>
+            <pc:sldMk cId="1376903867" sldId="258"/>
+            <ac:spMk id="2" creationId="{CEB98763-C370-4B8C-8B5E-7C6BF34D1F84}"/>
+          </ac:spMkLst>
+        </pc:spChg>
+        <pc:spChg chg="del mod">
+          <ac:chgData name="David Ospina" userId="db9281259342aac5" providerId="LiveId" clId="{B600D1A4-E154-421D-AA7A-56A0B19A4F8A}" dt="2021-10-02T02:03:05.406" v="5" actId="478"/>
+          <ac:spMkLst>
+            <pc:docMk/>
+            <pc:sldMk cId="1376903867" sldId="258"/>
+            <ac:spMk id="3" creationId="{66355DCE-60CD-4EED-BCE0-74625BCC8B92}"/>
+          </ac:spMkLst>
+        </pc:spChg>
+        <pc:spChg chg="add del">
+          <ac:chgData name="David Ospina" userId="db9281259342aac5" providerId="LiveId" clId="{B600D1A4-E154-421D-AA7A-56A0B19A4F8A}" dt="2021-10-02T02:07:35.897" v="441" actId="478"/>
+          <ac:spMkLst>
+            <pc:docMk/>
+            <pc:sldMk cId="1376903867" sldId="258"/>
+            <ac:spMk id="6" creationId="{BABC078A-7DAF-4293-BA13-335A52B1277A}"/>
+          </ac:spMkLst>
+        </pc:spChg>
+        <pc:spChg chg="add mod ord">
+          <ac:chgData name="David Ospina" userId="db9281259342aac5" providerId="LiveId" clId="{B600D1A4-E154-421D-AA7A-56A0B19A4F8A}" dt="2021-10-02T02:16:44.435" v="578" actId="164"/>
+          <ac:spMkLst>
+            <pc:docMk/>
+            <pc:sldMk cId="1376903867" sldId="258"/>
+            <ac:spMk id="7" creationId="{BCF1CAC3-1C4C-4AC4-91E4-D03095523E73}"/>
+          </ac:spMkLst>
+        </pc:spChg>
+        <pc:spChg chg="add mod">
+          <ac:chgData name="David Ospina" userId="db9281259342aac5" providerId="LiveId" clId="{B600D1A4-E154-421D-AA7A-56A0B19A4F8A}" dt="2021-10-02T03:18:40.517" v="878" actId="1076"/>
+          <ac:spMkLst>
+            <pc:docMk/>
+            <pc:sldMk cId="1376903867" sldId="258"/>
+            <ac:spMk id="8" creationId="{476E27CF-EFE1-4A84-80DD-62BE841CF321}"/>
+          </ac:spMkLst>
+        </pc:spChg>
+        <pc:spChg chg="add del">
+          <ac:chgData name="David Ospina" userId="db9281259342aac5" providerId="LiveId" clId="{B600D1A4-E154-421D-AA7A-56A0B19A4F8A}" dt="2021-10-02T02:15:33.930" v="559" actId="11529"/>
+          <ac:spMkLst>
+            <pc:docMk/>
+            <pc:sldMk cId="1376903867" sldId="258"/>
+            <ac:spMk id="9" creationId="{C59E4EC0-3743-4BD4-825F-16B057B0B199}"/>
+          </ac:spMkLst>
+        </pc:spChg>
+        <pc:spChg chg="add mod">
+          <ac:chgData name="David Ospina" userId="db9281259342aac5" providerId="LiveId" clId="{B600D1A4-E154-421D-AA7A-56A0B19A4F8A}" dt="2021-10-02T03:18:40.517" v="878" actId="1076"/>
+          <ac:spMkLst>
+            <pc:docMk/>
+            <pc:sldMk cId="1376903867" sldId="258"/>
+            <ac:spMk id="10" creationId="{25856185-0CF8-4587-B4E8-E6C956113CA1}"/>
+          </ac:spMkLst>
+        </pc:spChg>
+        <pc:spChg chg="add mod">
+          <ac:chgData name="David Ospina" userId="db9281259342aac5" providerId="LiveId" clId="{B600D1A4-E154-421D-AA7A-56A0B19A4F8A}" dt="2021-10-02T03:18:40.517" v="878" actId="1076"/>
+          <ac:spMkLst>
+            <pc:docMk/>
+            <pc:sldMk cId="1376903867" sldId="258"/>
+            <ac:spMk id="11" creationId="{CFB6589C-B9A8-443B-9F0D-6B9F55E7F6A1}"/>
+          </ac:spMkLst>
+        </pc:spChg>
+        <pc:spChg chg="add mod">
+          <ac:chgData name="David Ospina" userId="db9281259342aac5" providerId="LiveId" clId="{B600D1A4-E154-421D-AA7A-56A0B19A4F8A}" dt="2021-10-02T03:18:40.517" v="878" actId="1076"/>
+          <ac:spMkLst>
+            <pc:docMk/>
+            <pc:sldMk cId="1376903867" sldId="258"/>
+            <ac:spMk id="12" creationId="{12EA4132-F3C8-4CE4-AC81-CE8769D1BC84}"/>
+          </ac:spMkLst>
+        </pc:spChg>
+        <pc:spChg chg="add mod">
+          <ac:chgData name="David Ospina" userId="db9281259342aac5" providerId="LiveId" clId="{B600D1A4-E154-421D-AA7A-56A0B19A4F8A}" dt="2021-10-02T03:18:40.517" v="878" actId="1076"/>
+          <ac:spMkLst>
+            <pc:docMk/>
+            <pc:sldMk cId="1376903867" sldId="258"/>
+            <ac:spMk id="14" creationId="{4E47F7DC-B87F-41FB-A51D-3BFAFA445FE3}"/>
+          </ac:spMkLst>
+        </pc:spChg>
+        <pc:spChg chg="add mod">
+          <ac:chgData name="David Ospina" userId="db9281259342aac5" providerId="LiveId" clId="{B600D1A4-E154-421D-AA7A-56A0B19A4F8A}" dt="2021-10-02T03:18:40.517" v="878" actId="1076"/>
+          <ac:spMkLst>
+            <pc:docMk/>
+            <pc:sldMk cId="1376903867" sldId="258"/>
+            <ac:spMk id="15" creationId="{B64E35C3-0F04-49BF-91A1-474397184266}"/>
+          </ac:spMkLst>
+        </pc:spChg>
+        <pc:spChg chg="add mod">
+          <ac:chgData name="David Ospina" userId="db9281259342aac5" providerId="LiveId" clId="{B600D1A4-E154-421D-AA7A-56A0B19A4F8A}" dt="2021-10-02T03:18:40.517" v="878" actId="1076"/>
+          <ac:spMkLst>
+            <pc:docMk/>
+            <pc:sldMk cId="1376903867" sldId="258"/>
+            <ac:spMk id="16" creationId="{32477E69-0733-4207-A015-E138BADCDC74}"/>
+          </ac:spMkLst>
+        </pc:spChg>
+        <pc:spChg chg="add mod">
+          <ac:chgData name="David Ospina" userId="db9281259342aac5" providerId="LiveId" clId="{B600D1A4-E154-421D-AA7A-56A0B19A4F8A}" dt="2021-10-02T03:18:40.517" v="878" actId="1076"/>
+          <ac:spMkLst>
+            <pc:docMk/>
+            <pc:sldMk cId="1376903867" sldId="258"/>
+            <ac:spMk id="17" creationId="{B867001E-3202-42C8-B43B-2DC5946306B4}"/>
+          </ac:spMkLst>
+        </pc:spChg>
+        <pc:spChg chg="add mod">
+          <ac:chgData name="David Ospina" userId="db9281259342aac5" providerId="LiveId" clId="{B600D1A4-E154-421D-AA7A-56A0B19A4F8A}" dt="2021-10-02T03:18:40.517" v="878" actId="1076"/>
+          <ac:spMkLst>
+            <pc:docMk/>
+            <pc:sldMk cId="1376903867" sldId="258"/>
+            <ac:spMk id="18" creationId="{F7958F1F-9DEC-424B-8BC5-C71C3C9A3CCE}"/>
+          </ac:spMkLst>
+        </pc:spChg>
+        <pc:spChg chg="add mod">
+          <ac:chgData name="David Ospina" userId="db9281259342aac5" providerId="LiveId" clId="{B600D1A4-E154-421D-AA7A-56A0B19A4F8A}" dt="2021-10-02T03:18:40.517" v="878" actId="1076"/>
+          <ac:spMkLst>
+            <pc:docMk/>
+            <pc:sldMk cId="1376903867" sldId="258"/>
+            <ac:spMk id="19" creationId="{E785ABAE-86DA-4AC1-AA88-00B1C19178CA}"/>
+          </ac:spMkLst>
+        </pc:spChg>
+        <pc:spChg chg="add mod">
+          <ac:chgData name="David Ospina" userId="db9281259342aac5" providerId="LiveId" clId="{B600D1A4-E154-421D-AA7A-56A0B19A4F8A}" dt="2021-10-02T03:18:40.517" v="878" actId="1076"/>
+          <ac:spMkLst>
+            <pc:docMk/>
+            <pc:sldMk cId="1376903867" sldId="258"/>
+            <ac:spMk id="20" creationId="{A63BCC08-C613-4890-BEA3-0CE98FE9D894}"/>
+          </ac:spMkLst>
+        </pc:spChg>
+        <pc:spChg chg="add mod">
+          <ac:chgData name="David Ospina" userId="db9281259342aac5" providerId="LiveId" clId="{B600D1A4-E154-421D-AA7A-56A0B19A4F8A}" dt="2021-10-02T03:20:11.497" v="889" actId="1076"/>
+          <ac:spMkLst>
+            <pc:docMk/>
+            <pc:sldMk cId="1376903867" sldId="258"/>
+            <ac:spMk id="21" creationId="{C9E6E71B-FB13-4702-B112-AA07F0A526C6}"/>
+          </ac:spMkLst>
+        </pc:spChg>
+        <pc:spChg chg="add del mod">
+          <ac:chgData name="David Ospina" userId="db9281259342aac5" providerId="LiveId" clId="{B600D1A4-E154-421D-AA7A-56A0B19A4F8A}" dt="2021-10-02T03:14:21.919" v="807" actId="478"/>
+          <ac:spMkLst>
+            <pc:docMk/>
+            <pc:sldMk cId="1376903867" sldId="258"/>
+            <ac:spMk id="22" creationId="{254A6882-65D1-4A13-B4A8-73609B0AC115}"/>
+          </ac:spMkLst>
+        </pc:spChg>
+        <pc:spChg chg="add mod">
+          <ac:chgData name="David Ospina" userId="db9281259342aac5" providerId="LiveId" clId="{B600D1A4-E154-421D-AA7A-56A0B19A4F8A}" dt="2021-10-02T03:18:34.959" v="877" actId="1076"/>
+          <ac:spMkLst>
+            <pc:docMk/>
+            <pc:sldMk cId="1376903867" sldId="258"/>
+            <ac:spMk id="23" creationId="{BC8B1ED4-390F-4708-ACB6-D222A31A40AE}"/>
+          </ac:spMkLst>
+        </pc:spChg>
+        <pc:spChg chg="add mod">
+          <ac:chgData name="David Ospina" userId="db9281259342aac5" providerId="LiveId" clId="{B600D1A4-E154-421D-AA7A-56A0B19A4F8A}" dt="2021-10-02T03:18:34.959" v="877" actId="1076"/>
+          <ac:spMkLst>
+            <pc:docMk/>
+            <pc:sldMk cId="1376903867" sldId="258"/>
+            <ac:spMk id="24" creationId="{09A49E2A-7BDC-44F2-A8B5-31966B7CE7DD}"/>
+          </ac:spMkLst>
+        </pc:spChg>
+        <pc:spChg chg="add mod">
+          <ac:chgData name="David Ospina" userId="db9281259342aac5" providerId="LiveId" clId="{B600D1A4-E154-421D-AA7A-56A0B19A4F8A}" dt="2021-10-02T03:18:34.959" v="877" actId="1076"/>
+          <ac:spMkLst>
+            <pc:docMk/>
+            <pc:sldMk cId="1376903867" sldId="258"/>
+            <ac:spMk id="25" creationId="{60A25EA8-C600-446A-8B3B-1E113881D41E}"/>
+          </ac:spMkLst>
+        </pc:spChg>
+        <pc:spChg chg="add mod">
+          <ac:chgData name="David Ospina" userId="db9281259342aac5" providerId="LiveId" clId="{B600D1A4-E154-421D-AA7A-56A0B19A4F8A}" dt="2021-10-02T03:21:43.399" v="909" actId="20577"/>
+          <ac:spMkLst>
+            <pc:docMk/>
+            <pc:sldMk cId="1376903867" sldId="258"/>
+            <ac:spMk id="26" creationId="{18DD2CCA-9680-447F-9BC4-C7071A90D136}"/>
+          </ac:spMkLst>
+        </pc:spChg>
+        <pc:spChg chg="add mod">
+          <ac:chgData name="David Ospina" userId="db9281259342aac5" providerId="LiveId" clId="{B600D1A4-E154-421D-AA7A-56A0B19A4F8A}" dt="2021-10-02T03:22:03.552" v="947" actId="20577"/>
+          <ac:spMkLst>
+            <pc:docMk/>
+            <pc:sldMk cId="1376903867" sldId="258"/>
+            <ac:spMk id="27" creationId="{17C88E93-524E-4FFA-9A22-D29C2AAF9188}"/>
+          </ac:spMkLst>
+        </pc:spChg>
+        <pc:spChg chg="add mod">
+          <ac:chgData name="David Ospina" userId="db9281259342aac5" providerId="LiveId" clId="{B600D1A4-E154-421D-AA7A-56A0B19A4F8A}" dt="2021-10-02T03:21:58.832" v="935" actId="20577"/>
+          <ac:spMkLst>
+            <pc:docMk/>
+            <pc:sldMk cId="1376903867" sldId="258"/>
+            <ac:spMk id="28" creationId="{CF9550D4-9234-424D-A4EF-E57787E09226}"/>
+          </ac:spMkLst>
+        </pc:spChg>
+        <pc:spChg chg="add mod">
+          <ac:chgData name="David Ospina" userId="db9281259342aac5" providerId="LiveId" clId="{B600D1A4-E154-421D-AA7A-56A0B19A4F8A}" dt="2021-10-02T03:21:52.647" v="921" actId="20577"/>
+          <ac:spMkLst>
+            <pc:docMk/>
+            <pc:sldMk cId="1376903867" sldId="258"/>
+            <ac:spMk id="29" creationId="{EE9F8B91-902A-4E35-B0B0-53B14A2EB5F9}"/>
+          </ac:spMkLst>
+        </pc:spChg>
+        <pc:spChg chg="add mod">
+          <ac:chgData name="David Ospina" userId="db9281259342aac5" providerId="LiveId" clId="{B600D1A4-E154-421D-AA7A-56A0B19A4F8A}" dt="2021-10-02T03:19:38.508" v="887" actId="207"/>
+          <ac:spMkLst>
+            <pc:docMk/>
+            <pc:sldMk cId="1376903867" sldId="258"/>
+            <ac:spMk id="30" creationId="{0D2DBEA6-6181-47FB-8F51-81C9AD1AEF1F}"/>
+          </ac:spMkLst>
+        </pc:spChg>
+        <pc:spChg chg="add mod ord">
+          <ac:chgData name="David Ospina" userId="db9281259342aac5" providerId="LiveId" clId="{B600D1A4-E154-421D-AA7A-56A0B19A4F8A}" dt="2021-10-02T03:20:01.207" v="888" actId="207"/>
+          <ac:spMkLst>
+            <pc:docMk/>
+            <pc:sldMk cId="1376903867" sldId="258"/>
+            <ac:spMk id="31" creationId="{1DCCBD66-87D6-4F7E-A817-3044A2CD0689}"/>
+          </ac:spMkLst>
+        </pc:spChg>
+        <pc:spChg chg="add del mod">
+          <ac:chgData name="David Ospina" userId="db9281259342aac5" providerId="LiveId" clId="{B600D1A4-E154-421D-AA7A-56A0B19A4F8A}" dt="2021-10-02T03:21:37.540" v="899" actId="478"/>
+          <ac:spMkLst>
+            <pc:docMk/>
+            <pc:sldMk cId="1376903867" sldId="258"/>
+            <ac:spMk id="32" creationId="{538658B4-9E57-4FF4-92C6-6B53CFBA2AF6}"/>
+          </ac:spMkLst>
+        </pc:spChg>
+        <pc:spChg chg="add mod">
+          <ac:chgData name="David Ospina" userId="db9281259342aac5" providerId="LiveId" clId="{B600D1A4-E154-421D-AA7A-56A0B19A4F8A}" dt="2021-10-02T03:31:56.638" v="970" actId="1076"/>
+          <ac:spMkLst>
+            <pc:docMk/>
+            <pc:sldMk cId="1376903867" sldId="258"/>
+            <ac:spMk id="33" creationId="{F3A44D91-050C-462C-B699-51D3BFAE1D3C}"/>
+          </ac:spMkLst>
+        </pc:spChg>
+        <pc:spChg chg="add mod">
+          <ac:chgData name="David Ospina" userId="db9281259342aac5" providerId="LiveId" clId="{B600D1A4-E154-421D-AA7A-56A0B19A4F8A}" dt="2021-10-02T03:31:43.443" v="967" actId="1076"/>
+          <ac:spMkLst>
+            <pc:docMk/>
+            <pc:sldMk cId="1376903867" sldId="258"/>
+            <ac:spMk id="34" creationId="{7B98825A-4C27-436F-BD68-E533D6206144}"/>
+          </ac:spMkLst>
+        </pc:spChg>
+        <pc:spChg chg="add mod">
+          <ac:chgData name="David Ospina" userId="db9281259342aac5" providerId="LiveId" clId="{B600D1A4-E154-421D-AA7A-56A0B19A4F8A}" dt="2021-10-02T03:31:50.792" v="968" actId="1076"/>
+          <ac:spMkLst>
+            <pc:docMk/>
+            <pc:sldMk cId="1376903867" sldId="258"/>
+            <ac:spMk id="35" creationId="{E4367C44-254D-4291-85E0-1D5877E1EE44}"/>
+          </ac:spMkLst>
+        </pc:spChg>
+        <pc:spChg chg="add mod">
+          <ac:chgData name="David Ospina" userId="db9281259342aac5" providerId="LiveId" clId="{B600D1A4-E154-421D-AA7A-56A0B19A4F8A}" dt="2021-10-02T03:31:54.330" v="969" actId="1076"/>
+          <ac:spMkLst>
+            <pc:docMk/>
+            <pc:sldMk cId="1376903867" sldId="258"/>
+            <ac:spMk id="36" creationId="{EA293CC4-4F65-4434-B087-BCB145FB4445}"/>
+          </ac:spMkLst>
+        </pc:spChg>
+        <pc:grpChg chg="add mod">
+          <ac:chgData name="David Ospina" userId="db9281259342aac5" providerId="LiveId" clId="{B600D1A4-E154-421D-AA7A-56A0B19A4F8A}" dt="2021-10-02T03:18:40.517" v="878" actId="1076"/>
+          <ac:grpSpMkLst>
+            <pc:docMk/>
+            <pc:sldMk cId="1376903867" sldId="258"/>
+            <ac:grpSpMk id="13" creationId="{D44BC50E-E15A-4304-B8FF-D321AEAA1BB1}"/>
+          </ac:grpSpMkLst>
+        </pc:grpChg>
+        <pc:picChg chg="add mod">
+          <ac:chgData name="David Ospina" userId="db9281259342aac5" providerId="LiveId" clId="{B600D1A4-E154-421D-AA7A-56A0B19A4F8A}" dt="2021-10-02T02:16:44.435" v="578" actId="164"/>
+          <ac:picMkLst>
+            <pc:docMk/>
+            <pc:sldMk cId="1376903867" sldId="258"/>
+            <ac:picMk id="5" creationId="{AF2C0531-3E0E-427A-B718-F7197D518194}"/>
+          </ac:picMkLst>
+        </pc:picChg>
+      </pc:sldChg>
+      <pc:sldChg chg="addSp delSp modSp new mod setBg modClrScheme chgLayout">
+        <pc:chgData name="David Ospina" userId="db9281259342aac5" providerId="LiveId" clId="{B600D1A4-E154-421D-AA7A-56A0B19A4F8A}" dt="2021-10-02T03:45:40.130" v="1159"/>
+        <pc:sldMkLst>
+          <pc:docMk/>
+          <pc:sldMk cId="1784090582" sldId="259"/>
+        </pc:sldMkLst>
+        <pc:spChg chg="del">
+          <ac:chgData name="David Ospina" userId="db9281259342aac5" providerId="LiveId" clId="{B600D1A4-E154-421D-AA7A-56A0B19A4F8A}" dt="2021-10-02T03:32:36.149" v="972" actId="700"/>
+          <ac:spMkLst>
+            <pc:docMk/>
+            <pc:sldMk cId="1784090582" sldId="259"/>
+            <ac:spMk id="2" creationId="{26F56CCC-F0F1-45CA-8B7F-BA1D68C8778D}"/>
+          </ac:spMkLst>
+        </pc:spChg>
+        <pc:spChg chg="del">
+          <ac:chgData name="David Ospina" userId="db9281259342aac5" providerId="LiveId" clId="{B600D1A4-E154-421D-AA7A-56A0B19A4F8A}" dt="2021-10-02T03:32:36.149" v="972" actId="700"/>
+          <ac:spMkLst>
+            <pc:docMk/>
+            <pc:sldMk cId="1784090582" sldId="259"/>
+            <ac:spMk id="3" creationId="{19C25672-296C-42CA-BB10-CCFE85D7E83F}"/>
+          </ac:spMkLst>
+        </pc:spChg>
+        <pc:spChg chg="add mod">
+          <ac:chgData name="David Ospina" userId="db9281259342aac5" providerId="LiveId" clId="{B600D1A4-E154-421D-AA7A-56A0B19A4F8A}" dt="2021-10-02T03:41:23.280" v="1052" actId="20577"/>
+          <ac:spMkLst>
+            <pc:docMk/>
+            <pc:sldMk cId="1784090582" sldId="259"/>
+            <ac:spMk id="12" creationId="{0C5FA3C5-3CD2-409B-A921-67882FD647A7}"/>
+          </ac:spMkLst>
+        </pc:spChg>
+        <pc:spChg chg="add">
+          <ac:chgData name="David Ospina" userId="db9281259342aac5" providerId="LiveId" clId="{B600D1A4-E154-421D-AA7A-56A0B19A4F8A}" dt="2021-10-02T03:37:13.299" v="975" actId="26606"/>
+          <ac:spMkLst>
+            <pc:docMk/>
+            <pc:sldMk cId="1784090582" sldId="259"/>
+            <ac:spMk id="71" creationId="{F3060C83-F051-4F0E-ABAD-AA0DFC48B218}"/>
+          </ac:spMkLst>
+        </pc:spChg>
+        <pc:spChg chg="add">
+          <ac:chgData name="David Ospina" userId="db9281259342aac5" providerId="LiveId" clId="{B600D1A4-E154-421D-AA7A-56A0B19A4F8A}" dt="2021-10-02T03:37:13.299" v="975" actId="26606"/>
+          <ac:spMkLst>
+            <pc:docMk/>
+            <pc:sldMk cId="1784090582" sldId="259"/>
+            <ac:spMk id="73" creationId="{83C98ABE-055B-441F-B07E-44F97F083C39}"/>
+          </ac:spMkLst>
+        </pc:spChg>
+        <pc:spChg chg="add">
+          <ac:chgData name="David Ospina" userId="db9281259342aac5" providerId="LiveId" clId="{B600D1A4-E154-421D-AA7A-56A0B19A4F8A}" dt="2021-10-02T03:37:13.299" v="975" actId="26606"/>
+          <ac:spMkLst>
+            <pc:docMk/>
+            <pc:sldMk cId="1784090582" sldId="259"/>
+            <ac:spMk id="75" creationId="{29FDB030-9B49-4CED-8CCD-4D99382388AC}"/>
+          </ac:spMkLst>
+        </pc:spChg>
+        <pc:spChg chg="add">
+          <ac:chgData name="David Ospina" userId="db9281259342aac5" providerId="LiveId" clId="{B600D1A4-E154-421D-AA7A-56A0B19A4F8A}" dt="2021-10-02T03:37:13.299" v="975" actId="26606"/>
+          <ac:spMkLst>
+            <pc:docMk/>
+            <pc:sldMk cId="1784090582" sldId="259"/>
+            <ac:spMk id="77" creationId="{3783CA14-24A1-485C-8B30-D6A5D87987AD}"/>
+          </ac:spMkLst>
+        </pc:spChg>
+        <pc:spChg chg="add">
+          <ac:chgData name="David Ospina" userId="db9281259342aac5" providerId="LiveId" clId="{B600D1A4-E154-421D-AA7A-56A0B19A4F8A}" dt="2021-10-02T03:37:13.299" v="975" actId="26606"/>
+          <ac:spMkLst>
+            <pc:docMk/>
+            <pc:sldMk cId="1784090582" sldId="259"/>
+            <ac:spMk id="79" creationId="{9A97C86A-04D6-40F7-AE84-31AB43E6A846}"/>
+          </ac:spMkLst>
+        </pc:spChg>
+        <pc:spChg chg="add">
+          <ac:chgData name="David Ospina" userId="db9281259342aac5" providerId="LiveId" clId="{B600D1A4-E154-421D-AA7A-56A0B19A4F8A}" dt="2021-10-02T03:37:13.299" v="975" actId="26606"/>
+          <ac:spMkLst>
+            <pc:docMk/>
+            <pc:sldMk cId="1784090582" sldId="259"/>
+            <ac:spMk id="81" creationId="{FF9F2414-84E8-453E-B1F3-389FDE8192D9}"/>
+          </ac:spMkLst>
+        </pc:spChg>
+        <pc:spChg chg="add">
+          <ac:chgData name="David Ospina" userId="db9281259342aac5" providerId="LiveId" clId="{B600D1A4-E154-421D-AA7A-56A0B19A4F8A}" dt="2021-10-02T03:37:13.299" v="975" actId="26606"/>
+          <ac:spMkLst>
+            <pc:docMk/>
+            <pc:sldMk cId="1784090582" sldId="259"/>
+            <ac:spMk id="83" creationId="{3ECA69A1-7536-43AC-85EF-C7106179F5ED}"/>
+          </ac:spMkLst>
+        </pc:spChg>
+        <pc:picChg chg="add mod">
+          <ac:chgData name="David Ospina" userId="db9281259342aac5" providerId="LiveId" clId="{B600D1A4-E154-421D-AA7A-56A0B19A4F8A}" dt="2021-10-02T03:37:13.299" v="975" actId="26606"/>
+          <ac:picMkLst>
+            <pc:docMk/>
+            <pc:sldMk cId="1784090582" sldId="259"/>
+            <ac:picMk id="1026" creationId="{BC48E552-5D91-404B-9F27-FF5CBC41B5EB}"/>
+          </ac:picMkLst>
+        </pc:picChg>
+      </pc:sldChg>
+      <pc:sldChg chg="addSp delSp modSp new mod setBg">
+        <pc:chgData name="David Ospina" userId="db9281259342aac5" providerId="LiveId" clId="{B600D1A4-E154-421D-AA7A-56A0B19A4F8A}" dt="2021-10-02T04:40:04.682" v="1391" actId="313"/>
+        <pc:sldMkLst>
+          <pc:docMk/>
+          <pc:sldMk cId="3775142525" sldId="260"/>
+        </pc:sldMkLst>
+        <pc:spChg chg="add mod">
+          <ac:chgData name="David Ospina" userId="db9281259342aac5" providerId="LiveId" clId="{B600D1A4-E154-421D-AA7A-56A0B19A4F8A}" dt="2021-10-02T03:45:05.131" v="1153" actId="20577"/>
+          <ac:spMkLst>
+            <pc:docMk/>
+            <pc:sldMk cId="3775142525" sldId="260"/>
+            <ac:spMk id="2" creationId="{D8E0A558-03B8-4FAF-86BF-D76248396A4B}"/>
+          </ac:spMkLst>
+        </pc:spChg>
+        <pc:spChg chg="add mod">
+          <ac:chgData name="David Ospina" userId="db9281259342aac5" providerId="LiveId" clId="{B600D1A4-E154-421D-AA7A-56A0B19A4F8A}" dt="2021-10-02T03:45:19.780" v="1154"/>
+          <ac:spMkLst>
+            <pc:docMk/>
+            <pc:sldMk cId="3775142525" sldId="260"/>
+            <ac:spMk id="3" creationId="{4E313A75-C2DD-411E-985E-44E74C4014CF}"/>
+          </ac:spMkLst>
+        </pc:spChg>
+        <pc:spChg chg="add mod">
+          <ac:chgData name="David Ospina" userId="db9281259342aac5" providerId="LiveId" clId="{B600D1A4-E154-421D-AA7A-56A0B19A4F8A}" dt="2021-10-02T03:45:19.780" v="1154"/>
+          <ac:spMkLst>
+            <pc:docMk/>
+            <pc:sldMk cId="3775142525" sldId="260"/>
+            <ac:spMk id="4" creationId="{B7CC03D8-D73B-4F7B-B51E-D72350F03B9B}"/>
+          </ac:spMkLst>
+        </pc:spChg>
+        <pc:spChg chg="add mod">
+          <ac:chgData name="David Ospina" userId="db9281259342aac5" providerId="LiveId" clId="{B600D1A4-E154-421D-AA7A-56A0B19A4F8A}" dt="2021-10-02T03:45:19.780" v="1154"/>
+          <ac:spMkLst>
+            <pc:docMk/>
+            <pc:sldMk cId="3775142525" sldId="260"/>
+            <ac:spMk id="5" creationId="{484F6AFA-ADD2-47A5-B1C4-A9FD72BF4B23}"/>
+          </ac:spMkLst>
+        </pc:spChg>
+        <pc:spChg chg="add mod">
+          <ac:chgData name="David Ospina" userId="db9281259342aac5" providerId="LiveId" clId="{B600D1A4-E154-421D-AA7A-56A0B19A4F8A}" dt="2021-10-02T03:45:19.780" v="1154"/>
+          <ac:spMkLst>
+            <pc:docMk/>
+            <pc:sldMk cId="3775142525" sldId="260"/>
+            <ac:spMk id="6" creationId="{FD3C1483-96CA-4F06-A203-898E572052D9}"/>
+          </ac:spMkLst>
+        </pc:spChg>
+        <pc:spChg chg="add mod">
+          <ac:chgData name="David Ospina" userId="db9281259342aac5" providerId="LiveId" clId="{B600D1A4-E154-421D-AA7A-56A0B19A4F8A}" dt="2021-10-02T03:45:19.780" v="1154"/>
+          <ac:spMkLst>
+            <pc:docMk/>
+            <pc:sldMk cId="3775142525" sldId="260"/>
+            <ac:spMk id="7" creationId="{4DCF53B5-7276-4359-AA74-57A8EA5F6F8E}"/>
+          </ac:spMkLst>
+        </pc:spChg>
+        <pc:spChg chg="add mod">
+          <ac:chgData name="David Ospina" userId="db9281259342aac5" providerId="LiveId" clId="{B600D1A4-E154-421D-AA7A-56A0B19A4F8A}" dt="2021-10-02T03:45:19.780" v="1154"/>
+          <ac:spMkLst>
+            <pc:docMk/>
+            <pc:sldMk cId="3775142525" sldId="260"/>
+            <ac:spMk id="8" creationId="{5EA4A6EA-6645-4888-A148-B4962094A95C}"/>
+          </ac:spMkLst>
+        </pc:spChg>
+        <pc:spChg chg="add mod">
+          <ac:chgData name="David Ospina" userId="db9281259342aac5" providerId="LiveId" clId="{B600D1A4-E154-421D-AA7A-56A0B19A4F8A}" dt="2021-10-02T03:45:19.780" v="1154"/>
+          <ac:spMkLst>
+            <pc:docMk/>
+            <pc:sldMk cId="3775142525" sldId="260"/>
+            <ac:spMk id="9" creationId="{C7293781-AE6C-48A6-9D15-8913E6829AEF}"/>
+          </ac:spMkLst>
+        </pc:spChg>
+        <pc:spChg chg="add del mod">
+          <ac:chgData name="David Ospina" userId="db9281259342aac5" providerId="LiveId" clId="{B600D1A4-E154-421D-AA7A-56A0B19A4F8A}" dt="2021-10-02T04:14:03.375" v="1160" actId="478"/>
+          <ac:spMkLst>
+            <pc:docMk/>
+            <pc:sldMk cId="3775142525" sldId="260"/>
+            <ac:spMk id="10" creationId="{50F14516-6A8B-4218-B28E-F820EA542F04}"/>
+          </ac:spMkLst>
+        </pc:spChg>
+        <pc:spChg chg="add del mod">
+          <ac:chgData name="David Ospina" userId="db9281259342aac5" providerId="LiveId" clId="{B600D1A4-E154-421D-AA7A-56A0B19A4F8A}" dt="2021-10-02T04:14:05.479" v="1162" actId="478"/>
+          <ac:spMkLst>
+            <pc:docMk/>
+            <pc:sldMk cId="3775142525" sldId="260"/>
+            <ac:spMk id="11" creationId="{1D71C659-02CE-49F4-B817-1FBD4BFCE4BB}"/>
+          </ac:spMkLst>
+        </pc:spChg>
+        <pc:spChg chg="add del mod">
+          <ac:chgData name="David Ospina" userId="db9281259342aac5" providerId="LiveId" clId="{B600D1A4-E154-421D-AA7A-56A0B19A4F8A}" dt="2021-10-02T04:14:09.235" v="1164" actId="478"/>
+          <ac:spMkLst>
+            <pc:docMk/>
+            <pc:sldMk cId="3775142525" sldId="260"/>
+            <ac:spMk id="12" creationId="{0C20B179-83E0-4EB9-A180-4222F605BCEE}"/>
+          </ac:spMkLst>
+        </pc:spChg>
+        <pc:spChg chg="add del mod">
+          <ac:chgData name="David Ospina" userId="db9281259342aac5" providerId="LiveId" clId="{B600D1A4-E154-421D-AA7A-56A0B19A4F8A}" dt="2021-10-02T04:14:07.453" v="1163" actId="478"/>
+          <ac:spMkLst>
+            <pc:docMk/>
+            <pc:sldMk cId="3775142525" sldId="260"/>
+            <ac:spMk id="13" creationId="{31255D3D-ABD6-44C6-9A24-5E821EF55205}"/>
+          </ac:spMkLst>
+        </pc:spChg>
+        <pc:spChg chg="mod">
+          <ac:chgData name="David Ospina" userId="db9281259342aac5" providerId="LiveId" clId="{B600D1A4-E154-421D-AA7A-56A0B19A4F8A}" dt="2021-10-02T03:45:26.731" v="1155"/>
+          <ac:spMkLst>
+            <pc:docMk/>
+            <pc:sldMk cId="3775142525" sldId="260"/>
+            <ac:spMk id="15" creationId="{55CC0FA6-EAA3-4B69-9156-4952F67B62D0}"/>
+          </ac:spMkLst>
+        </pc:spChg>
+        <pc:spChg chg="add mod ord">
+          <ac:chgData name="David Ospina" userId="db9281259342aac5" providerId="LiveId" clId="{B600D1A4-E154-421D-AA7A-56A0B19A4F8A}" dt="2021-10-02T04:28:58.169" v="1289" actId="167"/>
+          <ac:spMkLst>
+            <pc:docMk/>
+            <pc:sldMk cId="3775142525" sldId="260"/>
+            <ac:spMk id="17" creationId="{54A2DFCE-E659-4777-B7F5-1BFCA625230C}"/>
+          </ac:spMkLst>
+        </pc:spChg>
+        <pc:spChg chg="add mod ord">
+          <ac:chgData name="David Ospina" userId="db9281259342aac5" providerId="LiveId" clId="{B600D1A4-E154-421D-AA7A-56A0B19A4F8A}" dt="2021-10-02T04:28:52.046" v="1288" actId="167"/>
+          <ac:spMkLst>
+            <pc:docMk/>
+            <pc:sldMk cId="3775142525" sldId="260"/>
+            <ac:spMk id="18" creationId="{9C5F63EB-8589-4604-8DD7-CE9901C5E274}"/>
+          </ac:spMkLst>
+        </pc:spChg>
+        <pc:spChg chg="add mod">
+          <ac:chgData name="David Ospina" userId="db9281259342aac5" providerId="LiveId" clId="{B600D1A4-E154-421D-AA7A-56A0B19A4F8A}" dt="2021-10-02T04:22:35.765" v="1202" actId="20577"/>
+          <ac:spMkLst>
+            <pc:docMk/>
+            <pc:sldMk cId="3775142525" sldId="260"/>
+            <ac:spMk id="19" creationId="{69F1B46B-BC1F-43C2-B37A-FEAC4A47E299}"/>
+          </ac:spMkLst>
+        </pc:spChg>
+        <pc:spChg chg="add mod">
+          <ac:chgData name="David Ospina" userId="db9281259342aac5" providerId="LiveId" clId="{B600D1A4-E154-421D-AA7A-56A0B19A4F8A}" dt="2021-10-02T04:25:10.185" v="1210" actId="1076"/>
+          <ac:spMkLst>
+            <pc:docMk/>
+            <pc:sldMk cId="3775142525" sldId="260"/>
+            <ac:spMk id="20" creationId="{1980C4B2-C76E-447E-A37E-27C232A9004A}"/>
+          </ac:spMkLst>
+        </pc:spChg>
+        <pc:spChg chg="add mod">
+          <ac:chgData name="David Ospina" userId="db9281259342aac5" providerId="LiveId" clId="{B600D1A4-E154-421D-AA7A-56A0B19A4F8A}" dt="2021-10-02T04:27:13.413" v="1234" actId="20577"/>
+          <ac:spMkLst>
+            <pc:docMk/>
+            <pc:sldMk cId="3775142525" sldId="260"/>
+            <ac:spMk id="21" creationId="{EF9708B1-7F09-43A1-96A5-E3702F717E9E}"/>
+          </ac:spMkLst>
+        </pc:spChg>
+        <pc:spChg chg="add mod">
+          <ac:chgData name="David Ospina" userId="db9281259342aac5" providerId="LiveId" clId="{B600D1A4-E154-421D-AA7A-56A0B19A4F8A}" dt="2021-10-02T04:27:50.280" v="1276" actId="313"/>
+          <ac:spMkLst>
+            <pc:docMk/>
+            <pc:sldMk cId="3775142525" sldId="260"/>
+            <ac:spMk id="22" creationId="{1B4C395C-CF85-4FCC-B375-025D009A1C4F}"/>
+          </ac:spMkLst>
+        </pc:spChg>
+        <pc:spChg chg="add mod">
+          <ac:chgData name="David Ospina" userId="db9281259342aac5" providerId="LiveId" clId="{B600D1A4-E154-421D-AA7A-56A0B19A4F8A}" dt="2021-10-02T04:29:39.346" v="1322" actId="20577"/>
+          <ac:spMkLst>
+            <pc:docMk/>
+            <pc:sldMk cId="3775142525" sldId="260"/>
+            <ac:spMk id="23" creationId="{686D023E-B4E8-4072-B2E2-C07DCBFDC3DB}"/>
+          </ac:spMkLst>
+        </pc:spChg>
+        <pc:spChg chg="add mod ord">
+          <ac:chgData name="David Ospina" userId="db9281259342aac5" providerId="LiveId" clId="{B600D1A4-E154-421D-AA7A-56A0B19A4F8A}" dt="2021-10-02T04:29:10.550" v="1292" actId="207"/>
+          <ac:spMkLst>
+            <pc:docMk/>
+            <pc:sldMk cId="3775142525" sldId="260"/>
+            <ac:spMk id="24" creationId="{A7F5F7CF-B36F-4986-9538-AF9B8A6B26A0}"/>
+          </ac:spMkLst>
+        </pc:spChg>
+        <pc:spChg chg="add">
+          <ac:chgData name="David Ospina" userId="db9281259342aac5" providerId="LiveId" clId="{B600D1A4-E154-421D-AA7A-56A0B19A4F8A}" dt="2021-10-02T04:36:39.368" v="1323" actId="11529"/>
+          <ac:spMkLst>
+            <pc:docMk/>
+            <pc:sldMk cId="3775142525" sldId="260"/>
+            <ac:spMk id="25" creationId="{41ABD64C-A4EA-4DF6-AAD4-1A67DA8A4D34}"/>
+          </ac:spMkLst>
+        </pc:spChg>
+        <pc:spChg chg="add mod">
+          <ac:chgData name="David Ospina" userId="db9281259342aac5" providerId="LiveId" clId="{B600D1A4-E154-421D-AA7A-56A0B19A4F8A}" dt="2021-10-02T04:37:39.200" v="1334" actId="20577"/>
+          <ac:spMkLst>
+            <pc:docMk/>
+            <pc:sldMk cId="3775142525" sldId="260"/>
+            <ac:spMk id="26" creationId="{91C45E75-0BB1-4925-A775-23B6FDA7E9A8}"/>
+          </ac:spMkLst>
+        </pc:spChg>
+        <pc:spChg chg="add mod">
+          <ac:chgData name="David Ospina" userId="db9281259342aac5" providerId="LiveId" clId="{B600D1A4-E154-421D-AA7A-56A0B19A4F8A}" dt="2021-10-02T04:40:04.682" v="1391" actId="313"/>
+          <ac:spMkLst>
+            <pc:docMk/>
+            <pc:sldMk cId="3775142525" sldId="260"/>
+            <ac:spMk id="27" creationId="{4A18B2BF-18C9-4256-88F2-C1293BA3D044}"/>
+          </ac:spMkLst>
+        </pc:spChg>
+        <pc:grpChg chg="add mod">
+          <ac:chgData name="David Ospina" userId="db9281259342aac5" providerId="LiveId" clId="{B600D1A4-E154-421D-AA7A-56A0B19A4F8A}" dt="2021-10-02T03:45:28.316" v="1156" actId="1076"/>
+          <ac:grpSpMkLst>
+            <pc:docMk/>
+            <pc:sldMk cId="3775142525" sldId="260"/>
+            <ac:grpSpMk id="14" creationId="{4CD8BC3D-FC81-48B5-B9BA-8F54932AF005}"/>
+          </ac:grpSpMkLst>
+        </pc:grpChg>
+        <pc:picChg chg="mod">
+          <ac:chgData name="David Ospina" userId="db9281259342aac5" providerId="LiveId" clId="{B600D1A4-E154-421D-AA7A-56A0B19A4F8A}" dt="2021-10-02T03:45:26.731" v="1155"/>
+          <ac:picMkLst>
+            <pc:docMk/>
+            <pc:sldMk cId="3775142525" sldId="260"/>
+            <ac:picMk id="16" creationId="{19C9FF43-D4C3-404F-A1A8-2450C6BB9276}"/>
+          </ac:picMkLst>
+        </pc:picChg>
+      </pc:sldChg>
+      <pc:sldMasterChg chg="setBg modSldLayout">
+        <pc:chgData name="David Ospina" userId="db9281259342aac5" providerId="LiveId" clId="{B600D1A4-E154-421D-AA7A-56A0B19A4F8A}" dt="2021-10-02T03:45:40.130" v="1159"/>
+        <pc:sldMasterMkLst>
+          <pc:docMk/>
+          <pc:sldMasterMk cId="4260104439" sldId="2147483648"/>
+        </pc:sldMasterMkLst>
+        <pc:sldLayoutChg chg="setBg">
+          <pc:chgData name="David Ospina" userId="db9281259342aac5" providerId="LiveId" clId="{B600D1A4-E154-421D-AA7A-56A0B19A4F8A}" dt="2021-10-02T03:45:40.130" v="1159"/>
+          <pc:sldLayoutMkLst>
+            <pc:docMk/>
+            <pc:sldMasterMk cId="4260104439" sldId="2147483648"/>
+            <pc:sldLayoutMk cId="3283313559" sldId="2147483649"/>
+          </pc:sldLayoutMkLst>
+        </pc:sldLayoutChg>
+        <pc:sldLayoutChg chg="setBg">
+          <pc:chgData name="David Ospina" userId="db9281259342aac5" providerId="LiveId" clId="{B600D1A4-E154-421D-AA7A-56A0B19A4F8A}" dt="2021-10-02T03:45:40.130" v="1159"/>
+          <pc:sldLayoutMkLst>
+            <pc:docMk/>
+            <pc:sldMasterMk cId="4260104439" sldId="2147483648"/>
+            <pc:sldLayoutMk cId="3590181848" sldId="2147483650"/>
+          </pc:sldLayoutMkLst>
+        </pc:sldLayoutChg>
+        <pc:sldLayoutChg chg="setBg">
+          <pc:chgData name="David Ospina" userId="db9281259342aac5" providerId="LiveId" clId="{B600D1A4-E154-421D-AA7A-56A0B19A4F8A}" dt="2021-10-02T03:45:40.130" v="1159"/>
+          <pc:sldLayoutMkLst>
+            <pc:docMk/>
+            <pc:sldMasterMk cId="4260104439" sldId="2147483648"/>
+            <pc:sldLayoutMk cId="4103087941" sldId="2147483651"/>
+          </pc:sldLayoutMkLst>
+        </pc:sldLayoutChg>
+        <pc:sldLayoutChg chg="setBg">
+          <pc:chgData name="David Ospina" userId="db9281259342aac5" providerId="LiveId" clId="{B600D1A4-E154-421D-AA7A-56A0B19A4F8A}" dt="2021-10-02T03:45:40.130" v="1159"/>
+          <pc:sldLayoutMkLst>
+            <pc:docMk/>
+            <pc:sldMasterMk cId="4260104439" sldId="2147483648"/>
+            <pc:sldLayoutMk cId="418370159" sldId="2147483652"/>
+          </pc:sldLayoutMkLst>
+        </pc:sldLayoutChg>
+        <pc:sldLayoutChg chg="setBg">
+          <pc:chgData name="David Ospina" userId="db9281259342aac5" providerId="LiveId" clId="{B600D1A4-E154-421D-AA7A-56A0B19A4F8A}" dt="2021-10-02T03:45:40.130" v="1159"/>
+          <pc:sldLayoutMkLst>
+            <pc:docMk/>
+            <pc:sldMasterMk cId="4260104439" sldId="2147483648"/>
+            <pc:sldLayoutMk cId="704990448" sldId="2147483653"/>
+          </pc:sldLayoutMkLst>
+        </pc:sldLayoutChg>
+        <pc:sldLayoutChg chg="setBg">
+          <pc:chgData name="David Ospina" userId="db9281259342aac5" providerId="LiveId" clId="{B600D1A4-E154-421D-AA7A-56A0B19A4F8A}" dt="2021-10-02T03:45:40.130" v="1159"/>
+          <pc:sldLayoutMkLst>
+            <pc:docMk/>
+            <pc:sldMasterMk cId="4260104439" sldId="2147483648"/>
+            <pc:sldLayoutMk cId="115642074" sldId="2147483654"/>
+          </pc:sldLayoutMkLst>
+        </pc:sldLayoutChg>
+        <pc:sldLayoutChg chg="setBg">
+          <pc:chgData name="David Ospina" userId="db9281259342aac5" providerId="LiveId" clId="{B600D1A4-E154-421D-AA7A-56A0B19A4F8A}" dt="2021-10-02T03:45:40.130" v="1159"/>
+          <pc:sldLayoutMkLst>
+            <pc:docMk/>
+            <pc:sldMasterMk cId="4260104439" sldId="2147483648"/>
+            <pc:sldLayoutMk cId="2102732007" sldId="2147483655"/>
+          </pc:sldLayoutMkLst>
+        </pc:sldLayoutChg>
+        <pc:sldLayoutChg chg="setBg">
+          <pc:chgData name="David Ospina" userId="db9281259342aac5" providerId="LiveId" clId="{B600D1A4-E154-421D-AA7A-56A0B19A4F8A}" dt="2021-10-02T03:45:40.130" v="1159"/>
+          <pc:sldLayoutMkLst>
+            <pc:docMk/>
+            <pc:sldMasterMk cId="4260104439" sldId="2147483648"/>
+            <pc:sldLayoutMk cId="2654350294" sldId="2147483656"/>
+          </pc:sldLayoutMkLst>
+        </pc:sldLayoutChg>
+        <pc:sldLayoutChg chg="setBg">
+          <pc:chgData name="David Ospina" userId="db9281259342aac5" providerId="LiveId" clId="{B600D1A4-E154-421D-AA7A-56A0B19A4F8A}" dt="2021-10-02T03:45:40.130" v="1159"/>
+          <pc:sldLayoutMkLst>
+            <pc:docMk/>
+            <pc:sldMasterMk cId="4260104439" sldId="2147483648"/>
+            <pc:sldLayoutMk cId="2273021603" sldId="2147483657"/>
+          </pc:sldLayoutMkLst>
+        </pc:sldLayoutChg>
+        <pc:sldLayoutChg chg="setBg">
+          <pc:chgData name="David Ospina" userId="db9281259342aac5" providerId="LiveId" clId="{B600D1A4-E154-421D-AA7A-56A0B19A4F8A}" dt="2021-10-02T03:45:40.130" v="1159"/>
+          <pc:sldLayoutMkLst>
+            <pc:docMk/>
+            <pc:sldMasterMk cId="4260104439" sldId="2147483648"/>
+            <pc:sldLayoutMk cId="801637548" sldId="2147483658"/>
+          </pc:sldLayoutMkLst>
+        </pc:sldLayoutChg>
+        <pc:sldLayoutChg chg="setBg">
+          <pc:chgData name="David Ospina" userId="db9281259342aac5" providerId="LiveId" clId="{B600D1A4-E154-421D-AA7A-56A0B19A4F8A}" dt="2021-10-02T03:45:40.130" v="1159"/>
+          <pc:sldLayoutMkLst>
+            <pc:docMk/>
+            <pc:sldMasterMk cId="4260104439" sldId="2147483648"/>
+            <pc:sldLayoutMk cId="2674769207" sldId="2147483659"/>
+          </pc:sldLayoutMkLst>
+        </pc:sldLayoutChg>
+      </pc:sldMasterChg>
+    </pc:docChg>
+  </pc:docChgLst>
+</pc:chgInfo>
 </file>
 
 <file path=ppt/slideLayouts/slideLayout1.xml><?xml version="1.0" encoding="utf-8"?>
@@ -262,7 +997,7 @@
           <a:p>
             <a:fld id="{0FC49E1C-D7DA-4603-87F1-F9E3F28E788A}" type="datetimeFigureOut">
               <a:rPr lang="es-CO" smtClean="0"/>
-              <a:t>20/09/2021</a:t>
+              <a:t>1/10/2021</a:t>
             </a:fld>
             <a:endParaRPr lang="es-CO"/>
           </a:p>
@@ -462,7 +1197,7 @@
           <a:p>
             <a:fld id="{0FC49E1C-D7DA-4603-87F1-F9E3F28E788A}" type="datetimeFigureOut">
               <a:rPr lang="es-CO" smtClean="0"/>
-              <a:t>20/09/2021</a:t>
+              <a:t>1/10/2021</a:t>
             </a:fld>
             <a:endParaRPr lang="es-CO"/>
           </a:p>
@@ -672,7 +1407,7 @@
           <a:p>
             <a:fld id="{0FC49E1C-D7DA-4603-87F1-F9E3F28E788A}" type="datetimeFigureOut">
               <a:rPr lang="es-CO" smtClean="0"/>
-              <a:t>20/09/2021</a:t>
+              <a:t>1/10/2021</a:t>
             </a:fld>
             <a:endParaRPr lang="es-CO"/>
           </a:p>
@@ -872,7 +1607,7 @@
           <a:p>
             <a:fld id="{0FC49E1C-D7DA-4603-87F1-F9E3F28E788A}" type="datetimeFigureOut">
               <a:rPr lang="es-CO" smtClean="0"/>
-              <a:t>20/09/2021</a:t>
+              <a:t>1/10/2021</a:t>
             </a:fld>
             <a:endParaRPr lang="es-CO"/>
           </a:p>
@@ -1148,7 +1883,7 @@
           <a:p>
             <a:fld id="{0FC49E1C-D7DA-4603-87F1-F9E3F28E788A}" type="datetimeFigureOut">
               <a:rPr lang="es-CO" smtClean="0"/>
-              <a:t>20/09/2021</a:t>
+              <a:t>1/10/2021</a:t>
             </a:fld>
             <a:endParaRPr lang="es-CO"/>
           </a:p>
@@ -1416,7 +2151,7 @@
           <a:p>
             <a:fld id="{0FC49E1C-D7DA-4603-87F1-F9E3F28E788A}" type="datetimeFigureOut">
               <a:rPr lang="es-CO" smtClean="0"/>
-              <a:t>20/09/2021</a:t>
+              <a:t>1/10/2021</a:t>
             </a:fld>
             <a:endParaRPr lang="es-CO"/>
           </a:p>
@@ -1831,7 +2566,7 @@
           <a:p>
             <a:fld id="{0FC49E1C-D7DA-4603-87F1-F9E3F28E788A}" type="datetimeFigureOut">
               <a:rPr lang="es-CO" smtClean="0"/>
-              <a:t>20/09/2021</a:t>
+              <a:t>1/10/2021</a:t>
             </a:fld>
             <a:endParaRPr lang="es-CO"/>
           </a:p>
@@ -1973,7 +2708,7 @@
           <a:p>
             <a:fld id="{0FC49E1C-D7DA-4603-87F1-F9E3F28E788A}" type="datetimeFigureOut">
               <a:rPr lang="es-CO" smtClean="0"/>
-              <a:t>20/09/2021</a:t>
+              <a:t>1/10/2021</a:t>
             </a:fld>
             <a:endParaRPr lang="es-CO"/>
           </a:p>
@@ -2086,7 +2821,7 @@
           <a:p>
             <a:fld id="{0FC49E1C-D7DA-4603-87F1-F9E3F28E788A}" type="datetimeFigureOut">
               <a:rPr lang="es-CO" smtClean="0"/>
-              <a:t>20/09/2021</a:t>
+              <a:t>1/10/2021</a:t>
             </a:fld>
             <a:endParaRPr lang="es-CO"/>
           </a:p>
@@ -2399,7 +3134,7 @@
           <a:p>
             <a:fld id="{0FC49E1C-D7DA-4603-87F1-F9E3F28E788A}" type="datetimeFigureOut">
               <a:rPr lang="es-CO" smtClean="0"/>
-              <a:t>20/09/2021</a:t>
+              <a:t>1/10/2021</a:t>
             </a:fld>
             <a:endParaRPr lang="es-CO"/>
           </a:p>
@@ -2688,7 +3423,7 @@
           <a:p>
             <a:fld id="{0FC49E1C-D7DA-4603-87F1-F9E3F28E788A}" type="datetimeFigureOut">
               <a:rPr lang="es-CO" smtClean="0"/>
-              <a:t>20/09/2021</a:t>
+              <a:t>1/10/2021</a:t>
             </a:fld>
             <a:endParaRPr lang="es-CO"/>
           </a:p>
@@ -2931,7 +3666,7 @@
           <a:p>
             <a:fld id="{0FC49E1C-D7DA-4603-87F1-F9E3F28E788A}" type="datetimeFigureOut">
               <a:rPr lang="es-CO" smtClean="0"/>
-              <a:t>20/09/2021</a:t>
+              <a:t>1/10/2021</a:t>
             </a:fld>
             <a:endParaRPr lang="es-CO"/>
           </a:p>
@@ -4655,6 +5390,39 @@
 <file path=ppt/slides/slide2.xml><?xml version="1.0" encoding="utf-8"?>
 <p:sld xmlns:a="http://schemas.openxmlformats.org/drawingml/2006/main" xmlns:r="http://schemas.openxmlformats.org/officeDocument/2006/relationships" xmlns:p="http://schemas.openxmlformats.org/presentationml/2006/main">
   <p:cSld>
+    <p:bg>
+      <p:bgPr>
+        <a:gradFill>
+          <a:gsLst>
+            <a:gs pos="0">
+              <a:schemeClr val="accent1">
+                <a:lumMod val="75000"/>
+              </a:schemeClr>
+            </a:gs>
+            <a:gs pos="69000">
+              <a:schemeClr val="accent1">
+                <a:lumMod val="45000"/>
+                <a:lumOff val="55000"/>
+              </a:schemeClr>
+            </a:gs>
+            <a:gs pos="95000">
+              <a:schemeClr val="accent1">
+                <a:lumMod val="45000"/>
+                <a:lumOff val="55000"/>
+              </a:schemeClr>
+            </a:gs>
+            <a:gs pos="100000">
+              <a:schemeClr val="accent1">
+                <a:lumMod val="30000"/>
+                <a:lumOff val="70000"/>
+              </a:schemeClr>
+            </a:gs>
+          </a:gsLst>
+          <a:lin ang="5400000" scaled="1"/>
+        </a:gradFill>
+        <a:effectLst/>
+      </p:bgPr>
+    </p:bg>
     <p:spTree>
       <p:nvGrpSpPr>
         <p:cNvPr id="1" name=""/>
@@ -4671,51 +5439,1285 @@
       </p:grpSpPr>
       <p:sp>
         <p:nvSpPr>
-          <p:cNvPr id="2" name="Título 1">
-            <a:extLst>
-              <a:ext uri="{FF2B5EF4-FFF2-40B4-BE49-F238E27FC236}">
-                <a16:creationId xmlns:a16="http://schemas.microsoft.com/office/drawing/2014/main" id="{CEB98763-C370-4B8C-8B5E-7C6BF34D1F84}"/>
-              </a:ext>
-            </a:extLst>
-          </p:cNvPr>
-          <p:cNvSpPr>
-            <a:spLocks noGrp="1"/>
-          </p:cNvSpPr>
-          <p:nvPr>
-            <p:ph type="title"/>
-          </p:nvPr>
-        </p:nvSpPr>
-        <p:spPr/>
-        <p:txBody>
-          <a:bodyPr/>
-          <a:lstStyle/>
-          <a:p>
+          <p:cNvPr id="31" name="Rectángulo: esquinas redondeadas 30">
+            <a:extLst>
+              <a:ext uri="{FF2B5EF4-FFF2-40B4-BE49-F238E27FC236}">
+                <a16:creationId xmlns:a16="http://schemas.microsoft.com/office/drawing/2014/main" id="{1DCCBD66-87D6-4F7E-A817-3044A2CD0689}"/>
+              </a:ext>
+            </a:extLst>
+          </p:cNvPr>
+          <p:cNvSpPr/>
+          <p:nvPr/>
+        </p:nvSpPr>
+        <p:spPr>
+          <a:xfrm>
+            <a:off x="167054" y="114300"/>
+            <a:ext cx="11825654" cy="460789"/>
+          </a:xfrm>
+          <a:prstGeom prst="roundRect">
+            <a:avLst/>
+          </a:prstGeom>
+          <a:solidFill>
+            <a:schemeClr val="accent1">
+              <a:lumMod val="50000"/>
+            </a:schemeClr>
+          </a:solidFill>
+        </p:spPr>
+        <p:style>
+          <a:lnRef idx="2">
+            <a:schemeClr val="accent1">
+              <a:shade val="50000"/>
+            </a:schemeClr>
+          </a:lnRef>
+          <a:fillRef idx="1">
+            <a:schemeClr val="accent1"/>
+          </a:fillRef>
+          <a:effectRef idx="0">
+            <a:schemeClr val="accent1"/>
+          </a:effectRef>
+          <a:fontRef idx="minor">
+            <a:schemeClr val="lt1"/>
+          </a:fontRef>
+        </p:style>
+        <p:txBody>
+          <a:bodyPr rtlCol="0" anchor="ctr"/>
+          <a:lstStyle/>
+          <a:p>
+            <a:pPr algn="ctr"/>
             <a:endParaRPr lang="es-CO"/>
           </a:p>
         </p:txBody>
       </p:sp>
-      <p:sp>
-        <p:nvSpPr>
-          <p:cNvPr id="3" name="Marcador de contenido 2">
-            <a:extLst>
-              <a:ext uri="{FF2B5EF4-FFF2-40B4-BE49-F238E27FC236}">
-                <a16:creationId xmlns:a16="http://schemas.microsoft.com/office/drawing/2014/main" id="{66355DCE-60CD-4EED-BCE0-74625BCC8B92}"/>
-              </a:ext>
-            </a:extLst>
-          </p:cNvPr>
-          <p:cNvSpPr>
-            <a:spLocks noGrp="1"/>
-          </p:cNvSpPr>
-          <p:nvPr>
-            <p:ph idx="1"/>
-          </p:nvPr>
-        </p:nvSpPr>
-        <p:spPr/>
-        <p:txBody>
-          <a:bodyPr/>
-          <a:lstStyle/>
-          <a:p>
+      <p:grpSp>
+        <p:nvGrpSpPr>
+          <p:cNvPr id="13" name="Grupo 12">
+            <a:extLst>
+              <a:ext uri="{FF2B5EF4-FFF2-40B4-BE49-F238E27FC236}">
+                <a16:creationId xmlns:a16="http://schemas.microsoft.com/office/drawing/2014/main" id="{D44BC50E-E15A-4304-B8FF-D321AEAA1BB1}"/>
+              </a:ext>
+            </a:extLst>
+          </p:cNvPr>
+          <p:cNvGrpSpPr/>
+          <p:nvPr/>
+        </p:nvGrpSpPr>
+        <p:grpSpPr>
+          <a:xfrm>
+            <a:off x="260838" y="628649"/>
+            <a:ext cx="1286051" cy="1011116"/>
+            <a:chOff x="366903" y="149469"/>
+            <a:chExt cx="1286051" cy="1011116"/>
+          </a:xfrm>
+        </p:grpSpPr>
+        <p:sp>
+          <p:nvSpPr>
+            <p:cNvPr id="7" name="Rectángulo: esquinas redondeadas 6">
+              <a:extLst>
+                <a:ext uri="{FF2B5EF4-FFF2-40B4-BE49-F238E27FC236}">
+                  <a16:creationId xmlns:a16="http://schemas.microsoft.com/office/drawing/2014/main" id="{BCF1CAC3-1C4C-4AC4-91E4-D03095523E73}"/>
+                </a:ext>
+              </a:extLst>
+            </p:cNvPr>
+            <p:cNvSpPr/>
+            <p:nvPr/>
+          </p:nvSpPr>
+          <p:spPr>
+            <a:xfrm>
+              <a:off x="366903" y="149469"/>
+              <a:ext cx="1286051" cy="1011116"/>
+            </a:xfrm>
+            <a:prstGeom prst="roundRect">
+              <a:avLst/>
+            </a:prstGeom>
+            <a:solidFill>
+              <a:schemeClr val="bg1"/>
+            </a:solidFill>
+          </p:spPr>
+          <p:style>
+            <a:lnRef idx="2">
+              <a:schemeClr val="accent1">
+                <a:shade val="50000"/>
+              </a:schemeClr>
+            </a:lnRef>
+            <a:fillRef idx="1">
+              <a:schemeClr val="accent1"/>
+            </a:fillRef>
+            <a:effectRef idx="0">
+              <a:schemeClr val="accent1"/>
+            </a:effectRef>
+            <a:fontRef idx="minor">
+              <a:schemeClr val="lt1"/>
+            </a:fontRef>
+          </p:style>
+          <p:txBody>
+            <a:bodyPr rtlCol="0" anchor="ctr"/>
+            <a:lstStyle/>
+            <a:p>
+              <a:pPr algn="ctr"/>
+              <a:endParaRPr lang="es-CO"/>
+            </a:p>
+          </p:txBody>
+        </p:sp>
+        <p:pic>
+          <p:nvPicPr>
+            <p:cNvPr id="5" name="Imagen 4" descr="Una caricatura de una persona&#10;&#10;Descripción generada automáticamente con confianza baja">
+              <a:extLst>
+                <a:ext uri="{FF2B5EF4-FFF2-40B4-BE49-F238E27FC236}">
+                  <a16:creationId xmlns:a16="http://schemas.microsoft.com/office/drawing/2014/main" id="{AF2C0531-3E0E-427A-B718-F7197D518194}"/>
+                </a:ext>
+              </a:extLst>
+            </p:cNvPr>
+            <p:cNvPicPr>
+              <a:picLocks noChangeAspect="1"/>
+            </p:cNvPicPr>
+            <p:nvPr/>
+          </p:nvPicPr>
+          <p:blipFill>
+            <a:blip r:embed="rId2">
+              <a:extLst>
+                <a:ext uri="{28A0092B-C50C-407E-A947-70E740481C1C}">
+                  <a14:useLocalDpi xmlns:a14="http://schemas.microsoft.com/office/drawing/2010/main" val="0"/>
+                </a:ext>
+              </a:extLst>
+            </a:blip>
+            <a:stretch>
+              <a:fillRect/>
+            </a:stretch>
+          </p:blipFill>
+          <p:spPr>
+            <a:xfrm>
+              <a:off x="485941" y="260052"/>
+              <a:ext cx="1047974" cy="789950"/>
+            </a:xfrm>
+            <a:prstGeom prst="rect">
+              <a:avLst/>
+            </a:prstGeom>
+          </p:spPr>
+        </p:pic>
+      </p:grpSp>
+      <p:sp>
+        <p:nvSpPr>
+          <p:cNvPr id="8" name="CuadroTexto 7">
+            <a:extLst>
+              <a:ext uri="{FF2B5EF4-FFF2-40B4-BE49-F238E27FC236}">
+                <a16:creationId xmlns:a16="http://schemas.microsoft.com/office/drawing/2014/main" id="{476E27CF-EFE1-4A84-80DD-62BE841CF321}"/>
+              </a:ext>
+            </a:extLst>
+          </p:cNvPr>
+          <p:cNvSpPr txBox="1"/>
+          <p:nvPr/>
+        </p:nvSpPr>
+        <p:spPr>
+          <a:xfrm>
+            <a:off x="6233745" y="903374"/>
+            <a:ext cx="5697415" cy="461665"/>
+          </a:xfrm>
+          <a:prstGeom prst="rect">
+            <a:avLst/>
+          </a:prstGeom>
+          <a:noFill/>
+        </p:spPr>
+        <p:txBody>
+          <a:bodyPr wrap="square" rtlCol="0">
+            <a:spAutoFit/>
+          </a:bodyPr>
+          <a:lstStyle/>
+          <a:p>
+            <a:r>
+              <a:rPr lang="es-CO" sz="2400" dirty="0">
+                <a:solidFill>
+                  <a:schemeClr val="bg1"/>
+                </a:solidFill>
+                <a:latin typeface="Amasis MT Pro Black" panose="02040A04050005020304" pitchFamily="18" charset="0"/>
+              </a:rPr>
+              <a:t>Consultar      Agregar      Cuenta</a:t>
+            </a:r>
+          </a:p>
+        </p:txBody>
+      </p:sp>
+      <p:sp>
+        <p:nvSpPr>
+          <p:cNvPr id="10" name="Rectángulo: esquinas diagonales cortadas 9">
+            <a:extLst>
+              <a:ext uri="{FF2B5EF4-FFF2-40B4-BE49-F238E27FC236}">
+                <a16:creationId xmlns:a16="http://schemas.microsoft.com/office/drawing/2014/main" id="{25856185-0CF8-4587-B4E8-E6C956113CA1}"/>
+              </a:ext>
+            </a:extLst>
+          </p:cNvPr>
+          <p:cNvSpPr/>
+          <p:nvPr/>
+        </p:nvSpPr>
+        <p:spPr>
+          <a:xfrm>
+            <a:off x="6360891" y="1529182"/>
+            <a:ext cx="1543393" cy="1288752"/>
+          </a:xfrm>
+          <a:prstGeom prst="snip2DiagRect">
+            <a:avLst/>
+          </a:prstGeom>
+        </p:spPr>
+        <p:style>
+          <a:lnRef idx="2">
+            <a:schemeClr val="accent1">
+              <a:shade val="50000"/>
+            </a:schemeClr>
+          </a:lnRef>
+          <a:fillRef idx="1">
+            <a:schemeClr val="accent1"/>
+          </a:fillRef>
+          <a:effectRef idx="0">
+            <a:schemeClr val="accent1"/>
+          </a:effectRef>
+          <a:fontRef idx="minor">
+            <a:schemeClr val="lt1"/>
+          </a:fontRef>
+        </p:style>
+        <p:txBody>
+          <a:bodyPr rtlCol="0" anchor="ctr"/>
+          <a:lstStyle/>
+          <a:p>
+            <a:pPr algn="ctr"/>
             <a:endParaRPr lang="es-CO"/>
+          </a:p>
+        </p:txBody>
+      </p:sp>
+      <p:sp>
+        <p:nvSpPr>
+          <p:cNvPr id="11" name="Rectángulo: esquinas diagonales cortadas 10">
+            <a:extLst>
+              <a:ext uri="{FF2B5EF4-FFF2-40B4-BE49-F238E27FC236}">
+                <a16:creationId xmlns:a16="http://schemas.microsoft.com/office/drawing/2014/main" id="{CFB6589C-B9A8-443B-9F0D-6B9F55E7F6A1}"/>
+              </a:ext>
+            </a:extLst>
+          </p:cNvPr>
+          <p:cNvSpPr/>
+          <p:nvPr/>
+        </p:nvSpPr>
+        <p:spPr>
+          <a:xfrm>
+            <a:off x="8414237" y="1529182"/>
+            <a:ext cx="1543393" cy="1288752"/>
+          </a:xfrm>
+          <a:prstGeom prst="snip2DiagRect">
+            <a:avLst/>
+          </a:prstGeom>
+        </p:spPr>
+        <p:style>
+          <a:lnRef idx="2">
+            <a:schemeClr val="accent1">
+              <a:shade val="50000"/>
+            </a:schemeClr>
+          </a:lnRef>
+          <a:fillRef idx="1">
+            <a:schemeClr val="accent1"/>
+          </a:fillRef>
+          <a:effectRef idx="0">
+            <a:schemeClr val="accent1"/>
+          </a:effectRef>
+          <a:fontRef idx="minor">
+            <a:schemeClr val="lt1"/>
+          </a:fontRef>
+        </p:style>
+        <p:txBody>
+          <a:bodyPr rtlCol="0" anchor="ctr"/>
+          <a:lstStyle/>
+          <a:p>
+            <a:pPr algn="ctr"/>
+            <a:endParaRPr lang="es-CO"/>
+          </a:p>
+        </p:txBody>
+      </p:sp>
+      <p:sp>
+        <p:nvSpPr>
+          <p:cNvPr id="12" name="Rectángulo: esquinas diagonales cortadas 11">
+            <a:extLst>
+              <a:ext uri="{FF2B5EF4-FFF2-40B4-BE49-F238E27FC236}">
+                <a16:creationId xmlns:a16="http://schemas.microsoft.com/office/drawing/2014/main" id="{12EA4132-F3C8-4CE4-AC81-CE8769D1BC84}"/>
+              </a:ext>
+            </a:extLst>
+          </p:cNvPr>
+          <p:cNvSpPr/>
+          <p:nvPr/>
+        </p:nvSpPr>
+        <p:spPr>
+          <a:xfrm>
+            <a:off x="10172699" y="1529182"/>
+            <a:ext cx="1543393" cy="1288752"/>
+          </a:xfrm>
+          <a:prstGeom prst="snip2DiagRect">
+            <a:avLst/>
+          </a:prstGeom>
+        </p:spPr>
+        <p:style>
+          <a:lnRef idx="2">
+            <a:schemeClr val="accent1">
+              <a:shade val="50000"/>
+            </a:schemeClr>
+          </a:lnRef>
+          <a:fillRef idx="1">
+            <a:schemeClr val="accent1"/>
+          </a:fillRef>
+          <a:effectRef idx="0">
+            <a:schemeClr val="accent1"/>
+          </a:effectRef>
+          <a:fontRef idx="minor">
+            <a:schemeClr val="lt1"/>
+          </a:fontRef>
+        </p:style>
+        <p:txBody>
+          <a:bodyPr rtlCol="0" anchor="ctr"/>
+          <a:lstStyle/>
+          <a:p>
+            <a:pPr algn="ctr"/>
+            <a:endParaRPr lang="es-CO"/>
+          </a:p>
+        </p:txBody>
+      </p:sp>
+      <p:sp>
+        <p:nvSpPr>
+          <p:cNvPr id="14" name="CuadroTexto 13">
+            <a:extLst>
+              <a:ext uri="{FF2B5EF4-FFF2-40B4-BE49-F238E27FC236}">
+                <a16:creationId xmlns:a16="http://schemas.microsoft.com/office/drawing/2014/main" id="{4E47F7DC-B87F-41FB-A51D-3BFAFA445FE3}"/>
+              </a:ext>
+            </a:extLst>
+          </p:cNvPr>
+          <p:cNvSpPr txBox="1"/>
+          <p:nvPr/>
+        </p:nvSpPr>
+        <p:spPr>
+          <a:xfrm>
+            <a:off x="6360891" y="1529182"/>
+            <a:ext cx="1543393" cy="1354217"/>
+          </a:xfrm>
+          <a:prstGeom prst="rect">
+            <a:avLst/>
+          </a:prstGeom>
+          <a:noFill/>
+        </p:spPr>
+        <p:txBody>
+          <a:bodyPr wrap="square" rtlCol="0">
+            <a:spAutoFit/>
+          </a:bodyPr>
+          <a:lstStyle/>
+          <a:p>
+            <a:pPr marL="285750" indent="-285750">
+              <a:buFont typeface="Arial" panose="020B0604020202020204" pitchFamily="34" charset="0"/>
+              <a:buChar char="•"/>
+            </a:pPr>
+            <a:r>
+              <a:rPr lang="es-CO" sz="1600" dirty="0"/>
+              <a:t> </a:t>
+            </a:r>
+            <a:r>
+              <a:rPr lang="es-CO" sz="1200" dirty="0"/>
+              <a:t>Administrador</a:t>
+            </a:r>
+          </a:p>
+          <a:p>
+            <a:pPr marL="285750" indent="-285750">
+              <a:buFont typeface="Arial" panose="020B0604020202020204" pitchFamily="34" charset="0"/>
+              <a:buChar char="•"/>
+            </a:pPr>
+            <a:r>
+              <a:rPr lang="es-CO" sz="1200" dirty="0"/>
+              <a:t> Ambientes</a:t>
+            </a:r>
+          </a:p>
+          <a:p>
+            <a:pPr marL="285750" indent="-285750">
+              <a:buFont typeface="Arial" panose="020B0604020202020204" pitchFamily="34" charset="0"/>
+              <a:buChar char="•"/>
+            </a:pPr>
+            <a:r>
+              <a:rPr lang="es-CO" sz="1200" dirty="0"/>
+              <a:t> Aplicaciones</a:t>
+            </a:r>
+          </a:p>
+          <a:p>
+            <a:pPr marL="285750" indent="-285750">
+              <a:buFont typeface="Arial" panose="020B0604020202020204" pitchFamily="34" charset="0"/>
+              <a:buChar char="•"/>
+            </a:pPr>
+            <a:r>
+              <a:rPr lang="es-CO" sz="1200" dirty="0"/>
+              <a:t> Composiciones</a:t>
+            </a:r>
+          </a:p>
+          <a:p>
+            <a:pPr marL="285750" indent="-285750">
+              <a:buFont typeface="Arial" panose="020B0604020202020204" pitchFamily="34" charset="0"/>
+              <a:buChar char="•"/>
+            </a:pPr>
+            <a:r>
+              <a:rPr lang="es-CO" sz="1200" dirty="0"/>
+              <a:t> Servidores</a:t>
+            </a:r>
+          </a:p>
+          <a:p>
+            <a:endParaRPr lang="es-CO" dirty="0"/>
+          </a:p>
+        </p:txBody>
+      </p:sp>
+      <p:sp>
+        <p:nvSpPr>
+          <p:cNvPr id="15" name="CuadroTexto 14">
+            <a:extLst>
+              <a:ext uri="{FF2B5EF4-FFF2-40B4-BE49-F238E27FC236}">
+                <a16:creationId xmlns:a16="http://schemas.microsoft.com/office/drawing/2014/main" id="{B64E35C3-0F04-49BF-91A1-474397184266}"/>
+              </a:ext>
+            </a:extLst>
+          </p:cNvPr>
+          <p:cNvSpPr txBox="1"/>
+          <p:nvPr/>
+        </p:nvSpPr>
+        <p:spPr>
+          <a:xfrm>
+            <a:off x="8414237" y="1529182"/>
+            <a:ext cx="1543393" cy="830997"/>
+          </a:xfrm>
+          <a:prstGeom prst="rect">
+            <a:avLst/>
+          </a:prstGeom>
+          <a:noFill/>
+        </p:spPr>
+        <p:txBody>
+          <a:bodyPr wrap="square" rtlCol="0">
+            <a:spAutoFit/>
+          </a:bodyPr>
+          <a:lstStyle/>
+          <a:p>
+            <a:pPr marL="285750" indent="-285750">
+              <a:buFont typeface="Arial" panose="020B0604020202020204" pitchFamily="34" charset="0"/>
+              <a:buChar char="•"/>
+            </a:pPr>
+            <a:r>
+              <a:rPr lang="es-CO" sz="1200" dirty="0"/>
+              <a:t>Administrador</a:t>
+            </a:r>
+          </a:p>
+          <a:p>
+            <a:pPr marL="285750" indent="-285750">
+              <a:buFont typeface="Arial" panose="020B0604020202020204" pitchFamily="34" charset="0"/>
+              <a:buChar char="•"/>
+            </a:pPr>
+            <a:r>
+              <a:rPr lang="es-CO" sz="1200" dirty="0"/>
+              <a:t>Ambientes</a:t>
+            </a:r>
+          </a:p>
+          <a:p>
+            <a:pPr marL="285750" indent="-285750">
+              <a:buFont typeface="Arial" panose="020B0604020202020204" pitchFamily="34" charset="0"/>
+              <a:buChar char="•"/>
+            </a:pPr>
+            <a:r>
+              <a:rPr lang="es-CO" sz="1200" dirty="0"/>
+              <a:t>Aplicaciones</a:t>
+            </a:r>
+          </a:p>
+          <a:p>
+            <a:pPr marL="285750" indent="-285750">
+              <a:buFont typeface="Arial" panose="020B0604020202020204" pitchFamily="34" charset="0"/>
+              <a:buChar char="•"/>
+            </a:pPr>
+            <a:r>
+              <a:rPr lang="es-CO" sz="1200" dirty="0"/>
+              <a:t>Serv,App,BD,FIle</a:t>
+            </a:r>
+          </a:p>
+        </p:txBody>
+      </p:sp>
+      <p:sp>
+        <p:nvSpPr>
+          <p:cNvPr id="16" name="CuadroTexto 15">
+            <a:extLst>
+              <a:ext uri="{FF2B5EF4-FFF2-40B4-BE49-F238E27FC236}">
+                <a16:creationId xmlns:a16="http://schemas.microsoft.com/office/drawing/2014/main" id="{32477E69-0733-4207-A015-E138BADCDC74}"/>
+              </a:ext>
+            </a:extLst>
+          </p:cNvPr>
+          <p:cNvSpPr txBox="1"/>
+          <p:nvPr/>
+        </p:nvSpPr>
+        <p:spPr>
+          <a:xfrm>
+            <a:off x="10172699" y="1529182"/>
+            <a:ext cx="1543393" cy="461665"/>
+          </a:xfrm>
+          <a:prstGeom prst="rect">
+            <a:avLst/>
+          </a:prstGeom>
+          <a:noFill/>
+        </p:spPr>
+        <p:txBody>
+          <a:bodyPr wrap="square" rtlCol="0">
+            <a:spAutoFit/>
+          </a:bodyPr>
+          <a:lstStyle/>
+          <a:p>
+            <a:pPr marL="171450" indent="-171450">
+              <a:buFont typeface="Arial" panose="020B0604020202020204" pitchFamily="34" charset="0"/>
+              <a:buChar char="•"/>
+            </a:pPr>
+            <a:r>
+              <a:rPr lang="es-CO" sz="1200" dirty="0"/>
+              <a:t>Perfil</a:t>
+            </a:r>
+          </a:p>
+          <a:p>
+            <a:pPr marL="171450" indent="-171450">
+              <a:buFont typeface="Arial" panose="020B0604020202020204" pitchFamily="34" charset="0"/>
+              <a:buChar char="•"/>
+            </a:pPr>
+            <a:r>
+              <a:rPr lang="es-CO" sz="1200" dirty="0"/>
+              <a:t>Log-</a:t>
+            </a:r>
+            <a:r>
+              <a:rPr lang="es-CO" sz="1200" dirty="0" err="1"/>
+              <a:t>Out</a:t>
+            </a:r>
+            <a:endParaRPr lang="es-CO" sz="1200" dirty="0"/>
+          </a:p>
+        </p:txBody>
+      </p:sp>
+      <p:sp>
+        <p:nvSpPr>
+          <p:cNvPr id="17" name="Flecha: a la izquierda y derecha 16">
+            <a:extLst>
+              <a:ext uri="{FF2B5EF4-FFF2-40B4-BE49-F238E27FC236}">
+                <a16:creationId xmlns:a16="http://schemas.microsoft.com/office/drawing/2014/main" id="{B867001E-3202-42C8-B43B-2DC5946306B4}"/>
+              </a:ext>
+            </a:extLst>
+          </p:cNvPr>
+          <p:cNvSpPr/>
+          <p:nvPr/>
+        </p:nvSpPr>
+        <p:spPr>
+          <a:xfrm>
+            <a:off x="1950708" y="903374"/>
+            <a:ext cx="4006363" cy="461665"/>
+          </a:xfrm>
+          <a:prstGeom prst="leftRightArrow">
+            <a:avLst/>
+          </a:prstGeom>
+          <a:solidFill>
+            <a:schemeClr val="bg2">
+              <a:lumMod val="25000"/>
+            </a:schemeClr>
+          </a:solidFill>
+        </p:spPr>
+        <p:style>
+          <a:lnRef idx="2">
+            <a:schemeClr val="accent1">
+              <a:shade val="50000"/>
+            </a:schemeClr>
+          </a:lnRef>
+          <a:fillRef idx="1">
+            <a:schemeClr val="accent1"/>
+          </a:fillRef>
+          <a:effectRef idx="0">
+            <a:schemeClr val="accent1"/>
+          </a:effectRef>
+          <a:fontRef idx="minor">
+            <a:schemeClr val="lt1"/>
+          </a:fontRef>
+        </p:style>
+        <p:txBody>
+          <a:bodyPr rtlCol="0" anchor="ctr"/>
+          <a:lstStyle/>
+          <a:p>
+            <a:pPr algn="ctr"/>
+            <a:endParaRPr lang="es-CO"/>
+          </a:p>
+        </p:txBody>
+      </p:sp>
+      <p:sp>
+        <p:nvSpPr>
+          <p:cNvPr id="18" name="Flecha: a la derecha 17">
+            <a:extLst>
+              <a:ext uri="{FF2B5EF4-FFF2-40B4-BE49-F238E27FC236}">
+                <a16:creationId xmlns:a16="http://schemas.microsoft.com/office/drawing/2014/main" id="{F7958F1F-9DEC-424B-8BC5-C71C3C9A3CCE}"/>
+              </a:ext>
+            </a:extLst>
+          </p:cNvPr>
+          <p:cNvSpPr/>
+          <p:nvPr/>
+        </p:nvSpPr>
+        <p:spPr>
+          <a:xfrm>
+            <a:off x="4484076" y="1852347"/>
+            <a:ext cx="1611923" cy="754053"/>
+          </a:xfrm>
+          <a:prstGeom prst="rightArrow">
+            <a:avLst/>
+          </a:prstGeom>
+          <a:solidFill>
+            <a:schemeClr val="bg2">
+              <a:lumMod val="25000"/>
+            </a:schemeClr>
+          </a:solidFill>
+        </p:spPr>
+        <p:style>
+          <a:lnRef idx="2">
+            <a:schemeClr val="accent1">
+              <a:shade val="50000"/>
+            </a:schemeClr>
+          </a:lnRef>
+          <a:fillRef idx="1">
+            <a:schemeClr val="accent1"/>
+          </a:fillRef>
+          <a:effectRef idx="0">
+            <a:schemeClr val="accent1"/>
+          </a:effectRef>
+          <a:fontRef idx="minor">
+            <a:schemeClr val="lt1"/>
+          </a:fontRef>
+        </p:style>
+        <p:txBody>
+          <a:bodyPr rtlCol="0" anchor="ctr"/>
+          <a:lstStyle/>
+          <a:p>
+            <a:pPr algn="ctr"/>
+            <a:endParaRPr lang="es-CO"/>
+          </a:p>
+        </p:txBody>
+      </p:sp>
+      <p:sp>
+        <p:nvSpPr>
+          <p:cNvPr id="19" name="CuadroTexto 18">
+            <a:extLst>
+              <a:ext uri="{FF2B5EF4-FFF2-40B4-BE49-F238E27FC236}">
+                <a16:creationId xmlns:a16="http://schemas.microsoft.com/office/drawing/2014/main" id="{E785ABAE-86DA-4AC1-AA88-00B1C19178CA}"/>
+              </a:ext>
+            </a:extLst>
+          </p:cNvPr>
+          <p:cNvSpPr txBox="1"/>
+          <p:nvPr/>
+        </p:nvSpPr>
+        <p:spPr>
+          <a:xfrm>
+            <a:off x="2233245" y="989134"/>
+            <a:ext cx="3288323" cy="369332"/>
+          </a:xfrm>
+          <a:prstGeom prst="rect">
+            <a:avLst/>
+          </a:prstGeom>
+          <a:noFill/>
+        </p:spPr>
+        <p:txBody>
+          <a:bodyPr wrap="square" rtlCol="0">
+            <a:spAutoFit/>
+          </a:bodyPr>
+          <a:lstStyle/>
+          <a:p>
+            <a:pPr algn="ctr"/>
+            <a:r>
+              <a:rPr lang="es-CO" dirty="0">
+                <a:solidFill>
+                  <a:schemeClr val="bg1"/>
+                </a:solidFill>
+              </a:rPr>
+              <a:t>Botones</a:t>
+            </a:r>
+          </a:p>
+        </p:txBody>
+      </p:sp>
+      <p:sp>
+        <p:nvSpPr>
+          <p:cNvPr id="20" name="CuadroTexto 19">
+            <a:extLst>
+              <a:ext uri="{FF2B5EF4-FFF2-40B4-BE49-F238E27FC236}">
+                <a16:creationId xmlns:a16="http://schemas.microsoft.com/office/drawing/2014/main" id="{A63BCC08-C613-4890-BEA3-0CE98FE9D894}"/>
+              </a:ext>
+            </a:extLst>
+          </p:cNvPr>
+          <p:cNvSpPr txBox="1"/>
+          <p:nvPr/>
+        </p:nvSpPr>
+        <p:spPr>
+          <a:xfrm>
+            <a:off x="4376541" y="2021624"/>
+            <a:ext cx="1876815" cy="369332"/>
+          </a:xfrm>
+          <a:prstGeom prst="rect">
+            <a:avLst/>
+          </a:prstGeom>
+          <a:noFill/>
+        </p:spPr>
+        <p:txBody>
+          <a:bodyPr wrap="square" rtlCol="0">
+            <a:spAutoFit/>
+          </a:bodyPr>
+          <a:lstStyle/>
+          <a:p>
+            <a:r>
+              <a:rPr lang="es-CO" dirty="0">
+                <a:solidFill>
+                  <a:schemeClr val="bg1"/>
+                </a:solidFill>
+              </a:rPr>
+              <a:t>Menú </a:t>
+            </a:r>
+            <a:r>
+              <a:rPr lang="es-CO" dirty="0" err="1">
+                <a:solidFill>
+                  <a:schemeClr val="bg1"/>
+                </a:solidFill>
+              </a:rPr>
+              <a:t>Dropdown</a:t>
+            </a:r>
+            <a:endParaRPr lang="es-CO" dirty="0">
+              <a:solidFill>
+                <a:schemeClr val="bg1"/>
+              </a:solidFill>
+            </a:endParaRPr>
+          </a:p>
+        </p:txBody>
+      </p:sp>
+      <p:sp>
+        <p:nvSpPr>
+          <p:cNvPr id="21" name="Elipse 20">
+            <a:extLst>
+              <a:ext uri="{FF2B5EF4-FFF2-40B4-BE49-F238E27FC236}">
+                <a16:creationId xmlns:a16="http://schemas.microsoft.com/office/drawing/2014/main" id="{C9E6E71B-FB13-4702-B112-AA07F0A526C6}"/>
+              </a:ext>
+            </a:extLst>
+          </p:cNvPr>
+          <p:cNvSpPr/>
+          <p:nvPr/>
+        </p:nvSpPr>
+        <p:spPr>
+          <a:xfrm>
+            <a:off x="379876" y="3375632"/>
+            <a:ext cx="1934308" cy="1789235"/>
+          </a:xfrm>
+          <a:prstGeom prst="ellipse">
+            <a:avLst/>
+          </a:prstGeom>
+          <a:solidFill>
+            <a:schemeClr val="accent3">
+              <a:lumMod val="60000"/>
+              <a:lumOff val="40000"/>
+            </a:schemeClr>
+          </a:solidFill>
+        </p:spPr>
+        <p:style>
+          <a:lnRef idx="2">
+            <a:schemeClr val="accent1">
+              <a:shade val="50000"/>
+            </a:schemeClr>
+          </a:lnRef>
+          <a:fillRef idx="1">
+            <a:schemeClr val="accent1"/>
+          </a:fillRef>
+          <a:effectRef idx="0">
+            <a:schemeClr val="accent1"/>
+          </a:effectRef>
+          <a:fontRef idx="minor">
+            <a:schemeClr val="lt1"/>
+          </a:fontRef>
+        </p:style>
+        <p:txBody>
+          <a:bodyPr rtlCol="0" anchor="ctr"/>
+          <a:lstStyle/>
+          <a:p>
+            <a:pPr algn="ctr"/>
+            <a:endParaRPr lang="es-CO"/>
+          </a:p>
+        </p:txBody>
+      </p:sp>
+      <p:sp>
+        <p:nvSpPr>
+          <p:cNvPr id="23" name="Elipse 22">
+            <a:extLst>
+              <a:ext uri="{FF2B5EF4-FFF2-40B4-BE49-F238E27FC236}">
+                <a16:creationId xmlns:a16="http://schemas.microsoft.com/office/drawing/2014/main" id="{BC8B1ED4-390F-4708-ACB6-D222A31A40AE}"/>
+              </a:ext>
+            </a:extLst>
+          </p:cNvPr>
+          <p:cNvSpPr/>
+          <p:nvPr/>
+        </p:nvSpPr>
+        <p:spPr>
+          <a:xfrm>
+            <a:off x="9812552" y="3428999"/>
+            <a:ext cx="1934308" cy="1789235"/>
+          </a:xfrm>
+          <a:prstGeom prst="ellipse">
+            <a:avLst/>
+          </a:prstGeom>
+          <a:solidFill>
+            <a:schemeClr val="accent3">
+              <a:lumMod val="60000"/>
+              <a:lumOff val="40000"/>
+            </a:schemeClr>
+          </a:solidFill>
+        </p:spPr>
+        <p:style>
+          <a:lnRef idx="2">
+            <a:schemeClr val="accent1">
+              <a:shade val="50000"/>
+            </a:schemeClr>
+          </a:lnRef>
+          <a:fillRef idx="1">
+            <a:schemeClr val="accent1"/>
+          </a:fillRef>
+          <a:effectRef idx="0">
+            <a:schemeClr val="accent1"/>
+          </a:effectRef>
+          <a:fontRef idx="minor">
+            <a:schemeClr val="lt1"/>
+          </a:fontRef>
+        </p:style>
+        <p:txBody>
+          <a:bodyPr rtlCol="0" anchor="ctr"/>
+          <a:lstStyle/>
+          <a:p>
+            <a:pPr algn="ctr"/>
+            <a:endParaRPr lang="es-CO"/>
+          </a:p>
+        </p:txBody>
+      </p:sp>
+      <p:sp>
+        <p:nvSpPr>
+          <p:cNvPr id="24" name="Elipse 23">
+            <a:extLst>
+              <a:ext uri="{FF2B5EF4-FFF2-40B4-BE49-F238E27FC236}">
+                <a16:creationId xmlns:a16="http://schemas.microsoft.com/office/drawing/2014/main" id="{09A49E2A-7BDC-44F2-A8B5-31966B7CE7DD}"/>
+              </a:ext>
+            </a:extLst>
+          </p:cNvPr>
+          <p:cNvSpPr/>
+          <p:nvPr/>
+        </p:nvSpPr>
+        <p:spPr>
+          <a:xfrm>
+            <a:off x="3607059" y="3428999"/>
+            <a:ext cx="1934308" cy="1789235"/>
+          </a:xfrm>
+          <a:prstGeom prst="ellipse">
+            <a:avLst/>
+          </a:prstGeom>
+          <a:solidFill>
+            <a:schemeClr val="accent3">
+              <a:lumMod val="60000"/>
+              <a:lumOff val="40000"/>
+            </a:schemeClr>
+          </a:solidFill>
+        </p:spPr>
+        <p:style>
+          <a:lnRef idx="2">
+            <a:schemeClr val="accent1">
+              <a:shade val="50000"/>
+            </a:schemeClr>
+          </a:lnRef>
+          <a:fillRef idx="1">
+            <a:schemeClr val="accent1"/>
+          </a:fillRef>
+          <a:effectRef idx="0">
+            <a:schemeClr val="accent1"/>
+          </a:effectRef>
+          <a:fontRef idx="minor">
+            <a:schemeClr val="lt1"/>
+          </a:fontRef>
+        </p:style>
+        <p:txBody>
+          <a:bodyPr rtlCol="0" anchor="ctr"/>
+          <a:lstStyle/>
+          <a:p>
+            <a:pPr algn="ctr"/>
+            <a:endParaRPr lang="es-CO"/>
+          </a:p>
+        </p:txBody>
+      </p:sp>
+      <p:sp>
+        <p:nvSpPr>
+          <p:cNvPr id="25" name="Elipse 24">
+            <a:extLst>
+              <a:ext uri="{FF2B5EF4-FFF2-40B4-BE49-F238E27FC236}">
+                <a16:creationId xmlns:a16="http://schemas.microsoft.com/office/drawing/2014/main" id="{60A25EA8-C600-446A-8B3B-1E113881D41E}"/>
+              </a:ext>
+            </a:extLst>
+          </p:cNvPr>
+          <p:cNvSpPr/>
+          <p:nvPr/>
+        </p:nvSpPr>
+        <p:spPr>
+          <a:xfrm>
+            <a:off x="6753422" y="3480032"/>
+            <a:ext cx="1934308" cy="1789235"/>
+          </a:xfrm>
+          <a:prstGeom prst="ellipse">
+            <a:avLst/>
+          </a:prstGeom>
+          <a:solidFill>
+            <a:schemeClr val="accent3">
+              <a:lumMod val="60000"/>
+              <a:lumOff val="40000"/>
+            </a:schemeClr>
+          </a:solidFill>
+        </p:spPr>
+        <p:style>
+          <a:lnRef idx="2">
+            <a:schemeClr val="accent1">
+              <a:shade val="50000"/>
+            </a:schemeClr>
+          </a:lnRef>
+          <a:fillRef idx="1">
+            <a:schemeClr val="accent1"/>
+          </a:fillRef>
+          <a:effectRef idx="0">
+            <a:schemeClr val="accent1"/>
+          </a:effectRef>
+          <a:fontRef idx="minor">
+            <a:schemeClr val="lt1"/>
+          </a:fontRef>
+        </p:style>
+        <p:txBody>
+          <a:bodyPr rtlCol="0" anchor="ctr"/>
+          <a:lstStyle/>
+          <a:p>
+            <a:pPr algn="ctr"/>
+            <a:endParaRPr lang="es-CO"/>
+          </a:p>
+        </p:txBody>
+      </p:sp>
+      <p:sp>
+        <p:nvSpPr>
+          <p:cNvPr id="26" name="CuadroTexto 25">
+            <a:extLst>
+              <a:ext uri="{FF2B5EF4-FFF2-40B4-BE49-F238E27FC236}">
+                <a16:creationId xmlns:a16="http://schemas.microsoft.com/office/drawing/2014/main" id="{18DD2CCA-9680-447F-9BC4-C7071A90D136}"/>
+              </a:ext>
+            </a:extLst>
+          </p:cNvPr>
+          <p:cNvSpPr txBox="1"/>
+          <p:nvPr/>
+        </p:nvSpPr>
+        <p:spPr>
+          <a:xfrm>
+            <a:off x="903864" y="4104975"/>
+            <a:ext cx="1329382" cy="646331"/>
+          </a:xfrm>
+          <a:prstGeom prst="rect">
+            <a:avLst/>
+          </a:prstGeom>
+          <a:noFill/>
+        </p:spPr>
+        <p:txBody>
+          <a:bodyPr wrap="square" rtlCol="0">
+            <a:spAutoFit/>
+          </a:bodyPr>
+          <a:lstStyle/>
+          <a:p>
+            <a:r>
+              <a:rPr lang="es-CO" dirty="0"/>
+              <a:t>Imagen servicio 1</a:t>
+            </a:r>
+          </a:p>
+        </p:txBody>
+      </p:sp>
+      <p:sp>
+        <p:nvSpPr>
+          <p:cNvPr id="27" name="CuadroTexto 26">
+            <a:extLst>
+              <a:ext uri="{FF2B5EF4-FFF2-40B4-BE49-F238E27FC236}">
+                <a16:creationId xmlns:a16="http://schemas.microsoft.com/office/drawing/2014/main" id="{17C88E93-524E-4FFA-9A22-D29C2AAF9188}"/>
+              </a:ext>
+            </a:extLst>
+          </p:cNvPr>
+          <p:cNvSpPr txBox="1"/>
+          <p:nvPr/>
+        </p:nvSpPr>
+        <p:spPr>
+          <a:xfrm>
+            <a:off x="10386711" y="4071420"/>
+            <a:ext cx="1329382" cy="646331"/>
+          </a:xfrm>
+          <a:prstGeom prst="rect">
+            <a:avLst/>
+          </a:prstGeom>
+          <a:noFill/>
+        </p:spPr>
+        <p:txBody>
+          <a:bodyPr wrap="square" rtlCol="0">
+            <a:spAutoFit/>
+          </a:bodyPr>
+          <a:lstStyle/>
+          <a:p>
+            <a:r>
+              <a:rPr lang="es-CO" dirty="0"/>
+              <a:t>Imagen</a:t>
+            </a:r>
+          </a:p>
+          <a:p>
+            <a:r>
+              <a:rPr lang="es-CO" dirty="0"/>
+              <a:t>Servicio 4 </a:t>
+            </a:r>
+          </a:p>
+        </p:txBody>
+      </p:sp>
+      <p:sp>
+        <p:nvSpPr>
+          <p:cNvPr id="28" name="CuadroTexto 27">
+            <a:extLst>
+              <a:ext uri="{FF2B5EF4-FFF2-40B4-BE49-F238E27FC236}">
+                <a16:creationId xmlns:a16="http://schemas.microsoft.com/office/drawing/2014/main" id="{CF9550D4-9234-424D-A4EF-E57787E09226}"/>
+              </a:ext>
+            </a:extLst>
+          </p:cNvPr>
+          <p:cNvSpPr txBox="1"/>
+          <p:nvPr/>
+        </p:nvSpPr>
+        <p:spPr>
+          <a:xfrm>
+            <a:off x="7231052" y="4104975"/>
+            <a:ext cx="1329382" cy="646331"/>
+          </a:xfrm>
+          <a:prstGeom prst="rect">
+            <a:avLst/>
+          </a:prstGeom>
+          <a:noFill/>
+        </p:spPr>
+        <p:txBody>
+          <a:bodyPr wrap="square" rtlCol="0">
+            <a:spAutoFit/>
+          </a:bodyPr>
+          <a:lstStyle/>
+          <a:p>
+            <a:r>
+              <a:rPr lang="es-CO" dirty="0"/>
+              <a:t>Imagen</a:t>
+            </a:r>
+          </a:p>
+          <a:p>
+            <a:r>
+              <a:rPr lang="es-CO" dirty="0"/>
+              <a:t>Servicio 3 </a:t>
+            </a:r>
+          </a:p>
+        </p:txBody>
+      </p:sp>
+      <p:sp>
+        <p:nvSpPr>
+          <p:cNvPr id="29" name="CuadroTexto 28">
+            <a:extLst>
+              <a:ext uri="{FF2B5EF4-FFF2-40B4-BE49-F238E27FC236}">
+                <a16:creationId xmlns:a16="http://schemas.microsoft.com/office/drawing/2014/main" id="{EE9F8B91-902A-4E35-B0B0-53B14A2EB5F9}"/>
+              </a:ext>
+            </a:extLst>
+          </p:cNvPr>
+          <p:cNvSpPr txBox="1"/>
+          <p:nvPr/>
+        </p:nvSpPr>
+        <p:spPr>
+          <a:xfrm>
+            <a:off x="4109705" y="4085584"/>
+            <a:ext cx="1329382" cy="646331"/>
+          </a:xfrm>
+          <a:prstGeom prst="rect">
+            <a:avLst/>
+          </a:prstGeom>
+          <a:noFill/>
+        </p:spPr>
+        <p:txBody>
+          <a:bodyPr wrap="square" rtlCol="0">
+            <a:spAutoFit/>
+          </a:bodyPr>
+          <a:lstStyle/>
+          <a:p>
+            <a:r>
+              <a:rPr lang="es-CO" dirty="0"/>
+              <a:t>Imagen </a:t>
+            </a:r>
+          </a:p>
+          <a:p>
+            <a:r>
+              <a:rPr lang="es-CO" dirty="0"/>
+              <a:t>Servicio 2</a:t>
+            </a:r>
+          </a:p>
+        </p:txBody>
+      </p:sp>
+      <p:sp>
+        <p:nvSpPr>
+          <p:cNvPr id="30" name="CuadroTexto 29">
+            <a:extLst>
+              <a:ext uri="{FF2B5EF4-FFF2-40B4-BE49-F238E27FC236}">
+                <a16:creationId xmlns:a16="http://schemas.microsoft.com/office/drawing/2014/main" id="{0D2DBEA6-6181-47FB-8F51-81C9AD1AEF1F}"/>
+              </a:ext>
+            </a:extLst>
+          </p:cNvPr>
+          <p:cNvSpPr txBox="1"/>
+          <p:nvPr/>
+        </p:nvSpPr>
+        <p:spPr>
+          <a:xfrm>
+            <a:off x="167054" y="113879"/>
+            <a:ext cx="11825654" cy="369332"/>
+          </a:xfrm>
+          <a:prstGeom prst="rect">
+            <a:avLst/>
+          </a:prstGeom>
+          <a:noFill/>
+        </p:spPr>
+        <p:txBody>
+          <a:bodyPr wrap="square" rtlCol="0">
+            <a:spAutoFit/>
+          </a:bodyPr>
+          <a:lstStyle/>
+          <a:p>
+            <a:pPr algn="ctr"/>
+            <a:r>
+              <a:rPr lang="es-CO" dirty="0">
+                <a:solidFill>
+                  <a:schemeClr val="bg1"/>
+                </a:solidFill>
+              </a:rPr>
+              <a:t>Pagina principal del producto </a:t>
+            </a:r>
+          </a:p>
+        </p:txBody>
+      </p:sp>
+      <p:sp>
+        <p:nvSpPr>
+          <p:cNvPr id="33" name="CuadroTexto 32">
+            <a:extLst>
+              <a:ext uri="{FF2B5EF4-FFF2-40B4-BE49-F238E27FC236}">
+                <a16:creationId xmlns:a16="http://schemas.microsoft.com/office/drawing/2014/main" id="{F3A44D91-050C-462C-B699-51D3BFAE1D3C}"/>
+              </a:ext>
+            </a:extLst>
+          </p:cNvPr>
+          <p:cNvSpPr txBox="1"/>
+          <p:nvPr/>
+        </p:nvSpPr>
+        <p:spPr>
+          <a:xfrm>
+            <a:off x="595257" y="5235776"/>
+            <a:ext cx="1946596" cy="369332"/>
+          </a:xfrm>
+          <a:prstGeom prst="rect">
+            <a:avLst/>
+          </a:prstGeom>
+          <a:noFill/>
+        </p:spPr>
+        <p:txBody>
+          <a:bodyPr wrap="square" rtlCol="0">
+            <a:spAutoFit/>
+          </a:bodyPr>
+          <a:lstStyle/>
+          <a:p>
+            <a:r>
+              <a:rPr lang="es-CO" dirty="0"/>
+              <a:t>Descripción </a:t>
+            </a:r>
+          </a:p>
+        </p:txBody>
+      </p:sp>
+      <p:sp>
+        <p:nvSpPr>
+          <p:cNvPr id="34" name="CuadroTexto 33">
+            <a:extLst>
+              <a:ext uri="{FF2B5EF4-FFF2-40B4-BE49-F238E27FC236}">
+                <a16:creationId xmlns:a16="http://schemas.microsoft.com/office/drawing/2014/main" id="{7B98825A-4C27-436F-BD68-E533D6206144}"/>
+              </a:ext>
+            </a:extLst>
+          </p:cNvPr>
+          <p:cNvSpPr txBox="1"/>
+          <p:nvPr/>
+        </p:nvSpPr>
+        <p:spPr>
+          <a:xfrm>
+            <a:off x="10078104" y="5513358"/>
+            <a:ext cx="1946596" cy="369332"/>
+          </a:xfrm>
+          <a:prstGeom prst="rect">
+            <a:avLst/>
+          </a:prstGeom>
+          <a:noFill/>
+        </p:spPr>
+        <p:txBody>
+          <a:bodyPr wrap="square" rtlCol="0">
+            <a:spAutoFit/>
+          </a:bodyPr>
+          <a:lstStyle/>
+          <a:p>
+            <a:r>
+              <a:rPr lang="es-CO" dirty="0"/>
+              <a:t>Descripción </a:t>
+            </a:r>
+          </a:p>
+        </p:txBody>
+      </p:sp>
+      <p:sp>
+        <p:nvSpPr>
+          <p:cNvPr id="35" name="CuadroTexto 34">
+            <a:extLst>
+              <a:ext uri="{FF2B5EF4-FFF2-40B4-BE49-F238E27FC236}">
+                <a16:creationId xmlns:a16="http://schemas.microsoft.com/office/drawing/2014/main" id="{E4367C44-254D-4291-85E0-1D5877E1EE44}"/>
+              </a:ext>
+            </a:extLst>
+          </p:cNvPr>
+          <p:cNvSpPr txBox="1"/>
+          <p:nvPr/>
+        </p:nvSpPr>
+        <p:spPr>
+          <a:xfrm>
+            <a:off x="7132587" y="5418252"/>
+            <a:ext cx="1946596" cy="369332"/>
+          </a:xfrm>
+          <a:prstGeom prst="rect">
+            <a:avLst/>
+          </a:prstGeom>
+          <a:noFill/>
+        </p:spPr>
+        <p:txBody>
+          <a:bodyPr wrap="square" rtlCol="0">
+            <a:spAutoFit/>
+          </a:bodyPr>
+          <a:lstStyle/>
+          <a:p>
+            <a:r>
+              <a:rPr lang="es-CO" dirty="0"/>
+              <a:t>Descripción </a:t>
+            </a:r>
+          </a:p>
+        </p:txBody>
+      </p:sp>
+      <p:sp>
+        <p:nvSpPr>
+          <p:cNvPr id="36" name="CuadroTexto 35">
+            <a:extLst>
+              <a:ext uri="{FF2B5EF4-FFF2-40B4-BE49-F238E27FC236}">
+                <a16:creationId xmlns:a16="http://schemas.microsoft.com/office/drawing/2014/main" id="{EA293CC4-4F65-4434-B087-BCB145FB4445}"/>
+              </a:ext>
+            </a:extLst>
+          </p:cNvPr>
+          <p:cNvSpPr txBox="1"/>
+          <p:nvPr/>
+        </p:nvSpPr>
+        <p:spPr>
+          <a:xfrm>
+            <a:off x="3953889" y="5402900"/>
+            <a:ext cx="1946596" cy="369332"/>
+          </a:xfrm>
+          <a:prstGeom prst="rect">
+            <a:avLst/>
+          </a:prstGeom>
+          <a:noFill/>
+        </p:spPr>
+        <p:txBody>
+          <a:bodyPr wrap="square" rtlCol="0">
+            <a:spAutoFit/>
+          </a:bodyPr>
+          <a:lstStyle/>
+          <a:p>
+            <a:r>
+              <a:rPr lang="es-CO" dirty="0"/>
+              <a:t>Descripción </a:t>
+            </a:r>
           </a:p>
         </p:txBody>
       </p:sp>
@@ -4723,6 +6725,1817 @@
     <p:extLst>
       <p:ext uri="{BB962C8B-B14F-4D97-AF65-F5344CB8AC3E}">
         <p14:creationId xmlns:p14="http://schemas.microsoft.com/office/powerpoint/2010/main" val="1376903867"/>
+      </p:ext>
+    </p:extLst>
+  </p:cSld>
+  <p:clrMapOvr>
+    <a:masterClrMapping/>
+  </p:clrMapOvr>
+</p:sld>
+</file>
+
+<file path=ppt/slides/slide3.xml><?xml version="1.0" encoding="utf-8"?>
+<p:sld xmlns:a="http://schemas.openxmlformats.org/drawingml/2006/main" xmlns:r="http://schemas.openxmlformats.org/officeDocument/2006/relationships" xmlns:p="http://schemas.openxmlformats.org/presentationml/2006/main">
+  <p:cSld>
+    <p:bg>
+      <p:bgPr>
+        <a:solidFill>
+          <a:schemeClr val="bg1"/>
+        </a:solidFill>
+        <a:effectLst/>
+      </p:bgPr>
+    </p:bg>
+    <p:spTree>
+      <p:nvGrpSpPr>
+        <p:cNvPr id="1" name=""/>
+        <p:cNvGrpSpPr/>
+        <p:nvPr/>
+      </p:nvGrpSpPr>
+      <p:grpSpPr>
+        <a:xfrm>
+          <a:off x="0" y="0"/>
+          <a:ext cx="0" cy="0"/>
+          <a:chOff x="0" y="0"/>
+          <a:chExt cx="0" cy="0"/>
+        </a:xfrm>
+      </p:grpSpPr>
+      <p:sp>
+        <p:nvSpPr>
+          <p:cNvPr id="71" name="Rectangle 70">
+            <a:extLst>
+              <a:ext uri="{FF2B5EF4-FFF2-40B4-BE49-F238E27FC236}">
+                <a16:creationId xmlns:a16="http://schemas.microsoft.com/office/drawing/2014/main" id="{F3060C83-F051-4F0E-ABAD-AA0DFC48B218}"/>
+              </a:ext>
+              <a:ext uri="{C183D7F6-B498-43B3-948B-1728B52AA6E4}">
+                <adec:decorative xmlns:adec="http://schemas.microsoft.com/office/drawing/2017/decorative" val="1"/>
+              </a:ext>
+            </a:extLst>
+          </p:cNvPr>
+          <p:cNvSpPr>
+            <a:spLocks noGrp="1" noRot="1" noChangeAspect="1" noMove="1" noResize="1" noEditPoints="1" noAdjustHandles="1" noChangeArrowheads="1" noChangeShapeType="1" noTextEdit="1"/>
+          </p:cNvSpPr>
+          <p:nvPr>
+            <p:extLst>
+              <p:ext uri="{386F3935-93C4-4BCD-93E2-E3B085C9AB24}">
+                <p16:designElem xmlns:p16="http://schemas.microsoft.com/office/powerpoint/2015/main" val="1"/>
+              </p:ext>
+            </p:extLst>
+          </p:nvPr>
+        </p:nvSpPr>
+        <p:spPr>
+          <a:xfrm>
+            <a:off x="0" y="0"/>
+            <a:ext cx="12192000" cy="6858000"/>
+          </a:xfrm>
+          <a:prstGeom prst="rect">
+            <a:avLst/>
+          </a:prstGeom>
+          <a:solidFill>
+            <a:schemeClr val="bg1"/>
+          </a:solidFill>
+          <a:ln>
+            <a:noFill/>
+          </a:ln>
+        </p:spPr>
+        <p:style>
+          <a:lnRef idx="2">
+            <a:schemeClr val="accent1">
+              <a:shade val="50000"/>
+            </a:schemeClr>
+          </a:lnRef>
+          <a:fillRef idx="1">
+            <a:schemeClr val="accent1"/>
+          </a:fillRef>
+          <a:effectRef idx="0">
+            <a:schemeClr val="accent1"/>
+          </a:effectRef>
+          <a:fontRef idx="minor">
+            <a:schemeClr val="lt1"/>
+          </a:fontRef>
+        </p:style>
+        <p:txBody>
+          <a:bodyPr rtlCol="0" anchor="ctr"/>
+          <a:lstStyle/>
+          <a:p>
+            <a:pPr algn="ctr"/>
+            <a:endParaRPr lang="en-US" dirty="0"/>
+          </a:p>
+        </p:txBody>
+      </p:sp>
+      <p:sp>
+        <p:nvSpPr>
+          <p:cNvPr id="73" name="Freeform: Shape 72">
+            <a:extLst>
+              <a:ext uri="{FF2B5EF4-FFF2-40B4-BE49-F238E27FC236}">
+                <a16:creationId xmlns:a16="http://schemas.microsoft.com/office/drawing/2014/main" id="{83C98ABE-055B-441F-B07E-44F97F083C39}"/>
+              </a:ext>
+              <a:ext uri="{C183D7F6-B498-43B3-948B-1728B52AA6E4}">
+                <adec:decorative xmlns:adec="http://schemas.microsoft.com/office/drawing/2017/decorative" val="1"/>
+              </a:ext>
+            </a:extLst>
+          </p:cNvPr>
+          <p:cNvSpPr>
+            <a:spLocks noGrp="1" noRot="1" noChangeAspect="1" noMove="1" noResize="1" noEditPoints="1" noAdjustHandles="1" noChangeArrowheads="1" noChangeShapeType="1" noTextEdit="1"/>
+          </p:cNvSpPr>
+          <p:nvPr>
+            <p:extLst>
+              <p:ext uri="{386F3935-93C4-4BCD-93E2-E3B085C9AB24}">
+                <p16:designElem xmlns:p16="http://schemas.microsoft.com/office/powerpoint/2015/main" val="1"/>
+              </p:ext>
+            </p:extLst>
+          </p:nvPr>
+        </p:nvSpPr>
+        <p:spPr>
+          <a:xfrm rot="18900000" flipH="1">
+            <a:off x="-376156" y="-253670"/>
+            <a:ext cx="1827638" cy="1376989"/>
+          </a:xfrm>
+          <a:custGeom>
+            <a:avLst/>
+            <a:gdLst>
+              <a:gd name="connsiteX0" fmla="*/ 0 w 1827638"/>
+              <a:gd name="connsiteY0" fmla="*/ 987379 h 1376989"/>
+              <a:gd name="connsiteX1" fmla="*/ 987379 w 1827638"/>
+              <a:gd name="connsiteY1" fmla="*/ 0 h 1376989"/>
+              <a:gd name="connsiteX2" fmla="*/ 1827638 w 1827638"/>
+              <a:gd name="connsiteY2" fmla="*/ 840260 h 1376989"/>
+              <a:gd name="connsiteX3" fmla="*/ 1827638 w 1827638"/>
+              <a:gd name="connsiteY3" fmla="*/ 1376989 h 1376989"/>
+              <a:gd name="connsiteX4" fmla="*/ 0 w 1827638"/>
+              <a:gd name="connsiteY4" fmla="*/ 1376989 h 1376989"/>
+            </a:gdLst>
+            <a:ahLst/>
+            <a:cxnLst>
+              <a:cxn ang="0">
+                <a:pos x="connsiteX0" y="connsiteY0"/>
+              </a:cxn>
+              <a:cxn ang="0">
+                <a:pos x="connsiteX1" y="connsiteY1"/>
+              </a:cxn>
+              <a:cxn ang="0">
+                <a:pos x="connsiteX2" y="connsiteY2"/>
+              </a:cxn>
+              <a:cxn ang="0">
+                <a:pos x="connsiteX3" y="connsiteY3"/>
+              </a:cxn>
+              <a:cxn ang="0">
+                <a:pos x="connsiteX4" y="connsiteY4"/>
+              </a:cxn>
+            </a:cxnLst>
+            <a:rect l="l" t="t" r="r" b="b"/>
+            <a:pathLst>
+              <a:path w="1827638" h="1376989">
+                <a:moveTo>
+                  <a:pt x="0" y="987379"/>
+                </a:moveTo>
+                <a:lnTo>
+                  <a:pt x="987379" y="0"/>
+                </a:lnTo>
+                <a:lnTo>
+                  <a:pt x="1827638" y="840260"/>
+                </a:lnTo>
+                <a:lnTo>
+                  <a:pt x="1827638" y="1376989"/>
+                </a:lnTo>
+                <a:lnTo>
+                  <a:pt x="0" y="1376989"/>
+                </a:lnTo>
+                <a:close/>
+              </a:path>
+            </a:pathLst>
+          </a:custGeom>
+          <a:solidFill>
+            <a:schemeClr val="accent1">
+              <a:alpha val="30000"/>
+            </a:schemeClr>
+          </a:solidFill>
+          <a:ln>
+            <a:noFill/>
+          </a:ln>
+        </p:spPr>
+        <p:style>
+          <a:lnRef idx="2">
+            <a:schemeClr val="accent1">
+              <a:shade val="50000"/>
+            </a:schemeClr>
+          </a:lnRef>
+          <a:fillRef idx="1">
+            <a:schemeClr val="accent1"/>
+          </a:fillRef>
+          <a:effectRef idx="0">
+            <a:schemeClr val="accent1"/>
+          </a:effectRef>
+          <a:fontRef idx="minor">
+            <a:schemeClr val="lt1"/>
+          </a:fontRef>
+        </p:style>
+        <p:txBody>
+          <a:bodyPr rtlCol="0" anchor="ctr"/>
+          <a:lstStyle/>
+          <a:p>
+            <a:pPr algn="ctr"/>
+            <a:endParaRPr lang="en-US" dirty="0"/>
+          </a:p>
+        </p:txBody>
+      </p:sp>
+      <p:sp>
+        <p:nvSpPr>
+          <p:cNvPr id="75" name="Rectangle 74">
+            <a:extLst>
+              <a:ext uri="{FF2B5EF4-FFF2-40B4-BE49-F238E27FC236}">
+                <a16:creationId xmlns:a16="http://schemas.microsoft.com/office/drawing/2014/main" id="{29FDB030-9B49-4CED-8CCD-4D99382388AC}"/>
+              </a:ext>
+              <a:ext uri="{C183D7F6-B498-43B3-948B-1728B52AA6E4}">
+                <adec:decorative xmlns:adec="http://schemas.microsoft.com/office/drawing/2017/decorative" val="1"/>
+              </a:ext>
+            </a:extLst>
+          </p:cNvPr>
+          <p:cNvSpPr>
+            <a:spLocks noGrp="1" noRot="1" noChangeAspect="1" noMove="1" noResize="1" noEditPoints="1" noAdjustHandles="1" noChangeArrowheads="1" noChangeShapeType="1" noTextEdit="1"/>
+          </p:cNvSpPr>
+          <p:nvPr>
+            <p:extLst>
+              <p:ext uri="{386F3935-93C4-4BCD-93E2-E3B085C9AB24}">
+                <p16:designElem xmlns:p16="http://schemas.microsoft.com/office/powerpoint/2015/main" val="1"/>
+              </p:ext>
+            </p:extLst>
+          </p:nvPr>
+        </p:nvSpPr>
+        <p:spPr>
+          <a:xfrm rot="18900000" flipH="1">
+            <a:off x="891641" y="422146"/>
+            <a:ext cx="645368" cy="645368"/>
+          </a:xfrm>
+          <a:prstGeom prst="rect">
+            <a:avLst/>
+          </a:prstGeom>
+          <a:solidFill>
+            <a:schemeClr val="accent1">
+              <a:alpha val="30000"/>
+            </a:schemeClr>
+          </a:solidFill>
+          <a:ln>
+            <a:noFill/>
+          </a:ln>
+        </p:spPr>
+        <p:style>
+          <a:lnRef idx="2">
+            <a:schemeClr val="accent1">
+              <a:shade val="50000"/>
+            </a:schemeClr>
+          </a:lnRef>
+          <a:fillRef idx="1">
+            <a:schemeClr val="accent1"/>
+          </a:fillRef>
+          <a:effectRef idx="0">
+            <a:schemeClr val="accent1"/>
+          </a:effectRef>
+          <a:fontRef idx="minor">
+            <a:schemeClr val="lt1"/>
+          </a:fontRef>
+        </p:style>
+        <p:txBody>
+          <a:bodyPr rtlCol="0" anchor="ctr"/>
+          <a:lstStyle/>
+          <a:p>
+            <a:pPr algn="ctr"/>
+            <a:endParaRPr lang="en-US"/>
+          </a:p>
+        </p:txBody>
+      </p:sp>
+      <p:sp>
+        <p:nvSpPr>
+          <p:cNvPr id="77" name="Rectangle 76">
+            <a:extLst>
+              <a:ext uri="{FF2B5EF4-FFF2-40B4-BE49-F238E27FC236}">
+                <a16:creationId xmlns:a16="http://schemas.microsoft.com/office/drawing/2014/main" id="{3783CA14-24A1-485C-8B30-D6A5D87987AD}"/>
+              </a:ext>
+              <a:ext uri="{C183D7F6-B498-43B3-948B-1728B52AA6E4}">
+                <adec:decorative xmlns:adec="http://schemas.microsoft.com/office/drawing/2017/decorative" val="1"/>
+              </a:ext>
+            </a:extLst>
+          </p:cNvPr>
+          <p:cNvSpPr>
+            <a:spLocks noGrp="1" noRot="1" noChangeAspect="1" noMove="1" noResize="1" noEditPoints="1" noAdjustHandles="1" noChangeArrowheads="1" noChangeShapeType="1" noTextEdit="1"/>
+          </p:cNvSpPr>
+          <p:nvPr>
+            <p:extLst>
+              <p:ext uri="{386F3935-93C4-4BCD-93E2-E3B085C9AB24}">
+                <p16:designElem xmlns:p16="http://schemas.microsoft.com/office/powerpoint/2015/main" val="1"/>
+              </p:ext>
+            </p:extLst>
+          </p:nvPr>
+        </p:nvSpPr>
+        <p:spPr>
+          <a:xfrm rot="18900000" flipH="1">
+            <a:off x="10043482" y="655140"/>
+            <a:ext cx="687472" cy="687472"/>
+          </a:xfrm>
+          <a:prstGeom prst="rect">
+            <a:avLst/>
+          </a:prstGeom>
+          <a:solidFill>
+            <a:schemeClr val="accent4">
+              <a:alpha val="30000"/>
+            </a:schemeClr>
+          </a:solidFill>
+          <a:ln>
+            <a:noFill/>
+          </a:ln>
+        </p:spPr>
+        <p:style>
+          <a:lnRef idx="2">
+            <a:schemeClr val="accent1">
+              <a:shade val="50000"/>
+            </a:schemeClr>
+          </a:lnRef>
+          <a:fillRef idx="1">
+            <a:schemeClr val="accent1"/>
+          </a:fillRef>
+          <a:effectRef idx="0">
+            <a:schemeClr val="accent1"/>
+          </a:effectRef>
+          <a:fontRef idx="minor">
+            <a:schemeClr val="lt1"/>
+          </a:fontRef>
+        </p:style>
+        <p:txBody>
+          <a:bodyPr rtlCol="0" anchor="ctr"/>
+          <a:lstStyle/>
+          <a:p>
+            <a:pPr algn="ctr"/>
+            <a:endParaRPr lang="en-US"/>
+          </a:p>
+        </p:txBody>
+      </p:sp>
+      <p:sp>
+        <p:nvSpPr>
+          <p:cNvPr id="79" name="Freeform: Shape 78">
+            <a:extLst>
+              <a:ext uri="{FF2B5EF4-FFF2-40B4-BE49-F238E27FC236}">
+                <a16:creationId xmlns:a16="http://schemas.microsoft.com/office/drawing/2014/main" id="{9A97C86A-04D6-40F7-AE84-31AB43E6A846}"/>
+              </a:ext>
+              <a:ext uri="{C183D7F6-B498-43B3-948B-1728B52AA6E4}">
+                <adec:decorative xmlns:adec="http://schemas.microsoft.com/office/drawing/2017/decorative" val="1"/>
+              </a:ext>
+            </a:extLst>
+          </p:cNvPr>
+          <p:cNvSpPr>
+            <a:spLocks noGrp="1" noRot="1" noChangeAspect="1" noMove="1" noResize="1" noEditPoints="1" noAdjustHandles="1" noChangeArrowheads="1" noChangeShapeType="1" noTextEdit="1"/>
+          </p:cNvSpPr>
+          <p:nvPr>
+            <p:extLst>
+              <p:ext uri="{386F3935-93C4-4BCD-93E2-E3B085C9AB24}">
+                <p16:designElem xmlns:p16="http://schemas.microsoft.com/office/powerpoint/2015/main" val="1"/>
+              </p:ext>
+            </p:extLst>
+          </p:nvPr>
+        </p:nvSpPr>
+        <p:spPr>
+          <a:xfrm rot="10800000" flipH="1">
+            <a:off x="9356643" y="0"/>
+            <a:ext cx="2835357" cy="1480837"/>
+          </a:xfrm>
+          <a:custGeom>
+            <a:avLst/>
+            <a:gdLst>
+              <a:gd name="connsiteX0" fmla="*/ 2835357 w 2835357"/>
+              <a:gd name="connsiteY0" fmla="*/ 1480837 h 1480837"/>
+              <a:gd name="connsiteX1" fmla="*/ 0 w 2835357"/>
+              <a:gd name="connsiteY1" fmla="*/ 1480837 h 1480837"/>
+              <a:gd name="connsiteX2" fmla="*/ 1552727 w 2835357"/>
+              <a:gd name="connsiteY2" fmla="*/ 0 h 1480837"/>
+              <a:gd name="connsiteX3" fmla="*/ 2835357 w 2835357"/>
+              <a:gd name="connsiteY3" fmla="*/ 1223245 h 1480837"/>
+            </a:gdLst>
+            <a:ahLst/>
+            <a:cxnLst>
+              <a:cxn ang="0">
+                <a:pos x="connsiteX0" y="connsiteY0"/>
+              </a:cxn>
+              <a:cxn ang="0">
+                <a:pos x="connsiteX1" y="connsiteY1"/>
+              </a:cxn>
+              <a:cxn ang="0">
+                <a:pos x="connsiteX2" y="connsiteY2"/>
+              </a:cxn>
+              <a:cxn ang="0">
+                <a:pos x="connsiteX3" y="connsiteY3"/>
+              </a:cxn>
+            </a:cxnLst>
+            <a:rect l="l" t="t" r="r" b="b"/>
+            <a:pathLst>
+              <a:path w="2835357" h="1480837">
+                <a:moveTo>
+                  <a:pt x="2835357" y="1480837"/>
+                </a:moveTo>
+                <a:lnTo>
+                  <a:pt x="0" y="1480837"/>
+                </a:lnTo>
+                <a:lnTo>
+                  <a:pt x="1552727" y="0"/>
+                </a:lnTo>
+                <a:lnTo>
+                  <a:pt x="2835357" y="1223245"/>
+                </a:lnTo>
+                <a:close/>
+              </a:path>
+            </a:pathLst>
+          </a:custGeom>
+          <a:solidFill>
+            <a:schemeClr val="accent4">
+              <a:alpha val="30000"/>
+            </a:schemeClr>
+          </a:solidFill>
+          <a:ln>
+            <a:noFill/>
+          </a:ln>
+        </p:spPr>
+        <p:style>
+          <a:lnRef idx="2">
+            <a:schemeClr val="accent1">
+              <a:shade val="50000"/>
+            </a:schemeClr>
+          </a:lnRef>
+          <a:fillRef idx="1">
+            <a:schemeClr val="accent1"/>
+          </a:fillRef>
+          <a:effectRef idx="0">
+            <a:schemeClr val="accent1"/>
+          </a:effectRef>
+          <a:fontRef idx="minor">
+            <a:schemeClr val="lt1"/>
+          </a:fontRef>
+        </p:style>
+        <p:txBody>
+          <a:bodyPr wrap="square" rtlCol="0" anchor="ctr">
+            <a:noAutofit/>
+          </a:bodyPr>
+          <a:lstStyle/>
+          <a:p>
+            <a:pPr algn="ctr"/>
+            <a:endParaRPr lang="en-US" dirty="0"/>
+          </a:p>
+        </p:txBody>
+      </p:sp>
+      <p:sp>
+        <p:nvSpPr>
+          <p:cNvPr id="81" name="Isosceles Triangle 80">
+            <a:extLst>
+              <a:ext uri="{FF2B5EF4-FFF2-40B4-BE49-F238E27FC236}">
+                <a16:creationId xmlns:a16="http://schemas.microsoft.com/office/drawing/2014/main" id="{FF9F2414-84E8-453E-B1F3-389FDE8192D9}"/>
+              </a:ext>
+              <a:ext uri="{C183D7F6-B498-43B3-948B-1728B52AA6E4}">
+                <adec:decorative xmlns:adec="http://schemas.microsoft.com/office/drawing/2017/decorative" val="1"/>
+              </a:ext>
+            </a:extLst>
+          </p:cNvPr>
+          <p:cNvSpPr>
+            <a:spLocks noGrp="1" noRot="1" noChangeAspect="1" noMove="1" noResize="1" noEditPoints="1" noAdjustHandles="1" noChangeArrowheads="1" noChangeShapeType="1" noTextEdit="1"/>
+          </p:cNvSpPr>
+          <p:nvPr>
+            <p:extLst>
+              <p:ext uri="{386F3935-93C4-4BCD-93E2-E3B085C9AB24}">
+                <p16:designElem xmlns:p16="http://schemas.microsoft.com/office/powerpoint/2015/main" val="1"/>
+              </p:ext>
+            </p:extLst>
+          </p:nvPr>
+        </p:nvSpPr>
+        <p:spPr>
+          <a:xfrm flipH="1">
+            <a:off x="7976344" y="6115501"/>
+            <a:ext cx="1494513" cy="742499"/>
+          </a:xfrm>
+          <a:prstGeom prst="triangle">
+            <a:avLst/>
+          </a:prstGeom>
+          <a:solidFill>
+            <a:schemeClr val="accent1">
+              <a:alpha val="30000"/>
+            </a:schemeClr>
+          </a:solidFill>
+          <a:ln>
+            <a:noFill/>
+          </a:ln>
+        </p:spPr>
+        <p:style>
+          <a:lnRef idx="2">
+            <a:schemeClr val="accent1">
+              <a:shade val="50000"/>
+            </a:schemeClr>
+          </a:lnRef>
+          <a:fillRef idx="1">
+            <a:schemeClr val="accent1"/>
+          </a:fillRef>
+          <a:effectRef idx="0">
+            <a:schemeClr val="accent1"/>
+          </a:effectRef>
+          <a:fontRef idx="minor">
+            <a:schemeClr val="lt1"/>
+          </a:fontRef>
+        </p:style>
+        <p:txBody>
+          <a:bodyPr rtlCol="0" anchor="ctr"/>
+          <a:lstStyle/>
+          <a:p>
+            <a:pPr algn="ctr"/>
+            <a:endParaRPr lang="en-US"/>
+          </a:p>
+        </p:txBody>
+      </p:sp>
+      <p:pic>
+        <p:nvPicPr>
+          <p:cNvPr id="1026" name="Picture 2" descr="El Blog de Proactivanet ¿Por dónde empiezo y hasta dónde llego con mi CMDB?">
+            <a:extLst>
+              <a:ext uri="{FF2B5EF4-FFF2-40B4-BE49-F238E27FC236}">
+                <a16:creationId xmlns:a16="http://schemas.microsoft.com/office/drawing/2014/main" id="{BC48E552-5D91-404B-9F27-FF5CBC41B5EB}"/>
+              </a:ext>
+            </a:extLst>
+          </p:cNvPr>
+          <p:cNvPicPr>
+            <a:picLocks noChangeAspect="1" noChangeArrowheads="1"/>
+          </p:cNvPicPr>
+          <p:nvPr/>
+        </p:nvPicPr>
+        <p:blipFill>
+          <a:blip r:embed="rId2">
+            <a:extLst>
+              <a:ext uri="{28A0092B-C50C-407E-A947-70E740481C1C}">
+                <a14:useLocalDpi xmlns:a14="http://schemas.microsoft.com/office/drawing/2010/main" val="0"/>
+              </a:ext>
+            </a:extLst>
+          </a:blip>
+          <a:stretch>
+            <a:fillRect/>
+          </a:stretch>
+        </p:blipFill>
+        <p:spPr bwMode="auto">
+          <a:xfrm>
+            <a:off x="1953943" y="643467"/>
+            <a:ext cx="8284113" cy="5571065"/>
+          </a:xfrm>
+          <a:prstGeom prst="rect">
+            <a:avLst/>
+          </a:prstGeom>
+          <a:noFill/>
+          <a:ln>
+            <a:noFill/>
+          </a:ln>
+          <a:extLst>
+            <a:ext uri="{909E8E84-426E-40DD-AFC4-6F175D3DCCD1}">
+              <a14:hiddenFill xmlns:a14="http://schemas.microsoft.com/office/drawing/2010/main">
+                <a:solidFill>
+                  <a:srgbClr val="FFFFFF"/>
+                </a:solidFill>
+              </a14:hiddenFill>
+            </a:ext>
+          </a:extLst>
+        </p:spPr>
+      </p:pic>
+      <p:sp>
+        <p:nvSpPr>
+          <p:cNvPr id="83" name="Isosceles Triangle 82">
+            <a:extLst>
+              <a:ext uri="{FF2B5EF4-FFF2-40B4-BE49-F238E27FC236}">
+                <a16:creationId xmlns:a16="http://schemas.microsoft.com/office/drawing/2014/main" id="{3ECA69A1-7536-43AC-85EF-C7106179F5ED}"/>
+              </a:ext>
+              <a:ext uri="{C183D7F6-B498-43B3-948B-1728B52AA6E4}">
+                <adec:decorative xmlns:adec="http://schemas.microsoft.com/office/drawing/2017/decorative" val="1"/>
+              </a:ext>
+            </a:extLst>
+          </p:cNvPr>
+          <p:cNvSpPr>
+            <a:spLocks noGrp="1" noRot="1" noChangeAspect="1" noMove="1" noResize="1" noEditPoints="1" noAdjustHandles="1" noChangeArrowheads="1" noChangeShapeType="1" noTextEdit="1"/>
+          </p:cNvSpPr>
+          <p:nvPr>
+            <p:extLst>
+              <p:ext uri="{386F3935-93C4-4BCD-93E2-E3B085C9AB24}">
+                <p16:designElem xmlns:p16="http://schemas.microsoft.com/office/powerpoint/2015/main" val="1"/>
+              </p:ext>
+            </p:extLst>
+          </p:nvPr>
+        </p:nvSpPr>
+        <p:spPr>
+          <a:xfrm flipH="1">
+            <a:off x="7604080" y="6453143"/>
+            <a:ext cx="814903" cy="404857"/>
+          </a:xfrm>
+          <a:prstGeom prst="triangle">
+            <a:avLst/>
+          </a:prstGeom>
+          <a:solidFill>
+            <a:schemeClr val="accent1">
+              <a:alpha val="30000"/>
+            </a:schemeClr>
+          </a:solidFill>
+          <a:ln>
+            <a:noFill/>
+          </a:ln>
+        </p:spPr>
+        <p:style>
+          <a:lnRef idx="2">
+            <a:schemeClr val="accent1">
+              <a:shade val="50000"/>
+            </a:schemeClr>
+          </a:lnRef>
+          <a:fillRef idx="1">
+            <a:schemeClr val="accent1"/>
+          </a:fillRef>
+          <a:effectRef idx="0">
+            <a:schemeClr val="accent1"/>
+          </a:effectRef>
+          <a:fontRef idx="minor">
+            <a:schemeClr val="lt1"/>
+          </a:fontRef>
+        </p:style>
+        <p:txBody>
+          <a:bodyPr rtlCol="0" anchor="ctr"/>
+          <a:lstStyle/>
+          <a:p>
+            <a:pPr algn="ctr"/>
+            <a:endParaRPr lang="en-US"/>
+          </a:p>
+        </p:txBody>
+      </p:sp>
+      <p:sp>
+        <p:nvSpPr>
+          <p:cNvPr id="12" name="Rectángulo: esquinas redondeadas 11">
+            <a:extLst>
+              <a:ext uri="{FF2B5EF4-FFF2-40B4-BE49-F238E27FC236}">
+                <a16:creationId xmlns:a16="http://schemas.microsoft.com/office/drawing/2014/main" id="{0C5FA3C5-3CD2-409B-A921-67882FD647A7}"/>
+              </a:ext>
+            </a:extLst>
+          </p:cNvPr>
+          <p:cNvSpPr/>
+          <p:nvPr/>
+        </p:nvSpPr>
+        <p:spPr>
+          <a:xfrm>
+            <a:off x="178676" y="94593"/>
+            <a:ext cx="11908221" cy="584398"/>
+          </a:xfrm>
+          <a:prstGeom prst="roundRect">
+            <a:avLst/>
+          </a:prstGeom>
+          <a:solidFill>
+            <a:schemeClr val="accent1">
+              <a:lumMod val="50000"/>
+            </a:schemeClr>
+          </a:solidFill>
+          <a:ln>
+            <a:solidFill>
+              <a:schemeClr val="tx2">
+                <a:lumMod val="50000"/>
+              </a:schemeClr>
+            </a:solidFill>
+          </a:ln>
+        </p:spPr>
+        <p:style>
+          <a:lnRef idx="2">
+            <a:schemeClr val="accent1">
+              <a:shade val="50000"/>
+            </a:schemeClr>
+          </a:lnRef>
+          <a:fillRef idx="1">
+            <a:schemeClr val="accent1"/>
+          </a:fillRef>
+          <a:effectRef idx="0">
+            <a:schemeClr val="accent1"/>
+          </a:effectRef>
+          <a:fontRef idx="minor">
+            <a:schemeClr val="lt1"/>
+          </a:fontRef>
+        </p:style>
+        <p:txBody>
+          <a:bodyPr rtlCol="0" anchor="ctr"/>
+          <a:lstStyle/>
+          <a:p>
+            <a:pPr algn="ctr"/>
+            <a:r>
+              <a:rPr lang="es-CO" dirty="0"/>
+              <a:t>Interfaz de Empresa </a:t>
+            </a:r>
+          </a:p>
+        </p:txBody>
+      </p:sp>
+    </p:spTree>
+    <p:extLst>
+      <p:ext uri="{BB962C8B-B14F-4D97-AF65-F5344CB8AC3E}">
+        <p14:creationId xmlns:p14="http://schemas.microsoft.com/office/powerpoint/2010/main" val="1784090582"/>
+      </p:ext>
+    </p:extLst>
+  </p:cSld>
+  <p:clrMapOvr>
+    <a:masterClrMapping/>
+  </p:clrMapOvr>
+</p:sld>
+</file>
+
+<file path=ppt/slides/slide4.xml><?xml version="1.0" encoding="utf-8"?>
+<p:sld xmlns:a="http://schemas.openxmlformats.org/drawingml/2006/main" xmlns:r="http://schemas.openxmlformats.org/officeDocument/2006/relationships" xmlns:p="http://schemas.openxmlformats.org/presentationml/2006/main">
+  <p:cSld>
+    <p:bg>
+      <p:bgPr>
+        <a:gradFill>
+          <a:gsLst>
+            <a:gs pos="0">
+              <a:schemeClr val="accent1">
+                <a:lumMod val="75000"/>
+              </a:schemeClr>
+            </a:gs>
+            <a:gs pos="69000">
+              <a:schemeClr val="accent1">
+                <a:lumMod val="45000"/>
+                <a:lumOff val="55000"/>
+              </a:schemeClr>
+            </a:gs>
+            <a:gs pos="95000">
+              <a:schemeClr val="accent1">
+                <a:lumMod val="45000"/>
+                <a:lumOff val="55000"/>
+              </a:schemeClr>
+            </a:gs>
+            <a:gs pos="100000">
+              <a:schemeClr val="accent1">
+                <a:lumMod val="30000"/>
+                <a:lumOff val="70000"/>
+              </a:schemeClr>
+            </a:gs>
+          </a:gsLst>
+          <a:lin ang="5400000" scaled="1"/>
+        </a:gradFill>
+        <a:effectLst/>
+      </p:bgPr>
+    </p:bg>
+    <p:spTree>
+      <p:nvGrpSpPr>
+        <p:cNvPr id="1" name=""/>
+        <p:cNvGrpSpPr/>
+        <p:nvPr/>
+      </p:nvGrpSpPr>
+      <p:grpSpPr>
+        <a:xfrm>
+          <a:off x="0" y="0"/>
+          <a:ext cx="0" cy="0"/>
+          <a:chOff x="0" y="0"/>
+          <a:chExt cx="0" cy="0"/>
+        </a:xfrm>
+      </p:grpSpPr>
+      <p:sp>
+        <p:nvSpPr>
+          <p:cNvPr id="17" name="Rectángulo 16">
+            <a:extLst>
+              <a:ext uri="{FF2B5EF4-FFF2-40B4-BE49-F238E27FC236}">
+                <a16:creationId xmlns:a16="http://schemas.microsoft.com/office/drawing/2014/main" id="{54A2DFCE-E659-4777-B7F5-1BFCA625230C}"/>
+              </a:ext>
+            </a:extLst>
+          </p:cNvPr>
+          <p:cNvSpPr/>
+          <p:nvPr/>
+        </p:nvSpPr>
+        <p:spPr>
+          <a:xfrm>
+            <a:off x="250401" y="2025073"/>
+            <a:ext cx="4536831" cy="4492870"/>
+          </a:xfrm>
+          <a:prstGeom prst="rect">
+            <a:avLst/>
+          </a:prstGeom>
+          <a:solidFill>
+            <a:schemeClr val="accent1">
+              <a:lumMod val="40000"/>
+              <a:lumOff val="60000"/>
+            </a:schemeClr>
+          </a:solidFill>
+        </p:spPr>
+        <p:style>
+          <a:lnRef idx="2">
+            <a:schemeClr val="accent1">
+              <a:shade val="50000"/>
+            </a:schemeClr>
+          </a:lnRef>
+          <a:fillRef idx="1">
+            <a:schemeClr val="accent1"/>
+          </a:fillRef>
+          <a:effectRef idx="0">
+            <a:schemeClr val="accent1"/>
+          </a:effectRef>
+          <a:fontRef idx="minor">
+            <a:schemeClr val="lt1"/>
+          </a:fontRef>
+        </p:style>
+        <p:txBody>
+          <a:bodyPr rtlCol="0" anchor="ctr"/>
+          <a:lstStyle/>
+          <a:p>
+            <a:pPr algn="ctr"/>
+            <a:endParaRPr lang="es-CO"/>
+          </a:p>
+        </p:txBody>
+      </p:sp>
+      <p:sp>
+        <p:nvSpPr>
+          <p:cNvPr id="18" name="Rectángulo 17">
+            <a:extLst>
+              <a:ext uri="{FF2B5EF4-FFF2-40B4-BE49-F238E27FC236}">
+                <a16:creationId xmlns:a16="http://schemas.microsoft.com/office/drawing/2014/main" id="{9C5F63EB-8589-4604-8DD7-CE9901C5E274}"/>
+              </a:ext>
+            </a:extLst>
+          </p:cNvPr>
+          <p:cNvSpPr/>
+          <p:nvPr/>
+        </p:nvSpPr>
+        <p:spPr>
+          <a:xfrm>
+            <a:off x="773723" y="2360179"/>
+            <a:ext cx="3780692" cy="3899944"/>
+          </a:xfrm>
+          <a:prstGeom prst="rect">
+            <a:avLst/>
+          </a:prstGeom>
+          <a:solidFill>
+            <a:schemeClr val="bg1"/>
+          </a:solidFill>
+        </p:spPr>
+        <p:style>
+          <a:lnRef idx="2">
+            <a:schemeClr val="accent1">
+              <a:shade val="50000"/>
+            </a:schemeClr>
+          </a:lnRef>
+          <a:fillRef idx="1">
+            <a:schemeClr val="accent1"/>
+          </a:fillRef>
+          <a:effectRef idx="0">
+            <a:schemeClr val="accent1"/>
+          </a:effectRef>
+          <a:fontRef idx="minor">
+            <a:schemeClr val="lt1"/>
+          </a:fontRef>
+        </p:style>
+        <p:txBody>
+          <a:bodyPr rtlCol="0" anchor="ctr"/>
+          <a:lstStyle/>
+          <a:p>
+            <a:pPr algn="ctr"/>
+            <a:endParaRPr lang="es-CO"/>
+          </a:p>
+        </p:txBody>
+      </p:sp>
+      <p:sp>
+        <p:nvSpPr>
+          <p:cNvPr id="24" name="Rectángulo: esquinas diagonales cortadas 23">
+            <a:extLst>
+              <a:ext uri="{FF2B5EF4-FFF2-40B4-BE49-F238E27FC236}">
+                <a16:creationId xmlns:a16="http://schemas.microsoft.com/office/drawing/2014/main" id="{A7F5F7CF-B36F-4986-9538-AF9B8A6B26A0}"/>
+              </a:ext>
+            </a:extLst>
+          </p:cNvPr>
+          <p:cNvSpPr/>
+          <p:nvPr/>
+        </p:nvSpPr>
+        <p:spPr>
+          <a:xfrm>
+            <a:off x="1194651" y="4939543"/>
+            <a:ext cx="2815741" cy="369332"/>
+          </a:xfrm>
+          <a:prstGeom prst="snip2DiagRect">
+            <a:avLst/>
+          </a:prstGeom>
+          <a:solidFill>
+            <a:schemeClr val="accent5">
+              <a:lumMod val="40000"/>
+              <a:lumOff val="60000"/>
+            </a:schemeClr>
+          </a:solidFill>
+        </p:spPr>
+        <p:style>
+          <a:lnRef idx="2">
+            <a:schemeClr val="accent1">
+              <a:shade val="50000"/>
+            </a:schemeClr>
+          </a:lnRef>
+          <a:fillRef idx="1">
+            <a:schemeClr val="accent1"/>
+          </a:fillRef>
+          <a:effectRef idx="0">
+            <a:schemeClr val="accent1"/>
+          </a:effectRef>
+          <a:fontRef idx="minor">
+            <a:schemeClr val="lt1"/>
+          </a:fontRef>
+        </p:style>
+        <p:txBody>
+          <a:bodyPr rtlCol="0" anchor="ctr"/>
+          <a:lstStyle/>
+          <a:p>
+            <a:pPr algn="ctr"/>
+            <a:endParaRPr lang="es-CO"/>
+          </a:p>
+        </p:txBody>
+      </p:sp>
+      <p:sp>
+        <p:nvSpPr>
+          <p:cNvPr id="2" name="Rectángulo: esquinas redondeadas 1">
+            <a:extLst>
+              <a:ext uri="{FF2B5EF4-FFF2-40B4-BE49-F238E27FC236}">
+                <a16:creationId xmlns:a16="http://schemas.microsoft.com/office/drawing/2014/main" id="{D8E0A558-03B8-4FAF-86BF-D76248396A4B}"/>
+              </a:ext>
+            </a:extLst>
+          </p:cNvPr>
+          <p:cNvSpPr/>
+          <p:nvPr/>
+        </p:nvSpPr>
+        <p:spPr>
+          <a:xfrm>
+            <a:off x="178676" y="94593"/>
+            <a:ext cx="11908221" cy="584398"/>
+          </a:xfrm>
+          <a:prstGeom prst="roundRect">
+            <a:avLst/>
+          </a:prstGeom>
+          <a:solidFill>
+            <a:schemeClr val="accent1">
+              <a:lumMod val="50000"/>
+            </a:schemeClr>
+          </a:solidFill>
+          <a:ln>
+            <a:solidFill>
+              <a:schemeClr val="tx2">
+                <a:lumMod val="50000"/>
+              </a:schemeClr>
+            </a:solidFill>
+          </a:ln>
+        </p:spPr>
+        <p:style>
+          <a:lnRef idx="2">
+            <a:schemeClr val="accent1">
+              <a:shade val="50000"/>
+            </a:schemeClr>
+          </a:lnRef>
+          <a:fillRef idx="1">
+            <a:schemeClr val="accent1"/>
+          </a:fillRef>
+          <a:effectRef idx="0">
+            <a:schemeClr val="accent1"/>
+          </a:effectRef>
+          <a:fontRef idx="minor">
+            <a:schemeClr val="lt1"/>
+          </a:fontRef>
+        </p:style>
+        <p:txBody>
+          <a:bodyPr rtlCol="0" anchor="ctr"/>
+          <a:lstStyle/>
+          <a:p>
+            <a:pPr algn="ctr"/>
+            <a:r>
+              <a:rPr lang="es-CO" dirty="0"/>
+              <a:t>Desde el perfil de jefe para designar el administrador</a:t>
+            </a:r>
+          </a:p>
+        </p:txBody>
+      </p:sp>
+      <p:sp>
+        <p:nvSpPr>
+          <p:cNvPr id="3" name="CuadroTexto 2">
+            <a:extLst>
+              <a:ext uri="{FF2B5EF4-FFF2-40B4-BE49-F238E27FC236}">
+                <a16:creationId xmlns:a16="http://schemas.microsoft.com/office/drawing/2014/main" id="{4E313A75-C2DD-411E-985E-44E74C4014CF}"/>
+              </a:ext>
+            </a:extLst>
+          </p:cNvPr>
+          <p:cNvSpPr txBox="1"/>
+          <p:nvPr/>
+        </p:nvSpPr>
+        <p:spPr>
+          <a:xfrm>
+            <a:off x="6233745" y="903374"/>
+            <a:ext cx="5697415" cy="461665"/>
+          </a:xfrm>
+          <a:prstGeom prst="rect">
+            <a:avLst/>
+          </a:prstGeom>
+          <a:noFill/>
+        </p:spPr>
+        <p:txBody>
+          <a:bodyPr wrap="square" rtlCol="0">
+            <a:spAutoFit/>
+          </a:bodyPr>
+          <a:lstStyle/>
+          <a:p>
+            <a:r>
+              <a:rPr lang="es-CO" sz="2400" dirty="0">
+                <a:solidFill>
+                  <a:schemeClr val="bg1"/>
+                </a:solidFill>
+                <a:latin typeface="Amasis MT Pro Black" panose="02040A04050005020304" pitchFamily="18" charset="0"/>
+              </a:rPr>
+              <a:t>Consultar      Agregar      Cuenta</a:t>
+            </a:r>
+          </a:p>
+        </p:txBody>
+      </p:sp>
+      <p:sp>
+        <p:nvSpPr>
+          <p:cNvPr id="4" name="Rectángulo: esquinas diagonales cortadas 3">
+            <a:extLst>
+              <a:ext uri="{FF2B5EF4-FFF2-40B4-BE49-F238E27FC236}">
+                <a16:creationId xmlns:a16="http://schemas.microsoft.com/office/drawing/2014/main" id="{B7CC03D8-D73B-4F7B-B51E-D72350F03B9B}"/>
+              </a:ext>
+            </a:extLst>
+          </p:cNvPr>
+          <p:cNvSpPr/>
+          <p:nvPr/>
+        </p:nvSpPr>
+        <p:spPr>
+          <a:xfrm>
+            <a:off x="6360891" y="1529182"/>
+            <a:ext cx="1543393" cy="1288752"/>
+          </a:xfrm>
+          <a:prstGeom prst="snip2DiagRect">
+            <a:avLst/>
+          </a:prstGeom>
+        </p:spPr>
+        <p:style>
+          <a:lnRef idx="2">
+            <a:schemeClr val="accent1">
+              <a:shade val="50000"/>
+            </a:schemeClr>
+          </a:lnRef>
+          <a:fillRef idx="1">
+            <a:schemeClr val="accent1"/>
+          </a:fillRef>
+          <a:effectRef idx="0">
+            <a:schemeClr val="accent1"/>
+          </a:effectRef>
+          <a:fontRef idx="minor">
+            <a:schemeClr val="lt1"/>
+          </a:fontRef>
+        </p:style>
+        <p:txBody>
+          <a:bodyPr rtlCol="0" anchor="ctr"/>
+          <a:lstStyle/>
+          <a:p>
+            <a:pPr algn="ctr"/>
+            <a:endParaRPr lang="es-CO"/>
+          </a:p>
+        </p:txBody>
+      </p:sp>
+      <p:sp>
+        <p:nvSpPr>
+          <p:cNvPr id="5" name="Rectángulo: esquinas diagonales cortadas 4">
+            <a:extLst>
+              <a:ext uri="{FF2B5EF4-FFF2-40B4-BE49-F238E27FC236}">
+                <a16:creationId xmlns:a16="http://schemas.microsoft.com/office/drawing/2014/main" id="{484F6AFA-ADD2-47A5-B1C4-A9FD72BF4B23}"/>
+              </a:ext>
+            </a:extLst>
+          </p:cNvPr>
+          <p:cNvSpPr/>
+          <p:nvPr/>
+        </p:nvSpPr>
+        <p:spPr>
+          <a:xfrm>
+            <a:off x="8414237" y="1529182"/>
+            <a:ext cx="1543393" cy="1288752"/>
+          </a:xfrm>
+          <a:prstGeom prst="snip2DiagRect">
+            <a:avLst/>
+          </a:prstGeom>
+        </p:spPr>
+        <p:style>
+          <a:lnRef idx="2">
+            <a:schemeClr val="accent1">
+              <a:shade val="50000"/>
+            </a:schemeClr>
+          </a:lnRef>
+          <a:fillRef idx="1">
+            <a:schemeClr val="accent1"/>
+          </a:fillRef>
+          <a:effectRef idx="0">
+            <a:schemeClr val="accent1"/>
+          </a:effectRef>
+          <a:fontRef idx="minor">
+            <a:schemeClr val="lt1"/>
+          </a:fontRef>
+        </p:style>
+        <p:txBody>
+          <a:bodyPr rtlCol="0" anchor="ctr"/>
+          <a:lstStyle/>
+          <a:p>
+            <a:pPr algn="ctr"/>
+            <a:endParaRPr lang="es-CO"/>
+          </a:p>
+        </p:txBody>
+      </p:sp>
+      <p:sp>
+        <p:nvSpPr>
+          <p:cNvPr id="6" name="Rectángulo: esquinas diagonales cortadas 5">
+            <a:extLst>
+              <a:ext uri="{FF2B5EF4-FFF2-40B4-BE49-F238E27FC236}">
+                <a16:creationId xmlns:a16="http://schemas.microsoft.com/office/drawing/2014/main" id="{FD3C1483-96CA-4F06-A203-898E572052D9}"/>
+              </a:ext>
+            </a:extLst>
+          </p:cNvPr>
+          <p:cNvSpPr/>
+          <p:nvPr/>
+        </p:nvSpPr>
+        <p:spPr>
+          <a:xfrm>
+            <a:off x="10172699" y="1529182"/>
+            <a:ext cx="1543393" cy="1288752"/>
+          </a:xfrm>
+          <a:prstGeom prst="snip2DiagRect">
+            <a:avLst/>
+          </a:prstGeom>
+        </p:spPr>
+        <p:style>
+          <a:lnRef idx="2">
+            <a:schemeClr val="accent1">
+              <a:shade val="50000"/>
+            </a:schemeClr>
+          </a:lnRef>
+          <a:fillRef idx="1">
+            <a:schemeClr val="accent1"/>
+          </a:fillRef>
+          <a:effectRef idx="0">
+            <a:schemeClr val="accent1"/>
+          </a:effectRef>
+          <a:fontRef idx="minor">
+            <a:schemeClr val="lt1"/>
+          </a:fontRef>
+        </p:style>
+        <p:txBody>
+          <a:bodyPr rtlCol="0" anchor="ctr"/>
+          <a:lstStyle/>
+          <a:p>
+            <a:pPr algn="ctr"/>
+            <a:endParaRPr lang="es-CO"/>
+          </a:p>
+        </p:txBody>
+      </p:sp>
+      <p:sp>
+        <p:nvSpPr>
+          <p:cNvPr id="7" name="CuadroTexto 6">
+            <a:extLst>
+              <a:ext uri="{FF2B5EF4-FFF2-40B4-BE49-F238E27FC236}">
+                <a16:creationId xmlns:a16="http://schemas.microsoft.com/office/drawing/2014/main" id="{4DCF53B5-7276-4359-AA74-57A8EA5F6F8E}"/>
+              </a:ext>
+            </a:extLst>
+          </p:cNvPr>
+          <p:cNvSpPr txBox="1"/>
+          <p:nvPr/>
+        </p:nvSpPr>
+        <p:spPr>
+          <a:xfrm>
+            <a:off x="6360891" y="1529182"/>
+            <a:ext cx="1543393" cy="1354217"/>
+          </a:xfrm>
+          <a:prstGeom prst="rect">
+            <a:avLst/>
+          </a:prstGeom>
+          <a:noFill/>
+        </p:spPr>
+        <p:txBody>
+          <a:bodyPr wrap="square" rtlCol="0">
+            <a:spAutoFit/>
+          </a:bodyPr>
+          <a:lstStyle/>
+          <a:p>
+            <a:pPr marL="285750" indent="-285750">
+              <a:buFont typeface="Arial" panose="020B0604020202020204" pitchFamily="34" charset="0"/>
+              <a:buChar char="•"/>
+            </a:pPr>
+            <a:r>
+              <a:rPr lang="es-CO" sz="1600" dirty="0"/>
+              <a:t> </a:t>
+            </a:r>
+            <a:r>
+              <a:rPr lang="es-CO" sz="1200" dirty="0"/>
+              <a:t>Administrador</a:t>
+            </a:r>
+          </a:p>
+          <a:p>
+            <a:pPr marL="285750" indent="-285750">
+              <a:buFont typeface="Arial" panose="020B0604020202020204" pitchFamily="34" charset="0"/>
+              <a:buChar char="•"/>
+            </a:pPr>
+            <a:r>
+              <a:rPr lang="es-CO" sz="1200" dirty="0"/>
+              <a:t> Ambientes</a:t>
+            </a:r>
+          </a:p>
+          <a:p>
+            <a:pPr marL="285750" indent="-285750">
+              <a:buFont typeface="Arial" panose="020B0604020202020204" pitchFamily="34" charset="0"/>
+              <a:buChar char="•"/>
+            </a:pPr>
+            <a:r>
+              <a:rPr lang="es-CO" sz="1200" dirty="0"/>
+              <a:t> Aplicaciones</a:t>
+            </a:r>
+          </a:p>
+          <a:p>
+            <a:pPr marL="285750" indent="-285750">
+              <a:buFont typeface="Arial" panose="020B0604020202020204" pitchFamily="34" charset="0"/>
+              <a:buChar char="•"/>
+            </a:pPr>
+            <a:r>
+              <a:rPr lang="es-CO" sz="1200" dirty="0"/>
+              <a:t> Composiciones</a:t>
+            </a:r>
+          </a:p>
+          <a:p>
+            <a:pPr marL="285750" indent="-285750">
+              <a:buFont typeface="Arial" panose="020B0604020202020204" pitchFamily="34" charset="0"/>
+              <a:buChar char="•"/>
+            </a:pPr>
+            <a:r>
+              <a:rPr lang="es-CO" sz="1200" dirty="0"/>
+              <a:t> Servidores</a:t>
+            </a:r>
+          </a:p>
+          <a:p>
+            <a:endParaRPr lang="es-CO" dirty="0"/>
+          </a:p>
+        </p:txBody>
+      </p:sp>
+      <p:sp>
+        <p:nvSpPr>
+          <p:cNvPr id="8" name="CuadroTexto 7">
+            <a:extLst>
+              <a:ext uri="{FF2B5EF4-FFF2-40B4-BE49-F238E27FC236}">
+                <a16:creationId xmlns:a16="http://schemas.microsoft.com/office/drawing/2014/main" id="{5EA4A6EA-6645-4888-A148-B4962094A95C}"/>
+              </a:ext>
+            </a:extLst>
+          </p:cNvPr>
+          <p:cNvSpPr txBox="1"/>
+          <p:nvPr/>
+        </p:nvSpPr>
+        <p:spPr>
+          <a:xfrm>
+            <a:off x="8414237" y="1529182"/>
+            <a:ext cx="1543393" cy="830997"/>
+          </a:xfrm>
+          <a:prstGeom prst="rect">
+            <a:avLst/>
+          </a:prstGeom>
+          <a:noFill/>
+        </p:spPr>
+        <p:txBody>
+          <a:bodyPr wrap="square" rtlCol="0">
+            <a:spAutoFit/>
+          </a:bodyPr>
+          <a:lstStyle/>
+          <a:p>
+            <a:pPr marL="285750" indent="-285750">
+              <a:buFont typeface="Arial" panose="020B0604020202020204" pitchFamily="34" charset="0"/>
+              <a:buChar char="•"/>
+            </a:pPr>
+            <a:r>
+              <a:rPr lang="es-CO" sz="1200" dirty="0"/>
+              <a:t>Administrador</a:t>
+            </a:r>
+          </a:p>
+          <a:p>
+            <a:pPr marL="285750" indent="-285750">
+              <a:buFont typeface="Arial" panose="020B0604020202020204" pitchFamily="34" charset="0"/>
+              <a:buChar char="•"/>
+            </a:pPr>
+            <a:r>
+              <a:rPr lang="es-CO" sz="1200" dirty="0"/>
+              <a:t>Ambientes</a:t>
+            </a:r>
+          </a:p>
+          <a:p>
+            <a:pPr marL="285750" indent="-285750">
+              <a:buFont typeface="Arial" panose="020B0604020202020204" pitchFamily="34" charset="0"/>
+              <a:buChar char="•"/>
+            </a:pPr>
+            <a:r>
+              <a:rPr lang="es-CO" sz="1200" dirty="0"/>
+              <a:t>Aplicaciones</a:t>
+            </a:r>
+          </a:p>
+          <a:p>
+            <a:pPr marL="285750" indent="-285750">
+              <a:buFont typeface="Arial" panose="020B0604020202020204" pitchFamily="34" charset="0"/>
+              <a:buChar char="•"/>
+            </a:pPr>
+            <a:r>
+              <a:rPr lang="es-CO" sz="1200" dirty="0"/>
+              <a:t>Serv,App,BD,FIle</a:t>
+            </a:r>
+          </a:p>
+        </p:txBody>
+      </p:sp>
+      <p:sp>
+        <p:nvSpPr>
+          <p:cNvPr id="9" name="CuadroTexto 8">
+            <a:extLst>
+              <a:ext uri="{FF2B5EF4-FFF2-40B4-BE49-F238E27FC236}">
+                <a16:creationId xmlns:a16="http://schemas.microsoft.com/office/drawing/2014/main" id="{C7293781-AE6C-48A6-9D15-8913E6829AEF}"/>
+              </a:ext>
+            </a:extLst>
+          </p:cNvPr>
+          <p:cNvSpPr txBox="1"/>
+          <p:nvPr/>
+        </p:nvSpPr>
+        <p:spPr>
+          <a:xfrm>
+            <a:off x="10172699" y="1529182"/>
+            <a:ext cx="1543393" cy="461665"/>
+          </a:xfrm>
+          <a:prstGeom prst="rect">
+            <a:avLst/>
+          </a:prstGeom>
+          <a:noFill/>
+        </p:spPr>
+        <p:txBody>
+          <a:bodyPr wrap="square" rtlCol="0">
+            <a:spAutoFit/>
+          </a:bodyPr>
+          <a:lstStyle/>
+          <a:p>
+            <a:pPr marL="171450" indent="-171450">
+              <a:buFont typeface="Arial" panose="020B0604020202020204" pitchFamily="34" charset="0"/>
+              <a:buChar char="•"/>
+            </a:pPr>
+            <a:r>
+              <a:rPr lang="es-CO" sz="1200" dirty="0"/>
+              <a:t>Perfil</a:t>
+            </a:r>
+          </a:p>
+          <a:p>
+            <a:pPr marL="171450" indent="-171450">
+              <a:buFont typeface="Arial" panose="020B0604020202020204" pitchFamily="34" charset="0"/>
+              <a:buChar char="•"/>
+            </a:pPr>
+            <a:r>
+              <a:rPr lang="es-CO" sz="1200" dirty="0"/>
+              <a:t>Log-</a:t>
+            </a:r>
+            <a:r>
+              <a:rPr lang="es-CO" sz="1200" dirty="0" err="1"/>
+              <a:t>Out</a:t>
+            </a:r>
+            <a:endParaRPr lang="es-CO" sz="1200" dirty="0"/>
+          </a:p>
+        </p:txBody>
+      </p:sp>
+      <p:grpSp>
+        <p:nvGrpSpPr>
+          <p:cNvPr id="14" name="Grupo 13">
+            <a:extLst>
+              <a:ext uri="{FF2B5EF4-FFF2-40B4-BE49-F238E27FC236}">
+                <a16:creationId xmlns:a16="http://schemas.microsoft.com/office/drawing/2014/main" id="{4CD8BC3D-FC81-48B5-B9BA-8F54932AF005}"/>
+              </a:ext>
+            </a:extLst>
+          </p:cNvPr>
+          <p:cNvGrpSpPr/>
+          <p:nvPr/>
+        </p:nvGrpSpPr>
+        <p:grpSpPr>
+          <a:xfrm>
+            <a:off x="250401" y="903374"/>
+            <a:ext cx="1286051" cy="1011116"/>
+            <a:chOff x="366903" y="149469"/>
+            <a:chExt cx="1286051" cy="1011116"/>
+          </a:xfrm>
+        </p:grpSpPr>
+        <p:sp>
+          <p:nvSpPr>
+            <p:cNvPr id="15" name="Rectángulo: esquinas redondeadas 14">
+              <a:extLst>
+                <a:ext uri="{FF2B5EF4-FFF2-40B4-BE49-F238E27FC236}">
+                  <a16:creationId xmlns:a16="http://schemas.microsoft.com/office/drawing/2014/main" id="{55CC0FA6-EAA3-4B69-9156-4952F67B62D0}"/>
+                </a:ext>
+              </a:extLst>
+            </p:cNvPr>
+            <p:cNvSpPr/>
+            <p:nvPr/>
+          </p:nvSpPr>
+          <p:spPr>
+            <a:xfrm>
+              <a:off x="366903" y="149469"/>
+              <a:ext cx="1286051" cy="1011116"/>
+            </a:xfrm>
+            <a:prstGeom prst="roundRect">
+              <a:avLst/>
+            </a:prstGeom>
+            <a:solidFill>
+              <a:schemeClr val="bg1"/>
+            </a:solidFill>
+          </p:spPr>
+          <p:style>
+            <a:lnRef idx="2">
+              <a:schemeClr val="accent1">
+                <a:shade val="50000"/>
+              </a:schemeClr>
+            </a:lnRef>
+            <a:fillRef idx="1">
+              <a:schemeClr val="accent1"/>
+            </a:fillRef>
+            <a:effectRef idx="0">
+              <a:schemeClr val="accent1"/>
+            </a:effectRef>
+            <a:fontRef idx="minor">
+              <a:schemeClr val="lt1"/>
+            </a:fontRef>
+          </p:style>
+          <p:txBody>
+            <a:bodyPr rtlCol="0" anchor="ctr"/>
+            <a:lstStyle/>
+            <a:p>
+              <a:pPr algn="ctr"/>
+              <a:endParaRPr lang="es-CO"/>
+            </a:p>
+          </p:txBody>
+        </p:sp>
+        <p:pic>
+          <p:nvPicPr>
+            <p:cNvPr id="16" name="Imagen 15" descr="Una caricatura de una persona&#10;&#10;Descripción generada automáticamente con confianza baja">
+              <a:extLst>
+                <a:ext uri="{FF2B5EF4-FFF2-40B4-BE49-F238E27FC236}">
+                  <a16:creationId xmlns:a16="http://schemas.microsoft.com/office/drawing/2014/main" id="{19C9FF43-D4C3-404F-A1A8-2450C6BB9276}"/>
+                </a:ext>
+              </a:extLst>
+            </p:cNvPr>
+            <p:cNvPicPr>
+              <a:picLocks noChangeAspect="1"/>
+            </p:cNvPicPr>
+            <p:nvPr/>
+          </p:nvPicPr>
+          <p:blipFill>
+            <a:blip r:embed="rId2">
+              <a:extLst>
+                <a:ext uri="{28A0092B-C50C-407E-A947-70E740481C1C}">
+                  <a14:useLocalDpi xmlns:a14="http://schemas.microsoft.com/office/drawing/2010/main" val="0"/>
+                </a:ext>
+              </a:extLst>
+            </a:blip>
+            <a:stretch>
+              <a:fillRect/>
+            </a:stretch>
+          </p:blipFill>
+          <p:spPr>
+            <a:xfrm>
+              <a:off x="485941" y="260052"/>
+              <a:ext cx="1047974" cy="789950"/>
+            </a:xfrm>
+            <a:prstGeom prst="rect">
+              <a:avLst/>
+            </a:prstGeom>
+          </p:spPr>
+        </p:pic>
+      </p:grpSp>
+      <p:sp>
+        <p:nvSpPr>
+          <p:cNvPr id="19" name="CuadroTexto 18">
+            <a:extLst>
+              <a:ext uri="{FF2B5EF4-FFF2-40B4-BE49-F238E27FC236}">
+                <a16:creationId xmlns:a16="http://schemas.microsoft.com/office/drawing/2014/main" id="{69F1B46B-BC1F-43C2-B37A-FEAC4A47E299}"/>
+              </a:ext>
+            </a:extLst>
+          </p:cNvPr>
+          <p:cNvSpPr txBox="1"/>
+          <p:nvPr/>
+        </p:nvSpPr>
+        <p:spPr>
+          <a:xfrm>
+            <a:off x="1090246" y="2945423"/>
+            <a:ext cx="2426677" cy="369332"/>
+          </a:xfrm>
+          <a:prstGeom prst="rect">
+            <a:avLst/>
+          </a:prstGeom>
+          <a:noFill/>
+        </p:spPr>
+        <p:txBody>
+          <a:bodyPr wrap="square" rtlCol="0">
+            <a:spAutoFit/>
+          </a:bodyPr>
+          <a:lstStyle/>
+          <a:p>
+            <a:r>
+              <a:rPr lang="es-CO" dirty="0"/>
+              <a:t>Usuario Futuro </a:t>
+            </a:r>
+            <a:r>
+              <a:rPr lang="es-CO" dirty="0" err="1"/>
+              <a:t>Admin</a:t>
+            </a:r>
+            <a:r>
+              <a:rPr lang="es-CO" dirty="0"/>
+              <a:t>:</a:t>
+            </a:r>
+          </a:p>
+        </p:txBody>
+      </p:sp>
+      <p:sp>
+        <p:nvSpPr>
+          <p:cNvPr id="20" name="Rectángulo: esquinas diagonales cortadas 19">
+            <a:extLst>
+              <a:ext uri="{FF2B5EF4-FFF2-40B4-BE49-F238E27FC236}">
+                <a16:creationId xmlns:a16="http://schemas.microsoft.com/office/drawing/2014/main" id="{1980C4B2-C76E-447E-A37E-27C232A9004A}"/>
+              </a:ext>
+            </a:extLst>
+          </p:cNvPr>
+          <p:cNvSpPr/>
+          <p:nvPr/>
+        </p:nvSpPr>
+        <p:spPr>
+          <a:xfrm>
+            <a:off x="1194652" y="3465195"/>
+            <a:ext cx="2815741" cy="369332"/>
+          </a:xfrm>
+          <a:prstGeom prst="snip2DiagRect">
+            <a:avLst/>
+          </a:prstGeom>
+          <a:solidFill>
+            <a:schemeClr val="accent5">
+              <a:lumMod val="40000"/>
+              <a:lumOff val="60000"/>
+            </a:schemeClr>
+          </a:solidFill>
+        </p:spPr>
+        <p:style>
+          <a:lnRef idx="2">
+            <a:schemeClr val="accent1">
+              <a:shade val="50000"/>
+            </a:schemeClr>
+          </a:lnRef>
+          <a:fillRef idx="1">
+            <a:schemeClr val="accent1"/>
+          </a:fillRef>
+          <a:effectRef idx="0">
+            <a:schemeClr val="accent1"/>
+          </a:effectRef>
+          <a:fontRef idx="minor">
+            <a:schemeClr val="lt1"/>
+          </a:fontRef>
+        </p:style>
+        <p:txBody>
+          <a:bodyPr rtlCol="0" anchor="ctr"/>
+          <a:lstStyle/>
+          <a:p>
+            <a:pPr algn="ctr"/>
+            <a:endParaRPr lang="es-CO"/>
+          </a:p>
+        </p:txBody>
+      </p:sp>
+      <p:sp>
+        <p:nvSpPr>
+          <p:cNvPr id="21" name="CuadroTexto 20">
+            <a:extLst>
+              <a:ext uri="{FF2B5EF4-FFF2-40B4-BE49-F238E27FC236}">
+                <a16:creationId xmlns:a16="http://schemas.microsoft.com/office/drawing/2014/main" id="{EF9708B1-7F09-43A1-96A5-E3702F717E9E}"/>
+              </a:ext>
+            </a:extLst>
+          </p:cNvPr>
+          <p:cNvSpPr txBox="1"/>
+          <p:nvPr/>
+        </p:nvSpPr>
+        <p:spPr>
+          <a:xfrm>
+            <a:off x="1194652" y="3465195"/>
+            <a:ext cx="2815741" cy="369332"/>
+          </a:xfrm>
+          <a:prstGeom prst="rect">
+            <a:avLst/>
+          </a:prstGeom>
+          <a:noFill/>
+        </p:spPr>
+        <p:txBody>
+          <a:bodyPr wrap="square" rtlCol="0">
+            <a:spAutoFit/>
+          </a:bodyPr>
+          <a:lstStyle/>
+          <a:p>
+            <a:r>
+              <a:rPr lang="es-CO" dirty="0"/>
+              <a:t>Ej12345</a:t>
+            </a:r>
+          </a:p>
+        </p:txBody>
+      </p:sp>
+      <p:sp>
+        <p:nvSpPr>
+          <p:cNvPr id="22" name="CuadroTexto 21">
+            <a:extLst>
+              <a:ext uri="{FF2B5EF4-FFF2-40B4-BE49-F238E27FC236}">
+                <a16:creationId xmlns:a16="http://schemas.microsoft.com/office/drawing/2014/main" id="{1B4C395C-CF85-4FCC-B375-025D009A1C4F}"/>
+              </a:ext>
+            </a:extLst>
+          </p:cNvPr>
+          <p:cNvSpPr txBox="1"/>
+          <p:nvPr/>
+        </p:nvSpPr>
+        <p:spPr>
+          <a:xfrm>
+            <a:off x="1194652" y="4537344"/>
+            <a:ext cx="2426677" cy="369332"/>
+          </a:xfrm>
+          <a:prstGeom prst="rect">
+            <a:avLst/>
+          </a:prstGeom>
+          <a:noFill/>
+        </p:spPr>
+        <p:txBody>
+          <a:bodyPr wrap="square" rtlCol="0">
+            <a:spAutoFit/>
+          </a:bodyPr>
+          <a:lstStyle/>
+          <a:p>
+            <a:r>
+              <a:rPr lang="es-CO" dirty="0"/>
+              <a:t>Contraseña Jefe:</a:t>
+            </a:r>
+          </a:p>
+        </p:txBody>
+      </p:sp>
+      <p:sp>
+        <p:nvSpPr>
+          <p:cNvPr id="23" name="CuadroTexto 22">
+            <a:extLst>
+              <a:ext uri="{FF2B5EF4-FFF2-40B4-BE49-F238E27FC236}">
+                <a16:creationId xmlns:a16="http://schemas.microsoft.com/office/drawing/2014/main" id="{686D023E-B4E8-4072-B2E2-C07DCBFDC3DB}"/>
+              </a:ext>
+            </a:extLst>
+          </p:cNvPr>
+          <p:cNvSpPr txBox="1"/>
+          <p:nvPr/>
+        </p:nvSpPr>
+        <p:spPr>
+          <a:xfrm>
+            <a:off x="1194650" y="4972410"/>
+            <a:ext cx="2815741" cy="369332"/>
+          </a:xfrm>
+          <a:prstGeom prst="rect">
+            <a:avLst/>
+          </a:prstGeom>
+          <a:noFill/>
+        </p:spPr>
+        <p:txBody>
+          <a:bodyPr wrap="square" rtlCol="0">
+            <a:spAutoFit/>
+          </a:bodyPr>
+          <a:lstStyle/>
+          <a:p>
+            <a:r>
+              <a:rPr lang="es-CO" dirty="0"/>
+              <a:t>* * * * * * * * * * *</a:t>
+            </a:r>
+          </a:p>
+        </p:txBody>
+      </p:sp>
+      <p:sp>
+        <p:nvSpPr>
+          <p:cNvPr id="25" name="Flecha: a la derecha 24">
+            <a:extLst>
+              <a:ext uri="{FF2B5EF4-FFF2-40B4-BE49-F238E27FC236}">
+                <a16:creationId xmlns:a16="http://schemas.microsoft.com/office/drawing/2014/main" id="{41ABD64C-A4EA-4DF6-AAD4-1A67DA8A4D34}"/>
+              </a:ext>
+            </a:extLst>
+          </p:cNvPr>
+          <p:cNvSpPr/>
+          <p:nvPr/>
+        </p:nvSpPr>
+        <p:spPr>
+          <a:xfrm>
+            <a:off x="5319346" y="4229100"/>
+            <a:ext cx="2945423" cy="817685"/>
+          </a:xfrm>
+          <a:prstGeom prst="rightArrow">
+            <a:avLst/>
+          </a:prstGeom>
+        </p:spPr>
+        <p:style>
+          <a:lnRef idx="2">
+            <a:schemeClr val="accent1">
+              <a:shade val="50000"/>
+            </a:schemeClr>
+          </a:lnRef>
+          <a:fillRef idx="1">
+            <a:schemeClr val="accent1"/>
+          </a:fillRef>
+          <a:effectRef idx="0">
+            <a:schemeClr val="accent1"/>
+          </a:effectRef>
+          <a:fontRef idx="minor">
+            <a:schemeClr val="lt1"/>
+          </a:fontRef>
+        </p:style>
+        <p:txBody>
+          <a:bodyPr rtlCol="0" anchor="ctr"/>
+          <a:lstStyle/>
+          <a:p>
+            <a:pPr algn="ctr"/>
+            <a:endParaRPr lang="es-CO"/>
+          </a:p>
+        </p:txBody>
+      </p:sp>
+      <p:sp>
+        <p:nvSpPr>
+          <p:cNvPr id="26" name="CuadroTexto 25">
+            <a:extLst>
+              <a:ext uri="{FF2B5EF4-FFF2-40B4-BE49-F238E27FC236}">
+                <a16:creationId xmlns:a16="http://schemas.microsoft.com/office/drawing/2014/main" id="{91C45E75-0BB1-4925-A775-23B6FDA7E9A8}"/>
+              </a:ext>
+            </a:extLst>
+          </p:cNvPr>
+          <p:cNvSpPr txBox="1"/>
+          <p:nvPr/>
+        </p:nvSpPr>
+        <p:spPr>
+          <a:xfrm>
+            <a:off x="5319346" y="4462387"/>
+            <a:ext cx="2584938" cy="369332"/>
+          </a:xfrm>
+          <a:prstGeom prst="rect">
+            <a:avLst/>
+          </a:prstGeom>
+          <a:noFill/>
+        </p:spPr>
+        <p:txBody>
+          <a:bodyPr wrap="square" rtlCol="0">
+            <a:spAutoFit/>
+          </a:bodyPr>
+          <a:lstStyle/>
+          <a:p>
+            <a:pPr algn="ctr"/>
+            <a:r>
+              <a:rPr lang="es-CO" dirty="0">
+                <a:solidFill>
+                  <a:schemeClr val="bg1"/>
+                </a:solidFill>
+              </a:rPr>
+              <a:t>Alerta</a:t>
+            </a:r>
+          </a:p>
+        </p:txBody>
+      </p:sp>
+      <p:sp>
+        <p:nvSpPr>
+          <p:cNvPr id="27" name="Rectángulo: esquinas redondeadas 26">
+            <a:extLst>
+              <a:ext uri="{FF2B5EF4-FFF2-40B4-BE49-F238E27FC236}">
+                <a16:creationId xmlns:a16="http://schemas.microsoft.com/office/drawing/2014/main" id="{4A18B2BF-18C9-4256-88F2-C1293BA3D044}"/>
+              </a:ext>
+            </a:extLst>
+          </p:cNvPr>
+          <p:cNvSpPr/>
+          <p:nvPr/>
+        </p:nvSpPr>
+        <p:spPr>
+          <a:xfrm>
+            <a:off x="8625254" y="3982915"/>
+            <a:ext cx="3217984" cy="1358827"/>
+          </a:xfrm>
+          <a:prstGeom prst="roundRect">
+            <a:avLst/>
+          </a:prstGeom>
+          <a:solidFill>
+            <a:schemeClr val="bg1">
+              <a:lumMod val="85000"/>
+            </a:schemeClr>
+          </a:solidFill>
+        </p:spPr>
+        <p:style>
+          <a:lnRef idx="2">
+            <a:schemeClr val="accent1">
+              <a:shade val="50000"/>
+            </a:schemeClr>
+          </a:lnRef>
+          <a:fillRef idx="1">
+            <a:schemeClr val="accent1"/>
+          </a:fillRef>
+          <a:effectRef idx="0">
+            <a:schemeClr val="accent1"/>
+          </a:effectRef>
+          <a:fontRef idx="minor">
+            <a:schemeClr val="lt1"/>
+          </a:fontRef>
+        </p:style>
+        <p:txBody>
+          <a:bodyPr rtlCol="0" anchor="ctr"/>
+          <a:lstStyle/>
+          <a:p>
+            <a:pPr algn="ctr"/>
+            <a:r>
+              <a:rPr lang="es-CO" dirty="0">
+                <a:solidFill>
+                  <a:schemeClr val="tx1"/>
+                </a:solidFill>
+              </a:rPr>
+              <a:t>Se ha designado el administrador con éxito</a:t>
+            </a:r>
+          </a:p>
+        </p:txBody>
+      </p:sp>
+    </p:spTree>
+    <p:extLst>
+      <p:ext uri="{BB962C8B-B14F-4D97-AF65-F5344CB8AC3E}">
+        <p14:creationId xmlns:p14="http://schemas.microsoft.com/office/powerpoint/2010/main" val="3775142525"/>
       </p:ext>
     </p:extLst>
   </p:cSld>
